--- a/Presentación_PIPELINES.pptx
+++ b/Presentación_PIPELINES.pptx
@@ -5,7 +5,7 @@
     <p:sldMasterId id="2147483742" r:id="rId1"/>
   </p:sldMasterIdLst>
   <p:notesMasterIdLst>
-    <p:notesMasterId r:id="rId7"/>
+    <p:notesMasterId r:id="rId9"/>
   </p:notesMasterIdLst>
   <p:sldIdLst>
     <p:sldId id="256" r:id="rId2"/>
@@ -13,6 +13,8 @@
     <p:sldId id="258" r:id="rId4"/>
     <p:sldId id="259" r:id="rId5"/>
     <p:sldId id="260" r:id="rId6"/>
+    <p:sldId id="262" r:id="rId7"/>
+    <p:sldId id="261" r:id="rId8"/>
   </p:sldIdLst>
   <p:sldSz cx="12192000" cy="6858000"/>
   <p:notesSz cx="6858000" cy="9144000"/>
@@ -111,6 +113,11 @@
       </a:defRPr>
     </a:lvl9pPr>
   </p:defaultTextStyle>
+  <p:extLst>
+    <p:ext uri="{EFAFB233-063F-42B5-8137-9DF3F51BA10A}">
+      <p15:sldGuideLst xmlns:p15="http://schemas.microsoft.com/office/powerpoint/2012/main"/>
+    </p:ext>
+  </p:extLst>
 </p:presentation>
 </file>
 
@@ -196,7 +203,7 @@
           <a:p>
             <a:fld id="{155E4B7E-6DB9-4D08-8058-DF1F74961658}" type="datetimeFigureOut">
               <a:rPr lang="es-ES" smtClean="0"/>
-              <a:t>30/10/2024</a:t>
+              <a:t>02/11/2024</a:t>
             </a:fld>
             <a:endParaRPr lang="es-ES"/>
           </a:p>
@@ -651,7 +658,7 @@
           <a:p>
             <a:fld id="{97DE76D3-22AC-47BC-A4F7-73D221575698}" type="datetime1">
               <a:rPr lang="es-ES" smtClean="0"/>
-              <a:t>30/10/2024</a:t>
+              <a:t>02/11/2024</a:t>
             </a:fld>
             <a:endParaRPr lang="es-ES"/>
           </a:p>
@@ -989,7 +996,7 @@
           <a:p>
             <a:fld id="{482B3691-0031-41A3-AE79-7BF7BED1CD64}" type="datetime1">
               <a:rPr lang="es-ES" smtClean="0"/>
-              <a:t>30/10/2024</a:t>
+              <a:t>02/11/2024</a:t>
             </a:fld>
             <a:endParaRPr lang="es-ES"/>
           </a:p>
@@ -1390,7 +1397,7 @@
           <a:p>
             <a:fld id="{2B9FECCD-74A3-4B88-812E-70E99DDF7F5E}" type="datetime1">
               <a:rPr lang="es-ES" smtClean="0"/>
-              <a:t>30/10/2024</a:t>
+              <a:t>02/11/2024</a:t>
             </a:fld>
             <a:endParaRPr lang="es-ES"/>
           </a:p>
@@ -1726,7 +1733,7 @@
           <a:p>
             <a:fld id="{650566EE-4040-40A2-A9CF-B8DEE94D23D5}" type="datetime1">
               <a:rPr lang="es-ES" smtClean="0"/>
-              <a:t>30/10/2024</a:t>
+              <a:t>02/11/2024</a:t>
             </a:fld>
             <a:endParaRPr lang="es-ES"/>
           </a:p>
@@ -2046,7 +2053,7 @@
           <a:p>
             <a:fld id="{FA1E56F8-2A77-4F09-A59C-1F987A837443}" type="datetime1">
               <a:rPr lang="es-ES" smtClean="0"/>
-              <a:t>30/10/2024</a:t>
+              <a:t>02/11/2024</a:t>
             </a:fld>
             <a:endParaRPr lang="es-ES"/>
           </a:p>
@@ -2442,7 +2449,7 @@
           <a:p>
             <a:fld id="{468347EE-8D97-4F36-BE23-B3592A04D5C0}" type="datetime1">
               <a:rPr lang="es-ES" smtClean="0"/>
-              <a:t>30/10/2024</a:t>
+              <a:t>02/11/2024</a:t>
             </a:fld>
             <a:endParaRPr lang="es-ES"/>
           </a:p>
@@ -2699,7 +2706,7 @@
           <a:p>
             <a:fld id="{D64F977A-0A93-4CFE-86FE-650C7236B97F}" type="datetime1">
               <a:rPr lang="es-ES" smtClean="0"/>
-              <a:t>30/10/2024</a:t>
+              <a:t>02/11/2024</a:t>
             </a:fld>
             <a:endParaRPr lang="es-ES"/>
           </a:p>
@@ -2961,7 +2968,7 @@
           <a:p>
             <a:fld id="{9BC557DB-1E69-47FB-8D1D-88D1EAB23CC6}" type="datetime1">
               <a:rPr lang="es-ES" smtClean="0"/>
-              <a:t>30/10/2024</a:t>
+              <a:t>02/11/2024</a:t>
             </a:fld>
             <a:endParaRPr lang="es-ES"/>
           </a:p>
@@ -3223,7 +3230,7 @@
           <a:p>
             <a:fld id="{CF934D63-6C0D-4EEA-9686-2E1DD9B15529}" type="datetime1">
               <a:rPr lang="es-ES" smtClean="0"/>
-              <a:t>30/10/2024</a:t>
+              <a:t>02/11/2024</a:t>
             </a:fld>
             <a:endParaRPr lang="es-ES"/>
           </a:p>
@@ -3552,7 +3559,7 @@
           <a:p>
             <a:fld id="{726035AF-D13A-4570-92AE-A874C97CBAF5}" type="datetime1">
               <a:rPr lang="es-ES" smtClean="0"/>
-              <a:t>30/10/2024</a:t>
+              <a:t>02/11/2024</a:t>
             </a:fld>
             <a:endParaRPr lang="es-ES"/>
           </a:p>
@@ -3875,7 +3882,7 @@
           <a:p>
             <a:fld id="{C987B376-A433-4D3A-AEF8-67353FFECAF1}" type="datetime1">
               <a:rPr lang="es-ES" smtClean="0"/>
-              <a:t>30/10/2024</a:t>
+              <a:t>02/11/2024</a:t>
             </a:fld>
             <a:endParaRPr lang="es-ES"/>
           </a:p>
@@ -4332,7 +4339,7 @@
           <a:p>
             <a:fld id="{8C5ABA5B-15F2-495F-AAC1-4B13B7B8A257}" type="datetime1">
               <a:rPr lang="es-ES" smtClean="0"/>
-              <a:t>30/10/2024</a:t>
+              <a:t>02/11/2024</a:t>
             </a:fld>
             <a:endParaRPr lang="es-ES"/>
           </a:p>
@@ -4537,7 +4544,7 @@
           <a:p>
             <a:fld id="{C545372B-E898-4A88-9C3B-F32F9E39805E}" type="datetime1">
               <a:rPr lang="es-ES" smtClean="0"/>
-              <a:t>30/10/2024</a:t>
+              <a:t>02/11/2024</a:t>
             </a:fld>
             <a:endParaRPr lang="es-ES"/>
           </a:p>
@@ -4714,7 +4721,7 @@
           <a:p>
             <a:fld id="{4CA917DE-2467-4B17-98E3-B7D01C7EFCA8}" type="datetime1">
               <a:rPr lang="es-ES" smtClean="0"/>
-              <a:t>30/10/2024</a:t>
+              <a:t>02/11/2024</a:t>
             </a:fld>
             <a:endParaRPr lang="es-ES"/>
           </a:p>
@@ -5047,7 +5054,7 @@
           <a:p>
             <a:fld id="{99077330-DE06-40B0-8DDC-11C05A371DD6}" type="datetime1">
               <a:rPr lang="es-ES" smtClean="0"/>
-              <a:t>30/10/2024</a:t>
+              <a:t>02/11/2024</a:t>
             </a:fld>
             <a:endParaRPr lang="es-ES"/>
           </a:p>
@@ -5392,7 +5399,7 @@
           <a:p>
             <a:fld id="{28E30A13-7DEF-452C-A7C7-88A9E2257769}" type="datetime1">
               <a:rPr lang="es-ES" smtClean="0"/>
-              <a:t>30/10/2024</a:t>
+              <a:t>02/11/2024</a:t>
             </a:fld>
             <a:endParaRPr lang="es-ES"/>
           </a:p>
@@ -7509,7 +7516,7 @@
           <a:p>
             <a:fld id="{0EAD0A85-5BF7-45BA-988A-69EBDB177B39}" type="datetime1">
               <a:rPr lang="es-ES" smtClean="0"/>
-              <a:t>30/10/2024</a:t>
+              <a:t>02/11/2024</a:t>
             </a:fld>
             <a:endParaRPr lang="es-ES"/>
           </a:p>
@@ -9431,7 +9438,7 @@
         <p:spPr>
           <a:xfrm>
             <a:off x="1892300" y="624110"/>
-            <a:ext cx="9767887" cy="1280890"/>
+            <a:ext cx="9767887" cy="834576"/>
           </a:xfrm>
         </p:spPr>
         <p:txBody>
@@ -9444,7 +9451,7 @@
                 <a:ea typeface="Calibri" panose="020F0502020204030204" pitchFamily="34" charset="0"/>
                 <a:cs typeface="Times New Roman" panose="02020603050405020304" pitchFamily="18" charset="0"/>
               </a:rPr>
-              <a:t>Principales aspectos de nuestra creación de pipelines:</a:t>
+              <a:t>Pasos en la creación y uso de pipelines 1:</a:t>
             </a:r>
             <a:endParaRPr lang="es-ES" dirty="0"/>
           </a:p>
@@ -9468,7 +9475,7 @@
         </p:nvSpPr>
         <p:spPr>
           <a:xfrm>
-            <a:off x="1892300" y="2133600"/>
+            <a:off x="1826262" y="1752600"/>
             <a:ext cx="9612312" cy="1676400"/>
           </a:xfrm>
         </p:spPr>
@@ -9494,7 +9501,10 @@
               <a:t>, separación en </a:t>
             </a:r>
             <a:r>
-              <a:rPr lang="es-ES" sz="1800" i="1" dirty="0" err="1">
+              <a:rPr lang="es-ES" sz="1800" b="1" i="1" dirty="0" err="1">
+                <a:solidFill>
+                  <a:srgbClr val="0070C0"/>
+                </a:solidFill>
                 <a:latin typeface="+mn-lt"/>
                 <a:ea typeface="Calibri" panose="020F0502020204030204" pitchFamily="34" charset="0"/>
                 <a:cs typeface="Calibri" panose="020F0502020204030204" pitchFamily="34" charset="0"/>
@@ -9502,6 +9512,46 @@
               </a:rPr>
               <a:t>train</a:t>
             </a:r>
+            <a:r>
+              <a:rPr lang="es-ES" sz="1800" b="1" i="1" dirty="0">
+                <a:solidFill>
+                  <a:srgbClr val="0070C0"/>
+                </a:solidFill>
+                <a:latin typeface="+mn-lt"/>
+                <a:ea typeface="Calibri" panose="020F0502020204030204" pitchFamily="34" charset="0"/>
+                <a:cs typeface="Calibri" panose="020F0502020204030204" pitchFamily="34" charset="0"/>
+                <a:sym typeface="Wingdings" panose="05000000000000000000" pitchFamily="2" charset="2"/>
+              </a:rPr>
+              <a:t> y test </a:t>
+            </a:r>
+            <a:r>
+              <a:rPr lang="es-ES" sz="1800" dirty="0">
+                <a:latin typeface="+mn-lt"/>
+                <a:ea typeface="Calibri" panose="020F0502020204030204" pitchFamily="34" charset="0"/>
+                <a:cs typeface="Calibri" panose="020F0502020204030204" pitchFamily="34" charset="0"/>
+                <a:sym typeface="Wingdings" panose="05000000000000000000" pitchFamily="2" charset="2"/>
+              </a:rPr>
+              <a:t>y </a:t>
+            </a:r>
+            <a:r>
+              <a:rPr lang="es-ES" sz="1800" dirty="0" err="1">
+                <a:latin typeface="+mn-lt"/>
+                <a:ea typeface="Calibri" panose="020F0502020204030204" pitchFamily="34" charset="0"/>
+                <a:cs typeface="Calibri" panose="020F0502020204030204" pitchFamily="34" charset="0"/>
+                <a:sym typeface="Wingdings" panose="05000000000000000000" pitchFamily="2" charset="2"/>
+              </a:rPr>
+              <a:t>Minieda</a:t>
+            </a:r>
+            <a:r>
+              <a:rPr lang="es-ES" dirty="0">
+                <a:ea typeface="Calibri" panose="020F0502020204030204" pitchFamily="34" charset="0"/>
+                <a:cs typeface="Calibri" panose="020F0502020204030204" pitchFamily="34" charset="0"/>
+                <a:sym typeface="Wingdings" panose="05000000000000000000" pitchFamily="2" charset="2"/>
+              </a:rPr>
+              <a:t>.</a:t>
+            </a:r>
+          </a:p>
+          <a:p>
             <a:r>
               <a:rPr lang="es-ES" sz="1800" i="1" dirty="0">
                 <a:latin typeface="+mn-lt"/>
@@ -9509,7 +9559,19 @@
                 <a:cs typeface="Calibri" panose="020F0502020204030204" pitchFamily="34" charset="0"/>
                 <a:sym typeface="Wingdings" panose="05000000000000000000" pitchFamily="2" charset="2"/>
               </a:rPr>
-              <a:t> </a:t>
+              <a:t>Pasos usando </a:t>
+            </a:r>
+            <a:r>
+              <a:rPr lang="es-ES" sz="1800" i="1" dirty="0">
+                <a:solidFill>
+                  <a:srgbClr val="00B050"/>
+                </a:solidFill>
+                <a:latin typeface="+mn-lt"/>
+                <a:ea typeface="Calibri" panose="020F0502020204030204" pitchFamily="34" charset="0"/>
+                <a:cs typeface="Calibri" panose="020F0502020204030204" pitchFamily="34" charset="0"/>
+                <a:sym typeface="Wingdings" panose="05000000000000000000" pitchFamily="2" charset="2"/>
+              </a:rPr>
+              <a:t>PIPELINES</a:t>
             </a:r>
             <a:r>
               <a:rPr lang="es-ES" sz="1800" dirty="0">
@@ -9518,91 +9580,42 @@
                 <a:cs typeface="Calibri" panose="020F0502020204030204" pitchFamily="34" charset="0"/>
                 <a:sym typeface="Wingdings" panose="05000000000000000000" pitchFamily="2" charset="2"/>
               </a:rPr>
-              <a:t>y </a:t>
-            </a:r>
-            <a:r>
-              <a:rPr lang="es-ES" sz="1800" i="1" dirty="0">
-                <a:latin typeface="+mn-lt"/>
+              <a:t>:</a:t>
+            </a:r>
+          </a:p>
+          <a:p>
+            <a:pPr lvl="1"/>
+            <a:r>
+              <a:rPr lang="es-ES" dirty="0">
                 <a:ea typeface="Calibri" panose="020F0502020204030204" pitchFamily="34" charset="0"/>
                 <a:cs typeface="Calibri" panose="020F0502020204030204" pitchFamily="34" charset="0"/>
                 <a:sym typeface="Wingdings" panose="05000000000000000000" pitchFamily="2" charset="2"/>
               </a:rPr>
-              <a:t>test</a:t>
-            </a:r>
-            <a:r>
-              <a:rPr lang="es-ES" sz="1800" dirty="0">
-                <a:latin typeface="+mn-lt"/>
+              <a:t>1.Transformación de las </a:t>
+            </a:r>
+            <a:r>
+              <a:rPr lang="es-ES" i="1" dirty="0" err="1">
                 <a:ea typeface="Calibri" panose="020F0502020204030204" pitchFamily="34" charset="0"/>
                 <a:cs typeface="Calibri" panose="020F0502020204030204" pitchFamily="34" charset="0"/>
                 <a:sym typeface="Wingdings" panose="05000000000000000000" pitchFamily="2" charset="2"/>
               </a:rPr>
-              <a:t> y </a:t>
-            </a:r>
-            <a:r>
-              <a:rPr lang="es-ES" sz="1800" dirty="0" err="1">
-                <a:latin typeface="+mn-lt"/>
+              <a:t>features</a:t>
+            </a:r>
+            <a:r>
+              <a:rPr lang="es-ES" dirty="0">
                 <a:ea typeface="Calibri" panose="020F0502020204030204" pitchFamily="34" charset="0"/>
                 <a:cs typeface="Calibri" panose="020F0502020204030204" pitchFamily="34" charset="0"/>
                 <a:sym typeface="Wingdings" panose="05000000000000000000" pitchFamily="2" charset="2"/>
               </a:rPr>
-              <a:t>Minieda</a:t>
+              <a:t> </a:t>
             </a:r>
             <a:r>
               <a:rPr lang="es-ES" dirty="0">
                 <a:ea typeface="Calibri" panose="020F0502020204030204" pitchFamily="34" charset="0"/>
                 <a:cs typeface="Calibri" panose="020F0502020204030204" pitchFamily="34" charset="0"/>
-                <a:sym typeface="Wingdings" panose="05000000000000000000" pitchFamily="2" charset="2"/>
-              </a:rPr>
-              <a:t>.</a:t>
-            </a:r>
-          </a:p>
-          <a:p>
-            <a:r>
-              <a:rPr lang="es-ES" sz="1800" dirty="0">
-                <a:latin typeface="+mn-lt"/>
-                <a:ea typeface="Calibri" panose="020F0502020204030204" pitchFamily="34" charset="0"/>
-                <a:cs typeface="Calibri" panose="020F0502020204030204" pitchFamily="34" charset="0"/>
-                <a:sym typeface="Wingdings" panose="05000000000000000000" pitchFamily="2" charset="2"/>
-              </a:rPr>
-              <a:t>PIPELINES:</a:t>
-            </a:r>
-          </a:p>
-          <a:p>
-            <a:pPr lvl="1"/>
-            <a:r>
-              <a:rPr lang="es-ES" dirty="0">
-                <a:ea typeface="Calibri" panose="020F0502020204030204" pitchFamily="34" charset="0"/>
-                <a:cs typeface="Calibri" panose="020F0502020204030204" pitchFamily="34" charset="0"/>
-                <a:sym typeface="Wingdings" panose="05000000000000000000" pitchFamily="2" charset="2"/>
-              </a:rPr>
-              <a:t>Transformación de las </a:t>
-            </a:r>
-            <a:r>
-              <a:rPr lang="es-ES" dirty="0" err="1">
-                <a:ea typeface="Calibri" panose="020F0502020204030204" pitchFamily="34" charset="0"/>
-                <a:cs typeface="Calibri" panose="020F0502020204030204" pitchFamily="34" charset="0"/>
-                <a:sym typeface="Wingdings" panose="05000000000000000000" pitchFamily="2" charset="2"/>
-              </a:rPr>
-              <a:t>features</a:t>
-            </a:r>
-            <a:r>
-              <a:rPr lang="es-ES" dirty="0">
-                <a:ea typeface="Calibri" panose="020F0502020204030204" pitchFamily="34" charset="0"/>
-                <a:cs typeface="Calibri" panose="020F0502020204030204" pitchFamily="34" charset="0"/>
-                <a:sym typeface="Wingdings" panose="05000000000000000000" pitchFamily="2" charset="2"/>
-              </a:rPr>
-              <a:t> </a:t>
-            </a:r>
-            <a:r>
-              <a:rPr lang="es-ES" dirty="0">
-                <a:ea typeface="Calibri" panose="020F0502020204030204" pitchFamily="34" charset="0"/>
-                <a:cs typeface="Calibri" panose="020F0502020204030204" pitchFamily="34" charset="0"/>
-              </a:rPr>
-              <a:t>Exclusión de columnas, transformación logarítmica y escalado.</a:t>
-            </a:r>
-          </a:p>
-          <a:p>
-            <a:pPr lvl="1"/>
+              </a:rPr>
+              <a:t>Exclusión de columnas, transformación logarítmica y escalado. </a:t>
+            </a:r>
             <a:endParaRPr lang="es-ES" dirty="0">
               <a:ea typeface="Calibri" panose="020F0502020204030204" pitchFamily="34" charset="0"/>
               <a:cs typeface="Calibri" panose="020F0502020204030204" pitchFamily="34" charset="0"/>
@@ -9683,14 +9696,294 @@
         </p:blipFill>
         <p:spPr>
           <a:xfrm>
-            <a:off x="3485590" y="3810000"/>
-            <a:ext cx="5760010" cy="2626565"/>
+            <a:off x="3637038" y="3292404"/>
+            <a:ext cx="5029902" cy="2293636"/>
           </a:xfrm>
           <a:prstGeom prst="rect">
             <a:avLst/>
           </a:prstGeom>
         </p:spPr>
       </p:pic>
+      <p:pic>
+        <p:nvPicPr>
+          <p:cNvPr id="7" name="Imagen 6">
+            <a:extLst>
+              <a:ext uri="{FF2B5EF4-FFF2-40B4-BE49-F238E27FC236}">
+                <a16:creationId xmlns:a16="http://schemas.microsoft.com/office/drawing/2014/main" id="{8A4468B8-172F-2F1B-FC41-4DEDD4C0F41B}"/>
+              </a:ext>
+            </a:extLst>
+          </p:cNvPr>
+          <p:cNvPicPr>
+            <a:picLocks noChangeAspect="1"/>
+          </p:cNvPicPr>
+          <p:nvPr/>
+        </p:nvPicPr>
+        <p:blipFill>
+          <a:blip r:embed="rId3"/>
+          <a:stretch>
+            <a:fillRect/>
+          </a:stretch>
+        </p:blipFill>
+        <p:spPr>
+          <a:xfrm>
+            <a:off x="3633364" y="5722636"/>
+            <a:ext cx="5029902" cy="1057423"/>
+          </a:xfrm>
+          <a:prstGeom prst="rect">
+            <a:avLst/>
+          </a:prstGeom>
+        </p:spPr>
+      </p:pic>
+      <p:sp>
+        <p:nvSpPr>
+          <p:cNvPr id="8" name="CuadroTexto 7">
+            <a:extLst>
+              <a:ext uri="{FF2B5EF4-FFF2-40B4-BE49-F238E27FC236}">
+                <a16:creationId xmlns:a16="http://schemas.microsoft.com/office/drawing/2014/main" id="{31E58841-74AA-3F1D-B3CD-89D278D6E98F}"/>
+              </a:ext>
+            </a:extLst>
+          </p:cNvPr>
+          <p:cNvSpPr txBox="1"/>
+          <p:nvPr/>
+        </p:nvSpPr>
+        <p:spPr>
+          <a:xfrm>
+            <a:off x="9030916" y="4126304"/>
+            <a:ext cx="2241922" cy="830997"/>
+          </a:xfrm>
+          <a:prstGeom prst="rect">
+            <a:avLst/>
+          </a:prstGeom>
+          <a:noFill/>
+        </p:spPr>
+        <p:txBody>
+          <a:bodyPr wrap="square" rtlCol="0">
+            <a:spAutoFit/>
+          </a:bodyPr>
+          <a:lstStyle/>
+          <a:p>
+            <a:r>
+              <a:rPr lang="es-ES" sz="1600" dirty="0">
+                <a:ea typeface="Calibri" panose="020F0502020204030204" pitchFamily="34" charset="0"/>
+                <a:cs typeface="Calibri" panose="020F0502020204030204" pitchFamily="34" charset="0"/>
+              </a:rPr>
+              <a:t>Se instancian los </a:t>
+            </a:r>
+            <a:r>
+              <a:rPr lang="es-ES" sz="1600" b="1" dirty="0">
+                <a:solidFill>
+                  <a:srgbClr val="00B050"/>
+                </a:solidFill>
+                <a:ea typeface="Calibri" panose="020F0502020204030204" pitchFamily="34" charset="0"/>
+                <a:cs typeface="Calibri" panose="020F0502020204030204" pitchFamily="34" charset="0"/>
+              </a:rPr>
+              <a:t>Pipelines </a:t>
+            </a:r>
+            <a:r>
+              <a:rPr lang="es-ES" sz="1600" dirty="0">
+                <a:ea typeface="Calibri" panose="020F0502020204030204" pitchFamily="34" charset="0"/>
+                <a:cs typeface="Calibri" panose="020F0502020204030204" pitchFamily="34" charset="0"/>
+              </a:rPr>
+              <a:t>para el preprocesado</a:t>
+            </a:r>
+            <a:endParaRPr lang="es-ES" dirty="0"/>
+          </a:p>
+        </p:txBody>
+      </p:sp>
+      <p:sp>
+        <p:nvSpPr>
+          <p:cNvPr id="9" name="CuadroTexto 8">
+            <a:extLst>
+              <a:ext uri="{FF2B5EF4-FFF2-40B4-BE49-F238E27FC236}">
+                <a16:creationId xmlns:a16="http://schemas.microsoft.com/office/drawing/2014/main" id="{7C17CA89-3FC1-11B8-B16A-95EEFE913E82}"/>
+              </a:ext>
+            </a:extLst>
+          </p:cNvPr>
+          <p:cNvSpPr txBox="1"/>
+          <p:nvPr/>
+        </p:nvSpPr>
+        <p:spPr>
+          <a:xfrm>
+            <a:off x="9089654" y="5654605"/>
+            <a:ext cx="2570533" cy="1107996"/>
+          </a:xfrm>
+          <a:prstGeom prst="rect">
+            <a:avLst/>
+          </a:prstGeom>
+          <a:noFill/>
+        </p:spPr>
+        <p:txBody>
+          <a:bodyPr wrap="square" rtlCol="0">
+            <a:spAutoFit/>
+          </a:bodyPr>
+          <a:lstStyle/>
+          <a:p>
+            <a:r>
+              <a:rPr lang="es-ES" sz="1600" dirty="0">
+                <a:ea typeface="Calibri" panose="020F0502020204030204" pitchFamily="34" charset="0"/>
+                <a:cs typeface="Calibri" panose="020F0502020204030204" pitchFamily="34" charset="0"/>
+              </a:rPr>
+              <a:t>y se entrena generando un </a:t>
+            </a:r>
+            <a:r>
+              <a:rPr lang="es-ES" sz="1600" i="1" dirty="0" err="1">
+                <a:ea typeface="Calibri" panose="020F0502020204030204" pitchFamily="34" charset="0"/>
+                <a:cs typeface="Calibri" panose="020F0502020204030204" pitchFamily="34" charset="0"/>
+              </a:rPr>
+              <a:t>dataframe</a:t>
+            </a:r>
+            <a:r>
+              <a:rPr lang="es-ES" sz="1600" dirty="0">
+                <a:ea typeface="Calibri" panose="020F0502020204030204" pitchFamily="34" charset="0"/>
+                <a:cs typeface="Calibri" panose="020F0502020204030204" pitchFamily="34" charset="0"/>
+              </a:rPr>
+              <a:t> con los datos transformados.</a:t>
+            </a:r>
+          </a:p>
+          <a:p>
+            <a:endParaRPr lang="es-ES" dirty="0"/>
+          </a:p>
+        </p:txBody>
+      </p:sp>
+      <p:pic>
+        <p:nvPicPr>
+          <p:cNvPr id="1026" name="Picture 2">
+            <a:extLst>
+              <a:ext uri="{FF2B5EF4-FFF2-40B4-BE49-F238E27FC236}">
+                <a16:creationId xmlns:a16="http://schemas.microsoft.com/office/drawing/2014/main" id="{5AEE8D7B-CDB9-A344-85FF-65886E84EBE8}"/>
+              </a:ext>
+            </a:extLst>
+          </p:cNvPr>
+          <p:cNvPicPr>
+            <a:picLocks noChangeAspect="1" noChangeArrowheads="1"/>
+          </p:cNvPicPr>
+          <p:nvPr/>
+        </p:nvPicPr>
+        <p:blipFill>
+          <a:blip r:embed="rId4">
+            <a:extLst>
+              <a:ext uri="{28A0092B-C50C-407E-A947-70E740481C1C}">
+                <a14:useLocalDpi xmlns:a14="http://schemas.microsoft.com/office/drawing/2010/main" val="0"/>
+              </a:ext>
+            </a:extLst>
+          </a:blip>
+          <a:srcRect/>
+          <a:stretch>
+            <a:fillRect/>
+          </a:stretch>
+        </p:blipFill>
+        <p:spPr bwMode="auto">
+          <a:xfrm>
+            <a:off x="804226" y="3429000"/>
+            <a:ext cx="3073780" cy="3299467"/>
+          </a:xfrm>
+          <a:prstGeom prst="rect">
+            <a:avLst/>
+          </a:prstGeom>
+          <a:noFill/>
+          <a:extLst>
+            <a:ext uri="{909E8E84-426E-40DD-AFC4-6F175D3DCCD1}">
+              <a14:hiddenFill xmlns:a14="http://schemas.microsoft.com/office/drawing/2010/main">
+                <a:solidFill>
+                  <a:srgbClr val="FFFFFF"/>
+                </a:solidFill>
+              </a14:hiddenFill>
+            </a:ext>
+          </a:extLst>
+        </p:spPr>
+      </p:pic>
+      <p:sp>
+        <p:nvSpPr>
+          <p:cNvPr id="10" name="Flecha: hacia abajo 9">
+            <a:extLst>
+              <a:ext uri="{FF2B5EF4-FFF2-40B4-BE49-F238E27FC236}">
+                <a16:creationId xmlns:a16="http://schemas.microsoft.com/office/drawing/2014/main" id="{70C8D845-8486-A01A-16C4-34F3B95256B4}"/>
+              </a:ext>
+            </a:extLst>
+          </p:cNvPr>
+          <p:cNvSpPr/>
+          <p:nvPr/>
+        </p:nvSpPr>
+        <p:spPr>
+          <a:xfrm rot="5400000">
+            <a:off x="8531891" y="4381169"/>
+            <a:ext cx="714375" cy="321268"/>
+          </a:xfrm>
+          <a:prstGeom prst="downArrow">
+            <a:avLst/>
+          </a:prstGeom>
+        </p:spPr>
+        <p:style>
+          <a:lnRef idx="2">
+            <a:schemeClr val="accent1">
+              <a:shade val="15000"/>
+            </a:schemeClr>
+          </a:lnRef>
+          <a:fillRef idx="1">
+            <a:schemeClr val="accent1"/>
+          </a:fillRef>
+          <a:effectRef idx="0">
+            <a:schemeClr val="accent1"/>
+          </a:effectRef>
+          <a:fontRef idx="minor">
+            <a:schemeClr val="lt1"/>
+          </a:fontRef>
+        </p:style>
+        <p:txBody>
+          <a:bodyPr rtlCol="0" anchor="ctr"/>
+          <a:lstStyle/>
+          <a:p>
+            <a:pPr algn="ctr"/>
+            <a:endParaRPr lang="es-ES"/>
+          </a:p>
+        </p:txBody>
+      </p:sp>
+      <p:sp>
+        <p:nvSpPr>
+          <p:cNvPr id="11" name="Flecha: hacia abajo 10">
+            <a:extLst>
+              <a:ext uri="{FF2B5EF4-FFF2-40B4-BE49-F238E27FC236}">
+                <a16:creationId xmlns:a16="http://schemas.microsoft.com/office/drawing/2014/main" id="{02595DF6-08D7-ECDA-96AC-ED28C96B769F}"/>
+              </a:ext>
+            </a:extLst>
+          </p:cNvPr>
+          <p:cNvSpPr/>
+          <p:nvPr/>
+        </p:nvSpPr>
+        <p:spPr>
+          <a:xfrm rot="5400000">
+            <a:off x="8557586" y="5997131"/>
+            <a:ext cx="714375" cy="321268"/>
+          </a:xfrm>
+          <a:prstGeom prst="downArrow">
+            <a:avLst/>
+          </a:prstGeom>
+        </p:spPr>
+        <p:style>
+          <a:lnRef idx="2">
+            <a:schemeClr val="accent1">
+              <a:shade val="15000"/>
+            </a:schemeClr>
+          </a:lnRef>
+          <a:fillRef idx="1">
+            <a:schemeClr val="accent1"/>
+          </a:fillRef>
+          <a:effectRef idx="0">
+            <a:schemeClr val="accent1"/>
+          </a:effectRef>
+          <a:fontRef idx="minor">
+            <a:schemeClr val="lt1"/>
+          </a:fontRef>
+        </p:style>
+        <p:txBody>
+          <a:bodyPr rtlCol="0" anchor="ctr"/>
+          <a:lstStyle/>
+          <a:p>
+            <a:pPr algn="ctr"/>
+            <a:endParaRPr lang="es-ES"/>
+          </a:p>
+        </p:txBody>
+      </p:sp>
     </p:spTree>
     <p:extLst>
       <p:ext uri="{BB962C8B-B14F-4D97-AF65-F5344CB8AC3E}">
@@ -9723,56 +10016,6 @@
       </p:grpSpPr>
       <p:sp>
         <p:nvSpPr>
-          <p:cNvPr id="2" name="Título 1">
-            <a:extLst>
-              <a:ext uri="{FF2B5EF4-FFF2-40B4-BE49-F238E27FC236}">
-                <a16:creationId xmlns:a16="http://schemas.microsoft.com/office/drawing/2014/main" id="{A76D6B8B-8478-F8CE-CE4A-53984DEED8FC}"/>
-              </a:ext>
-            </a:extLst>
-          </p:cNvPr>
-          <p:cNvSpPr>
-            <a:spLocks noGrp="1"/>
-          </p:cNvSpPr>
-          <p:nvPr>
-            <p:ph type="title"/>
-          </p:nvPr>
-        </p:nvSpPr>
-        <p:spPr/>
-        <p:txBody>
-          <a:bodyPr/>
-          <a:lstStyle/>
-          <a:p>
-            <a:endParaRPr lang="es-ES"/>
-          </a:p>
-        </p:txBody>
-      </p:sp>
-      <p:sp>
-        <p:nvSpPr>
-          <p:cNvPr id="3" name="Marcador de contenido 2">
-            <a:extLst>
-              <a:ext uri="{FF2B5EF4-FFF2-40B4-BE49-F238E27FC236}">
-                <a16:creationId xmlns:a16="http://schemas.microsoft.com/office/drawing/2014/main" id="{8CAD2AB7-26DE-EEEE-1689-72A182B08C36}"/>
-              </a:ext>
-            </a:extLst>
-          </p:cNvPr>
-          <p:cNvSpPr>
-            <a:spLocks noGrp="1"/>
-          </p:cNvSpPr>
-          <p:nvPr>
-            <p:ph idx="1"/>
-          </p:nvPr>
-        </p:nvSpPr>
-        <p:spPr/>
-        <p:txBody>
-          <a:bodyPr/>
-          <a:lstStyle/>
-          <a:p>
-            <a:endParaRPr lang="es-ES"/>
-          </a:p>
-        </p:txBody>
-      </p:sp>
-      <p:sp>
-        <p:nvSpPr>
           <p:cNvPr id="4" name="Marcador de número de diapositiva 3">
             <a:extLst>
               <a:ext uri="{FF2B5EF4-FFF2-40B4-BE49-F238E27FC236}">
@@ -9800,10 +10043,1471 @@
           </a:p>
         </p:txBody>
       </p:sp>
+      <p:sp>
+        <p:nvSpPr>
+          <p:cNvPr id="5" name="Marcador de contenido 2">
+            <a:extLst>
+              <a:ext uri="{FF2B5EF4-FFF2-40B4-BE49-F238E27FC236}">
+                <a16:creationId xmlns:a16="http://schemas.microsoft.com/office/drawing/2014/main" id="{818D55A8-3133-DA8D-A115-2636E4E143CC}"/>
+              </a:ext>
+            </a:extLst>
+          </p:cNvPr>
+          <p:cNvSpPr>
+            <a:spLocks noGrp="1"/>
+          </p:cNvSpPr>
+          <p:nvPr>
+            <p:ph idx="1"/>
+          </p:nvPr>
+        </p:nvSpPr>
+        <p:spPr>
+          <a:xfrm>
+            <a:off x="1892299" y="1539875"/>
+            <a:ext cx="9407071" cy="3778250"/>
+          </a:xfrm>
+        </p:spPr>
+        <p:txBody>
+          <a:bodyPr/>
+          <a:lstStyle/>
+          <a:p>
+            <a:r>
+              <a:rPr lang="es-ES" sz="1800" dirty="0">
+                <a:latin typeface="+mn-lt"/>
+                <a:ea typeface="Calibri" panose="020F0502020204030204" pitchFamily="34" charset="0"/>
+                <a:cs typeface="Calibri" panose="020F0502020204030204" pitchFamily="34" charset="0"/>
+                <a:sym typeface="Wingdings" panose="05000000000000000000" pitchFamily="2" charset="2"/>
+              </a:rPr>
+              <a:t>PIPELINES:</a:t>
+            </a:r>
+          </a:p>
+          <a:p>
+            <a:pPr lvl="1"/>
+            <a:r>
+              <a:rPr lang="es-ES" dirty="0">
+                <a:ea typeface="Calibri" panose="020F0502020204030204" pitchFamily="34" charset="0"/>
+                <a:cs typeface="Calibri" panose="020F0502020204030204" pitchFamily="34" charset="0"/>
+                <a:sym typeface="Wingdings" panose="05000000000000000000" pitchFamily="2" charset="2"/>
+              </a:rPr>
+              <a:t>2.</a:t>
+            </a:r>
+            <a:r>
+              <a:rPr lang="es-ES" b="1" dirty="0">
+                <a:solidFill>
+                  <a:srgbClr val="00B050"/>
+                </a:solidFill>
+                <a:ea typeface="Calibri" panose="020F0502020204030204" pitchFamily="34" charset="0"/>
+                <a:cs typeface="Calibri" panose="020F0502020204030204" pitchFamily="34" charset="0"/>
+                <a:sym typeface="Wingdings" panose="05000000000000000000" pitchFamily="2" charset="2"/>
+              </a:rPr>
+              <a:t>PCA</a:t>
+            </a:r>
+            <a:r>
+              <a:rPr lang="es-ES" dirty="0">
+                <a:ea typeface="Calibri" panose="020F0502020204030204" pitchFamily="34" charset="0"/>
+                <a:cs typeface="Calibri" panose="020F0502020204030204" pitchFamily="34" charset="0"/>
+                <a:sym typeface="Wingdings" panose="05000000000000000000" pitchFamily="2" charset="2"/>
+              </a:rPr>
+              <a:t>, </a:t>
+            </a:r>
+            <a:r>
+              <a:rPr lang="es-ES" dirty="0">
+                <a:ea typeface="Calibri" panose="020F0502020204030204" pitchFamily="34" charset="0"/>
+                <a:cs typeface="Calibri" panose="020F0502020204030204" pitchFamily="34" charset="0"/>
+              </a:rPr>
+              <a:t>para reducir número de </a:t>
+            </a:r>
+            <a:r>
+              <a:rPr lang="es-ES" i="1" dirty="0" err="1">
+                <a:ea typeface="Calibri" panose="020F0502020204030204" pitchFamily="34" charset="0"/>
+                <a:cs typeface="Calibri" panose="020F0502020204030204" pitchFamily="34" charset="0"/>
+              </a:rPr>
+              <a:t>features</a:t>
+            </a:r>
+            <a:r>
+              <a:rPr lang="es-ES" i="1" dirty="0">
+                <a:ea typeface="Calibri" panose="020F0502020204030204" pitchFamily="34" charset="0"/>
+                <a:cs typeface="Calibri" panose="020F0502020204030204" pitchFamily="34" charset="0"/>
+              </a:rPr>
+              <a:t> </a:t>
+            </a:r>
+            <a:r>
+              <a:rPr lang="es-ES" dirty="0">
+                <a:ea typeface="Calibri" panose="020F0502020204030204" pitchFamily="34" charset="0"/>
+                <a:cs typeface="Calibri" panose="020F0502020204030204" pitchFamily="34" charset="0"/>
+              </a:rPr>
+              <a:t>con varianza acumulada explicada: 90%</a:t>
+            </a:r>
+          </a:p>
+          <a:p>
+            <a:pPr lvl="1"/>
+            <a:endParaRPr lang="es-ES" dirty="0">
+              <a:ea typeface="Calibri" panose="020F0502020204030204" pitchFamily="34" charset="0"/>
+              <a:cs typeface="Calibri" panose="020F0502020204030204" pitchFamily="34" charset="0"/>
+            </a:endParaRPr>
+          </a:p>
+          <a:p>
+            <a:pPr lvl="1"/>
+            <a:endParaRPr lang="es-ES" dirty="0">
+              <a:ea typeface="Calibri" panose="020F0502020204030204" pitchFamily="34" charset="0"/>
+              <a:cs typeface="Calibri" panose="020F0502020204030204" pitchFamily="34" charset="0"/>
+              <a:sym typeface="Wingdings" panose="05000000000000000000" pitchFamily="2" charset="2"/>
+            </a:endParaRPr>
+          </a:p>
+          <a:p>
+            <a:pPr lvl="1"/>
+            <a:endParaRPr lang="es-ES" dirty="0">
+              <a:latin typeface="+mn-lt"/>
+              <a:ea typeface="Calibri" panose="020F0502020204030204" pitchFamily="34" charset="0"/>
+              <a:cs typeface="Calibri" panose="020F0502020204030204" pitchFamily="34" charset="0"/>
+              <a:sym typeface="Wingdings" panose="05000000000000000000" pitchFamily="2" charset="2"/>
+            </a:endParaRPr>
+          </a:p>
+          <a:p>
+            <a:pPr lvl="1"/>
+            <a:r>
+              <a:rPr lang="es-ES" dirty="0">
+                <a:latin typeface="+mn-lt"/>
+                <a:ea typeface="Calibri" panose="020F0502020204030204" pitchFamily="34" charset="0"/>
+                <a:cs typeface="Calibri" panose="020F0502020204030204" pitchFamily="34" charset="0"/>
+                <a:sym typeface="Wingdings" panose="05000000000000000000" pitchFamily="2" charset="2"/>
+              </a:rPr>
+              <a:t>3. </a:t>
+            </a:r>
+            <a:r>
+              <a:rPr lang="es-ES" dirty="0" err="1">
+                <a:latin typeface="+mn-lt"/>
+                <a:ea typeface="Calibri" panose="020F0502020204030204" pitchFamily="34" charset="0"/>
+                <a:cs typeface="Calibri" panose="020F0502020204030204" pitchFamily="34" charset="0"/>
+                <a:sym typeface="Wingdings" panose="05000000000000000000" pitchFamily="2" charset="2"/>
+              </a:rPr>
+              <a:t>Intanciamos</a:t>
+            </a:r>
+            <a:r>
+              <a:rPr lang="es-ES" dirty="0">
+                <a:latin typeface="+mn-lt"/>
+                <a:ea typeface="Calibri" panose="020F0502020204030204" pitchFamily="34" charset="0"/>
+                <a:cs typeface="Calibri" panose="020F0502020204030204" pitchFamily="34" charset="0"/>
+                <a:sym typeface="Wingdings" panose="05000000000000000000" pitchFamily="2" charset="2"/>
+              </a:rPr>
+              <a:t> </a:t>
+            </a:r>
+            <a:r>
+              <a:rPr lang="es-ES" b="1" i="1" dirty="0">
+                <a:solidFill>
+                  <a:srgbClr val="00B050"/>
+                </a:solidFill>
+                <a:latin typeface="+mn-lt"/>
+                <a:ea typeface="Calibri" panose="020F0502020204030204" pitchFamily="34" charset="0"/>
+                <a:cs typeface="Calibri" panose="020F0502020204030204" pitchFamily="34" charset="0"/>
+                <a:sym typeface="Wingdings" panose="05000000000000000000" pitchFamily="2" charset="2"/>
+              </a:rPr>
+              <a:t>Pipelines</a:t>
+            </a:r>
+            <a:r>
+              <a:rPr lang="es-ES" dirty="0">
+                <a:latin typeface="+mn-lt"/>
+                <a:ea typeface="Calibri" panose="020F0502020204030204" pitchFamily="34" charset="0"/>
+                <a:cs typeface="Calibri" panose="020F0502020204030204" pitchFamily="34" charset="0"/>
+                <a:sym typeface="Wingdings" panose="05000000000000000000" pitchFamily="2" charset="2"/>
+              </a:rPr>
+              <a:t> para  4 modelos y obtenemos el que de mejores resultados:</a:t>
+            </a:r>
+          </a:p>
+          <a:p>
+            <a:endParaRPr lang="es-ES" dirty="0"/>
+          </a:p>
+        </p:txBody>
+      </p:sp>
+      <p:sp>
+        <p:nvSpPr>
+          <p:cNvPr id="9" name="Título 1">
+            <a:extLst>
+              <a:ext uri="{FF2B5EF4-FFF2-40B4-BE49-F238E27FC236}">
+                <a16:creationId xmlns:a16="http://schemas.microsoft.com/office/drawing/2014/main" id="{294FFB22-BF3E-A209-8B3F-050CCCC2B399}"/>
+              </a:ext>
+            </a:extLst>
+          </p:cNvPr>
+          <p:cNvSpPr txBox="1">
+            <a:spLocks/>
+          </p:cNvSpPr>
+          <p:nvPr/>
+        </p:nvSpPr>
+        <p:spPr>
+          <a:xfrm>
+            <a:off x="1892300" y="624110"/>
+            <a:ext cx="9767887" cy="834576"/>
+          </a:xfrm>
+          <a:prstGeom prst="rect">
+            <a:avLst/>
+          </a:prstGeom>
+        </p:spPr>
+        <p:txBody>
+          <a:bodyPr vert="horz" lIns="91440" tIns="45720" rIns="91440" bIns="45720" rtlCol="0" anchor="t">
+            <a:normAutofit/>
+          </a:bodyPr>
+          <a:lstStyle>
+            <a:lvl1pPr algn="l" defTabSz="457200" rtl="0" eaLnBrk="1" latinLnBrk="0" hangingPunct="1">
+              <a:spcBef>
+                <a:spcPct val="0"/>
+              </a:spcBef>
+              <a:buNone/>
+              <a:defRPr sz="3600" kern="1200">
+                <a:solidFill>
+                  <a:schemeClr val="tx1">
+                    <a:lumMod val="85000"/>
+                    <a:lumOff val="15000"/>
+                  </a:schemeClr>
+                </a:solidFill>
+                <a:latin typeface="+mj-lt"/>
+                <a:ea typeface="+mj-ea"/>
+                <a:cs typeface="+mj-cs"/>
+              </a:defRPr>
+            </a:lvl1pPr>
+            <a:lvl2pPr eaLnBrk="1" hangingPunct="1">
+              <a:defRPr>
+                <a:solidFill>
+                  <a:schemeClr val="tx2"/>
+                </a:solidFill>
+              </a:defRPr>
+            </a:lvl2pPr>
+            <a:lvl3pPr eaLnBrk="1" hangingPunct="1">
+              <a:defRPr>
+                <a:solidFill>
+                  <a:schemeClr val="tx2"/>
+                </a:solidFill>
+              </a:defRPr>
+            </a:lvl3pPr>
+            <a:lvl4pPr eaLnBrk="1" hangingPunct="1">
+              <a:defRPr>
+                <a:solidFill>
+                  <a:schemeClr val="tx2"/>
+                </a:solidFill>
+              </a:defRPr>
+            </a:lvl4pPr>
+            <a:lvl5pPr eaLnBrk="1" hangingPunct="1">
+              <a:defRPr>
+                <a:solidFill>
+                  <a:schemeClr val="tx2"/>
+                </a:solidFill>
+              </a:defRPr>
+            </a:lvl5pPr>
+            <a:lvl6pPr eaLnBrk="1" hangingPunct="1">
+              <a:defRPr>
+                <a:solidFill>
+                  <a:schemeClr val="tx2"/>
+                </a:solidFill>
+              </a:defRPr>
+            </a:lvl6pPr>
+            <a:lvl7pPr eaLnBrk="1" hangingPunct="1">
+              <a:defRPr>
+                <a:solidFill>
+                  <a:schemeClr val="tx2"/>
+                </a:solidFill>
+              </a:defRPr>
+            </a:lvl7pPr>
+            <a:lvl8pPr eaLnBrk="1" hangingPunct="1">
+              <a:defRPr>
+                <a:solidFill>
+                  <a:schemeClr val="tx2"/>
+                </a:solidFill>
+              </a:defRPr>
+            </a:lvl8pPr>
+            <a:lvl9pPr eaLnBrk="1" hangingPunct="1">
+              <a:defRPr>
+                <a:solidFill>
+                  <a:schemeClr val="tx2"/>
+                </a:solidFill>
+              </a:defRPr>
+            </a:lvl9pPr>
+          </a:lstStyle>
+          <a:p>
+            <a:r>
+              <a:rPr lang="es-ES" kern="100" dirty="0">
+                <a:latin typeface="Calibri" panose="020F0502020204030204" pitchFamily="34" charset="0"/>
+                <a:ea typeface="Calibri" panose="020F0502020204030204" pitchFamily="34" charset="0"/>
+                <a:cs typeface="Times New Roman" panose="02020603050405020304" pitchFamily="18" charset="0"/>
+              </a:rPr>
+              <a:t>Pasos en la creación y uso de pipelines 2:</a:t>
+            </a:r>
+            <a:endParaRPr lang="es-ES" dirty="0"/>
+          </a:p>
+        </p:txBody>
+      </p:sp>
+      <p:pic>
+        <p:nvPicPr>
+          <p:cNvPr id="11" name="Imagen 10">
+            <a:extLst>
+              <a:ext uri="{FF2B5EF4-FFF2-40B4-BE49-F238E27FC236}">
+                <a16:creationId xmlns:a16="http://schemas.microsoft.com/office/drawing/2014/main" id="{1E630B75-687A-2211-AB70-798B87586F88}"/>
+              </a:ext>
+            </a:extLst>
+          </p:cNvPr>
+          <p:cNvPicPr>
+            <a:picLocks noChangeAspect="1"/>
+          </p:cNvPicPr>
+          <p:nvPr/>
+        </p:nvPicPr>
+        <p:blipFill>
+          <a:blip r:embed="rId2"/>
+          <a:stretch>
+            <a:fillRect/>
+          </a:stretch>
+        </p:blipFill>
+        <p:spPr>
+          <a:xfrm>
+            <a:off x="2078022" y="2436303"/>
+            <a:ext cx="5326984" cy="864110"/>
+          </a:xfrm>
+          <a:prstGeom prst="rect">
+            <a:avLst/>
+          </a:prstGeom>
+        </p:spPr>
+      </p:pic>
+      <p:pic>
+        <p:nvPicPr>
+          <p:cNvPr id="13" name="Imagen 12">
+            <a:extLst>
+              <a:ext uri="{FF2B5EF4-FFF2-40B4-BE49-F238E27FC236}">
+                <a16:creationId xmlns:a16="http://schemas.microsoft.com/office/drawing/2014/main" id="{4F2F043F-045F-A98D-3FF8-404A354B31BF}"/>
+              </a:ext>
+            </a:extLst>
+          </p:cNvPr>
+          <p:cNvPicPr>
+            <a:picLocks noChangeAspect="1"/>
+          </p:cNvPicPr>
+          <p:nvPr/>
+        </p:nvPicPr>
+        <p:blipFill>
+          <a:blip r:embed="rId3"/>
+          <a:stretch>
+            <a:fillRect/>
+          </a:stretch>
+        </p:blipFill>
+        <p:spPr>
+          <a:xfrm>
+            <a:off x="7590728" y="2436303"/>
+            <a:ext cx="3402694" cy="509298"/>
+          </a:xfrm>
+          <a:prstGeom prst="rect">
+            <a:avLst/>
+          </a:prstGeom>
+        </p:spPr>
+      </p:pic>
+      <p:pic>
+        <p:nvPicPr>
+          <p:cNvPr id="15" name="Imagen 14">
+            <a:extLst>
+              <a:ext uri="{FF2B5EF4-FFF2-40B4-BE49-F238E27FC236}">
+                <a16:creationId xmlns:a16="http://schemas.microsoft.com/office/drawing/2014/main" id="{C95950A4-C17E-F50D-E715-C0B216C6DC62}"/>
+              </a:ext>
+            </a:extLst>
+          </p:cNvPr>
+          <p:cNvPicPr>
+            <a:picLocks noChangeAspect="1"/>
+          </p:cNvPicPr>
+          <p:nvPr/>
+        </p:nvPicPr>
+        <p:blipFill>
+          <a:blip r:embed="rId4"/>
+          <a:stretch>
+            <a:fillRect/>
+          </a:stretch>
+        </p:blipFill>
+        <p:spPr>
+          <a:xfrm>
+            <a:off x="2636822" y="4046360"/>
+            <a:ext cx="2686425" cy="2543530"/>
+          </a:xfrm>
+          <a:prstGeom prst="rect">
+            <a:avLst/>
+          </a:prstGeom>
+        </p:spPr>
+      </p:pic>
+      <p:pic>
+        <p:nvPicPr>
+          <p:cNvPr id="17" name="Imagen 16">
+            <a:extLst>
+              <a:ext uri="{FF2B5EF4-FFF2-40B4-BE49-F238E27FC236}">
+                <a16:creationId xmlns:a16="http://schemas.microsoft.com/office/drawing/2014/main" id="{CCD2C378-85BC-F8A6-98A8-26D10C0FB45C}"/>
+              </a:ext>
+            </a:extLst>
+          </p:cNvPr>
+          <p:cNvPicPr>
+            <a:picLocks noChangeAspect="1"/>
+          </p:cNvPicPr>
+          <p:nvPr/>
+        </p:nvPicPr>
+        <p:blipFill>
+          <a:blip r:embed="rId5"/>
+          <a:stretch>
+            <a:fillRect/>
+          </a:stretch>
+        </p:blipFill>
+        <p:spPr>
+          <a:xfrm>
+            <a:off x="5556030" y="5962105"/>
+            <a:ext cx="6392167" cy="627785"/>
+          </a:xfrm>
+          <a:prstGeom prst="rect">
+            <a:avLst/>
+          </a:prstGeom>
+        </p:spPr>
+      </p:pic>
+      <p:sp>
+        <p:nvSpPr>
+          <p:cNvPr id="18" name="CuadroTexto 17">
+            <a:extLst>
+              <a:ext uri="{FF2B5EF4-FFF2-40B4-BE49-F238E27FC236}">
+                <a16:creationId xmlns:a16="http://schemas.microsoft.com/office/drawing/2014/main" id="{AA9A15EB-FA54-7ADA-BD26-E1EC521CD1D6}"/>
+              </a:ext>
+            </a:extLst>
+          </p:cNvPr>
+          <p:cNvSpPr txBox="1"/>
+          <p:nvPr/>
+        </p:nvSpPr>
+        <p:spPr>
+          <a:xfrm>
+            <a:off x="5556030" y="4317398"/>
+            <a:ext cx="6392167" cy="1323439"/>
+          </a:xfrm>
+          <a:prstGeom prst="rect">
+            <a:avLst/>
+          </a:prstGeom>
+          <a:noFill/>
+          <a:ln>
+            <a:solidFill>
+              <a:schemeClr val="accent1"/>
+            </a:solidFill>
+          </a:ln>
+        </p:spPr>
+        <p:txBody>
+          <a:bodyPr wrap="square" rtlCol="0">
+            <a:spAutoFit/>
+          </a:bodyPr>
+          <a:lstStyle/>
+          <a:p>
+            <a:r>
+              <a:rPr lang="es-ES" sz="1600" dirty="0">
+                <a:solidFill>
+                  <a:schemeClr val="tx1">
+                    <a:lumMod val="75000"/>
+                    <a:lumOff val="25000"/>
+                  </a:schemeClr>
+                </a:solidFill>
+                <a:ea typeface="Calibri" panose="020F0502020204030204" pitchFamily="34" charset="0"/>
+                <a:cs typeface="Calibri" panose="020F0502020204030204" pitchFamily="34" charset="0"/>
+              </a:rPr>
+              <a:t>Los ejecutamos en un bucle </a:t>
+            </a:r>
+            <a:r>
+              <a:rPr lang="es-ES" sz="1600" b="1" i="1" dirty="0" err="1">
+                <a:solidFill>
+                  <a:srgbClr val="7030A0"/>
+                </a:solidFill>
+                <a:ea typeface="Calibri" panose="020F0502020204030204" pitchFamily="34" charset="0"/>
+                <a:cs typeface="Calibri" panose="020F0502020204030204" pitchFamily="34" charset="0"/>
+              </a:rPr>
+              <a:t>for</a:t>
+            </a:r>
+            <a:r>
+              <a:rPr lang="es-ES" sz="1600" b="1" i="1" dirty="0">
+                <a:solidFill>
+                  <a:srgbClr val="7030A0"/>
+                </a:solidFill>
+                <a:ea typeface="Calibri" panose="020F0502020204030204" pitchFamily="34" charset="0"/>
+                <a:cs typeface="Calibri" panose="020F0502020204030204" pitchFamily="34" charset="0"/>
+              </a:rPr>
+              <a:t> </a:t>
+            </a:r>
+            <a:r>
+              <a:rPr lang="es-ES" sz="1600" dirty="0">
+                <a:solidFill>
+                  <a:schemeClr val="tx1">
+                    <a:lumMod val="75000"/>
+                    <a:lumOff val="25000"/>
+                  </a:schemeClr>
+                </a:solidFill>
+                <a:ea typeface="Calibri" panose="020F0502020204030204" pitchFamily="34" charset="0"/>
+                <a:cs typeface="Calibri" panose="020F0502020204030204" pitchFamily="34" charset="0"/>
+              </a:rPr>
+              <a:t>y realizamos el </a:t>
+            </a:r>
+            <a:r>
+              <a:rPr lang="es-ES" sz="1600" b="1" i="1" dirty="0" err="1">
+                <a:solidFill>
+                  <a:srgbClr val="0070C0"/>
+                </a:solidFill>
+                <a:ea typeface="Calibri" panose="020F0502020204030204" pitchFamily="34" charset="0"/>
+                <a:cs typeface="Calibri" panose="020F0502020204030204" pitchFamily="34" charset="0"/>
+              </a:rPr>
+              <a:t>cross</a:t>
+            </a:r>
+            <a:r>
+              <a:rPr lang="es-ES" sz="1600" b="1" i="1" dirty="0">
+                <a:solidFill>
+                  <a:srgbClr val="0070C0"/>
+                </a:solidFill>
+                <a:ea typeface="Calibri" panose="020F0502020204030204" pitchFamily="34" charset="0"/>
+                <a:cs typeface="Calibri" panose="020F0502020204030204" pitchFamily="34" charset="0"/>
+              </a:rPr>
+              <a:t> </a:t>
+            </a:r>
+            <a:r>
+              <a:rPr lang="es-ES" sz="1600" b="1" i="1" dirty="0" err="1">
+                <a:solidFill>
+                  <a:srgbClr val="0070C0"/>
+                </a:solidFill>
+                <a:ea typeface="Calibri" panose="020F0502020204030204" pitchFamily="34" charset="0"/>
+                <a:cs typeface="Calibri" panose="020F0502020204030204" pitchFamily="34" charset="0"/>
+              </a:rPr>
+              <a:t>validation</a:t>
+            </a:r>
+            <a:r>
+              <a:rPr lang="es-ES" sz="1600" b="1" i="1" dirty="0">
+                <a:solidFill>
+                  <a:srgbClr val="0070C0"/>
+                </a:solidFill>
+                <a:ea typeface="Calibri" panose="020F0502020204030204" pitchFamily="34" charset="0"/>
+                <a:cs typeface="Calibri" panose="020F0502020204030204" pitchFamily="34" charset="0"/>
+              </a:rPr>
+              <a:t>. </a:t>
+            </a:r>
+          </a:p>
+          <a:p>
+            <a:endParaRPr lang="es-ES" sz="1600" b="1" i="1" dirty="0">
+              <a:solidFill>
+                <a:srgbClr val="0070C0"/>
+              </a:solidFill>
+              <a:ea typeface="Calibri" panose="020F0502020204030204" pitchFamily="34" charset="0"/>
+              <a:cs typeface="Calibri" panose="020F0502020204030204" pitchFamily="34" charset="0"/>
+            </a:endParaRPr>
+          </a:p>
+          <a:p>
+            <a:r>
+              <a:rPr lang="es-ES" sz="1600" dirty="0">
+                <a:ea typeface="Calibri" panose="020F0502020204030204" pitchFamily="34" charset="0"/>
+                <a:cs typeface="Calibri" panose="020F0502020204030204" pitchFamily="34" charset="0"/>
+              </a:rPr>
+              <a:t>Nos quedamos con el de mejor métrica </a:t>
+            </a:r>
+            <a:r>
+              <a:rPr lang="es-ES" sz="1600" b="1" dirty="0" err="1">
+                <a:solidFill>
+                  <a:schemeClr val="accent2">
+                    <a:lumMod val="75000"/>
+                  </a:schemeClr>
+                </a:solidFill>
+                <a:ea typeface="Calibri" panose="020F0502020204030204" pitchFamily="34" charset="0"/>
+                <a:cs typeface="Calibri" panose="020F0502020204030204" pitchFamily="34" charset="0"/>
+              </a:rPr>
+              <a:t>b</a:t>
+            </a:r>
+            <a:r>
+              <a:rPr lang="es-ES" sz="1600" b="1" dirty="0" err="1">
+                <a:solidFill>
+                  <a:schemeClr val="accent2">
+                    <a:lumMod val="75000"/>
+                  </a:schemeClr>
+                </a:solidFill>
+                <a:effectLst/>
+                <a:latin typeface="Consolas" panose="020B0609020204030204" pitchFamily="49" charset="0"/>
+              </a:rPr>
+              <a:t>alanced_accuracy</a:t>
+            </a:r>
+            <a:endParaRPr lang="es-ES" sz="1600" b="1" dirty="0">
+              <a:solidFill>
+                <a:schemeClr val="accent2">
+                  <a:lumMod val="75000"/>
+                </a:schemeClr>
+              </a:solidFill>
+              <a:effectLst/>
+              <a:latin typeface="Consolas" panose="020B0609020204030204" pitchFamily="49" charset="0"/>
+            </a:endParaRPr>
+          </a:p>
+          <a:p>
+            <a:r>
+              <a:rPr lang="es-ES" sz="1600" dirty="0">
+                <a:ea typeface="Calibri" panose="020F0502020204030204" pitchFamily="34" charset="0"/>
+                <a:cs typeface="Calibri" panose="020F0502020204030204" pitchFamily="34" charset="0"/>
+              </a:rPr>
+              <a:t> (</a:t>
+            </a:r>
+            <a:r>
+              <a:rPr lang="es-ES" sz="1600" b="1" i="1" dirty="0" err="1">
+                <a:solidFill>
+                  <a:srgbClr val="00B050"/>
+                </a:solidFill>
+                <a:ea typeface="Calibri" panose="020F0502020204030204" pitchFamily="34" charset="0"/>
+                <a:cs typeface="Calibri" panose="020F0502020204030204" pitchFamily="34" charset="0"/>
+              </a:rPr>
+              <a:t>RandomForestClassifier</a:t>
+            </a:r>
+            <a:r>
+              <a:rPr lang="es-ES" sz="1600" dirty="0">
+                <a:ea typeface="Calibri" panose="020F0502020204030204" pitchFamily="34" charset="0"/>
+                <a:cs typeface="Calibri" panose="020F0502020204030204" pitchFamily="34" charset="0"/>
+              </a:rPr>
+              <a:t>)</a:t>
+            </a:r>
+            <a:r>
+              <a:rPr lang="es-ES" sz="1600" b="1" i="1" dirty="0">
+                <a:solidFill>
+                  <a:srgbClr val="0070C0"/>
+                </a:solidFill>
+                <a:ea typeface="Calibri" panose="020F0502020204030204" pitchFamily="34" charset="0"/>
+                <a:cs typeface="Calibri" panose="020F0502020204030204" pitchFamily="34" charset="0"/>
+              </a:rPr>
+              <a:t> </a:t>
+            </a:r>
+            <a:r>
+              <a:rPr lang="es-ES" sz="1600" dirty="0">
+                <a:ea typeface="Calibri" panose="020F0502020204030204" pitchFamily="34" charset="0"/>
+                <a:cs typeface="Calibri" panose="020F0502020204030204" pitchFamily="34" charset="0"/>
+              </a:rPr>
+              <a:t>en este caso.</a:t>
+            </a:r>
+          </a:p>
+        </p:txBody>
+      </p:sp>
+      <p:sp>
+        <p:nvSpPr>
+          <p:cNvPr id="19" name="Flecha: hacia abajo 18">
+            <a:extLst>
+              <a:ext uri="{FF2B5EF4-FFF2-40B4-BE49-F238E27FC236}">
+                <a16:creationId xmlns:a16="http://schemas.microsoft.com/office/drawing/2014/main" id="{69A3D6C3-5E4B-CB56-BAA1-08806B111CCB}"/>
+              </a:ext>
+            </a:extLst>
+          </p:cNvPr>
+          <p:cNvSpPr/>
+          <p:nvPr/>
+        </p:nvSpPr>
+        <p:spPr>
+          <a:xfrm>
+            <a:off x="8246221" y="5643679"/>
+            <a:ext cx="714375" cy="321268"/>
+          </a:xfrm>
+          <a:prstGeom prst="downArrow">
+            <a:avLst/>
+          </a:prstGeom>
+        </p:spPr>
+        <p:style>
+          <a:lnRef idx="2">
+            <a:schemeClr val="accent1">
+              <a:shade val="15000"/>
+            </a:schemeClr>
+          </a:lnRef>
+          <a:fillRef idx="1">
+            <a:schemeClr val="accent1"/>
+          </a:fillRef>
+          <a:effectRef idx="0">
+            <a:schemeClr val="accent1"/>
+          </a:effectRef>
+          <a:fontRef idx="minor">
+            <a:schemeClr val="lt1"/>
+          </a:fontRef>
+        </p:style>
+        <p:txBody>
+          <a:bodyPr rtlCol="0" anchor="ctr"/>
+          <a:lstStyle/>
+          <a:p>
+            <a:pPr algn="ctr"/>
+            <a:endParaRPr lang="es-ES"/>
+          </a:p>
+        </p:txBody>
+      </p:sp>
+      <p:sp>
+        <p:nvSpPr>
+          <p:cNvPr id="20" name="Flecha: hacia abajo 19">
+            <a:extLst>
+              <a:ext uri="{FF2B5EF4-FFF2-40B4-BE49-F238E27FC236}">
+                <a16:creationId xmlns:a16="http://schemas.microsoft.com/office/drawing/2014/main" id="{C9FC05B0-17C9-FF8E-08BC-7AE4292658DD}"/>
+              </a:ext>
+            </a:extLst>
+          </p:cNvPr>
+          <p:cNvSpPr/>
+          <p:nvPr/>
+        </p:nvSpPr>
+        <p:spPr>
+          <a:xfrm>
+            <a:off x="3622846" y="3726481"/>
+            <a:ext cx="714375" cy="321268"/>
+          </a:xfrm>
+          <a:prstGeom prst="downArrow">
+            <a:avLst/>
+          </a:prstGeom>
+        </p:spPr>
+        <p:style>
+          <a:lnRef idx="2">
+            <a:schemeClr val="accent1">
+              <a:shade val="15000"/>
+            </a:schemeClr>
+          </a:lnRef>
+          <a:fillRef idx="1">
+            <a:schemeClr val="accent1"/>
+          </a:fillRef>
+          <a:effectRef idx="0">
+            <a:schemeClr val="accent1"/>
+          </a:effectRef>
+          <a:fontRef idx="minor">
+            <a:schemeClr val="lt1"/>
+          </a:fontRef>
+        </p:style>
+        <p:txBody>
+          <a:bodyPr rtlCol="0" anchor="ctr"/>
+          <a:lstStyle/>
+          <a:p>
+            <a:pPr algn="ctr"/>
+            <a:endParaRPr lang="es-ES"/>
+          </a:p>
+        </p:txBody>
+      </p:sp>
     </p:spTree>
     <p:extLst>
       <p:ext uri="{BB962C8B-B14F-4D97-AF65-F5344CB8AC3E}">
         <p14:creationId xmlns:p14="http://schemas.microsoft.com/office/powerpoint/2010/main" val="4239045198"/>
+      </p:ext>
+    </p:extLst>
+  </p:cSld>
+  <p:clrMapOvr>
+    <a:masterClrMapping/>
+  </p:clrMapOvr>
+</p:sld>
+</file>
+
+<file path=ppt/slides/slide6.xml><?xml version="1.0" encoding="utf-8"?>
+<p:sld xmlns:a="http://schemas.openxmlformats.org/drawingml/2006/main" xmlns:r="http://schemas.openxmlformats.org/officeDocument/2006/relationships" xmlns:p="http://schemas.openxmlformats.org/presentationml/2006/main">
+  <p:cSld>
+    <p:spTree>
+      <p:nvGrpSpPr>
+        <p:cNvPr id="1" name="">
+          <a:extLst>
+            <a:ext uri="{FF2B5EF4-FFF2-40B4-BE49-F238E27FC236}">
+              <a16:creationId xmlns:a16="http://schemas.microsoft.com/office/drawing/2014/main" id="{6D0B8D27-7C2F-19EE-F18A-AA2F92FEC44C}"/>
+            </a:ext>
+          </a:extLst>
+        </p:cNvPr>
+        <p:cNvGrpSpPr/>
+        <p:nvPr/>
+      </p:nvGrpSpPr>
+      <p:grpSpPr>
+        <a:xfrm>
+          <a:off x="0" y="0"/>
+          <a:ext cx="0" cy="0"/>
+          <a:chOff x="0" y="0"/>
+          <a:chExt cx="0" cy="0"/>
+        </a:xfrm>
+      </p:grpSpPr>
+      <p:sp>
+        <p:nvSpPr>
+          <p:cNvPr id="4" name="Marcador de número de diapositiva 3">
+            <a:extLst>
+              <a:ext uri="{FF2B5EF4-FFF2-40B4-BE49-F238E27FC236}">
+                <a16:creationId xmlns:a16="http://schemas.microsoft.com/office/drawing/2014/main" id="{55B372F6-14C8-AC49-7698-231238C7F3F2}"/>
+              </a:ext>
+            </a:extLst>
+          </p:cNvPr>
+          <p:cNvSpPr>
+            <a:spLocks noGrp="1"/>
+          </p:cNvSpPr>
+          <p:nvPr>
+            <p:ph type="sldNum" sz="quarter" idx="12"/>
+          </p:nvPr>
+        </p:nvSpPr>
+        <p:spPr/>
+        <p:txBody>
+          <a:bodyPr/>
+          <a:lstStyle/>
+          <a:p>
+            <a:fld id="{30B3F516-FD66-4690-BD52-36A5750E1A8D}" type="slidenum">
+              <a:rPr lang="es-ES" smtClean="0"/>
+              <a:t>6</a:t>
+            </a:fld>
+            <a:endParaRPr lang="es-ES"/>
+          </a:p>
+        </p:txBody>
+      </p:sp>
+      <p:sp>
+        <p:nvSpPr>
+          <p:cNvPr id="5" name="Marcador de contenido 2">
+            <a:extLst>
+              <a:ext uri="{FF2B5EF4-FFF2-40B4-BE49-F238E27FC236}">
+                <a16:creationId xmlns:a16="http://schemas.microsoft.com/office/drawing/2014/main" id="{D11E5022-B4D2-A0FE-C94F-8B5E47D86A05}"/>
+              </a:ext>
+            </a:extLst>
+          </p:cNvPr>
+          <p:cNvSpPr>
+            <a:spLocks noGrp="1"/>
+          </p:cNvSpPr>
+          <p:nvPr>
+            <p:ph idx="1"/>
+          </p:nvPr>
+        </p:nvSpPr>
+        <p:spPr>
+          <a:xfrm>
+            <a:off x="1719943" y="1539874"/>
+            <a:ext cx="9940244" cy="5056869"/>
+          </a:xfrm>
+        </p:spPr>
+        <p:txBody>
+          <a:bodyPr/>
+          <a:lstStyle/>
+          <a:p>
+            <a:r>
+              <a:rPr lang="es-ES" sz="1800" dirty="0">
+                <a:latin typeface="+mn-lt"/>
+                <a:ea typeface="Calibri" panose="020F0502020204030204" pitchFamily="34" charset="0"/>
+                <a:cs typeface="Calibri" panose="020F0502020204030204" pitchFamily="34" charset="0"/>
+                <a:sym typeface="Wingdings" panose="05000000000000000000" pitchFamily="2" charset="2"/>
+              </a:rPr>
+              <a:t>Como el </a:t>
+            </a:r>
+            <a:r>
+              <a:rPr lang="es-ES" sz="1800" b="1" i="1" dirty="0">
+                <a:solidFill>
+                  <a:srgbClr val="0070C0"/>
+                </a:solidFill>
+                <a:latin typeface="+mn-lt"/>
+                <a:ea typeface="Calibri" panose="020F0502020204030204" pitchFamily="34" charset="0"/>
+                <a:cs typeface="Calibri" panose="020F0502020204030204" pitchFamily="34" charset="0"/>
+                <a:sym typeface="Wingdings" panose="05000000000000000000" pitchFamily="2" charset="2"/>
+              </a:rPr>
+              <a:t>t</a:t>
+            </a:r>
+            <a:r>
+              <a:rPr lang="es-ES" b="1" i="1" dirty="0">
+                <a:solidFill>
+                  <a:srgbClr val="0070C0"/>
+                </a:solidFill>
+                <a:ea typeface="Calibri" panose="020F0502020204030204" pitchFamily="34" charset="0"/>
+                <a:cs typeface="Calibri" panose="020F0502020204030204" pitchFamily="34" charset="0"/>
+                <a:sym typeface="Wingdings" panose="05000000000000000000" pitchFamily="2" charset="2"/>
+              </a:rPr>
+              <a:t>arget</a:t>
+            </a:r>
+            <a:r>
+              <a:rPr lang="es-ES" dirty="0">
+                <a:ea typeface="Calibri" panose="020F0502020204030204" pitchFamily="34" charset="0"/>
+                <a:cs typeface="Calibri" panose="020F0502020204030204" pitchFamily="34" charset="0"/>
+                <a:sym typeface="Wingdings" panose="05000000000000000000" pitchFamily="2" charset="2"/>
+              </a:rPr>
+              <a:t> está desbalanceado usamos la librería </a:t>
+            </a:r>
+            <a:r>
+              <a:rPr lang="es-ES" b="1" i="1" dirty="0" err="1">
+                <a:ea typeface="Calibri" panose="020F0502020204030204" pitchFamily="34" charset="0"/>
+                <a:cs typeface="Calibri" panose="020F0502020204030204" pitchFamily="34" charset="0"/>
+                <a:sym typeface="Wingdings" panose="05000000000000000000" pitchFamily="2" charset="2"/>
+              </a:rPr>
+              <a:t>imbalanced-learn</a:t>
+            </a:r>
+            <a:r>
+              <a:rPr lang="es-ES" b="1" i="1" dirty="0">
+                <a:ea typeface="Calibri" panose="020F0502020204030204" pitchFamily="34" charset="0"/>
+                <a:cs typeface="Calibri" panose="020F0502020204030204" pitchFamily="34" charset="0"/>
+                <a:sym typeface="Wingdings" panose="05000000000000000000" pitchFamily="2" charset="2"/>
+              </a:rPr>
+              <a:t> </a:t>
+            </a:r>
+            <a:r>
+              <a:rPr lang="es-ES" dirty="0">
+                <a:ea typeface="Calibri" panose="020F0502020204030204" pitchFamily="34" charset="0"/>
+                <a:cs typeface="Calibri" panose="020F0502020204030204" pitchFamily="34" charset="0"/>
+                <a:sym typeface="Wingdings" panose="05000000000000000000" pitchFamily="2" charset="2"/>
+              </a:rPr>
+              <a:t>para equilibrarlo</a:t>
+            </a:r>
+            <a:r>
+              <a:rPr lang="es-ES" sz="1800" dirty="0">
+                <a:latin typeface="+mn-lt"/>
+                <a:ea typeface="Calibri" panose="020F0502020204030204" pitchFamily="34" charset="0"/>
+                <a:cs typeface="Calibri" panose="020F0502020204030204" pitchFamily="34" charset="0"/>
+                <a:sym typeface="Wingdings" panose="05000000000000000000" pitchFamily="2" charset="2"/>
+              </a:rPr>
+              <a:t>:</a:t>
+            </a:r>
+          </a:p>
+          <a:p>
+            <a:pPr lvl="1"/>
+            <a:r>
+              <a:rPr lang="es-ES" dirty="0">
+                <a:ea typeface="Calibri" panose="020F0502020204030204" pitchFamily="34" charset="0"/>
+                <a:cs typeface="Calibri" panose="020F0502020204030204" pitchFamily="34" charset="0"/>
+                <a:sym typeface="Wingdings" panose="05000000000000000000" pitchFamily="2" charset="2"/>
+              </a:rPr>
+              <a:t>4. Instanciamos el modelo ya seleccionado con el preprocesado, el </a:t>
+            </a:r>
+            <a:r>
+              <a:rPr lang="es-ES" b="1" dirty="0">
+                <a:solidFill>
+                  <a:srgbClr val="00B050"/>
+                </a:solidFill>
+                <a:ea typeface="Calibri" panose="020F0502020204030204" pitchFamily="34" charset="0"/>
+                <a:cs typeface="Calibri" panose="020F0502020204030204" pitchFamily="34" charset="0"/>
+                <a:sym typeface="Wingdings" panose="05000000000000000000" pitchFamily="2" charset="2"/>
+              </a:rPr>
+              <a:t>PCA</a:t>
+            </a:r>
+            <a:r>
+              <a:rPr lang="es-ES" dirty="0">
+                <a:ea typeface="Calibri" panose="020F0502020204030204" pitchFamily="34" charset="0"/>
+                <a:cs typeface="Calibri" panose="020F0502020204030204" pitchFamily="34" charset="0"/>
+                <a:sym typeface="Wingdings" panose="05000000000000000000" pitchFamily="2" charset="2"/>
+              </a:rPr>
+              <a:t> y el </a:t>
+            </a:r>
+            <a:r>
+              <a:rPr lang="es-ES" b="1" u="sng" dirty="0" err="1">
+                <a:ea typeface="Calibri" panose="020F0502020204030204" pitchFamily="34" charset="0"/>
+                <a:cs typeface="Calibri" panose="020F0502020204030204" pitchFamily="34" charset="0"/>
+                <a:sym typeface="Wingdings" panose="05000000000000000000" pitchFamily="2" charset="2"/>
+              </a:rPr>
+              <a:t>RandomUnderSampler</a:t>
+            </a:r>
+            <a:r>
+              <a:rPr lang="es-ES" dirty="0">
+                <a:ea typeface="Calibri" panose="020F0502020204030204" pitchFamily="34" charset="0"/>
+                <a:cs typeface="Calibri" panose="020F0502020204030204" pitchFamily="34" charset="0"/>
+                <a:sym typeface="Wingdings" panose="05000000000000000000" pitchFamily="2" charset="2"/>
+              </a:rPr>
+              <a:t> de </a:t>
+            </a:r>
+            <a:r>
+              <a:rPr lang="es-ES" dirty="0" err="1">
+                <a:ea typeface="Calibri" panose="020F0502020204030204" pitchFamily="34" charset="0"/>
+                <a:cs typeface="Calibri" panose="020F0502020204030204" pitchFamily="34" charset="0"/>
+                <a:sym typeface="Wingdings" panose="05000000000000000000" pitchFamily="2" charset="2"/>
+              </a:rPr>
+              <a:t>inbalanced-learn</a:t>
+            </a:r>
+            <a:endParaRPr lang="es-ES" dirty="0">
+              <a:ea typeface="Calibri" panose="020F0502020204030204" pitchFamily="34" charset="0"/>
+              <a:cs typeface="Calibri" panose="020F0502020204030204" pitchFamily="34" charset="0"/>
+            </a:endParaRPr>
+          </a:p>
+          <a:p>
+            <a:pPr lvl="1"/>
+            <a:endParaRPr lang="es-ES" dirty="0">
+              <a:ea typeface="Calibri" panose="020F0502020204030204" pitchFamily="34" charset="0"/>
+              <a:cs typeface="Calibri" panose="020F0502020204030204" pitchFamily="34" charset="0"/>
+              <a:sym typeface="Wingdings" panose="05000000000000000000" pitchFamily="2" charset="2"/>
+            </a:endParaRPr>
+          </a:p>
+          <a:p>
+            <a:pPr lvl="1"/>
+            <a:endParaRPr lang="es-ES" dirty="0">
+              <a:latin typeface="+mn-lt"/>
+              <a:ea typeface="Calibri" panose="020F0502020204030204" pitchFamily="34" charset="0"/>
+              <a:cs typeface="Calibri" panose="020F0502020204030204" pitchFamily="34" charset="0"/>
+              <a:sym typeface="Wingdings" panose="05000000000000000000" pitchFamily="2" charset="2"/>
+            </a:endParaRPr>
+          </a:p>
+          <a:p>
+            <a:pPr lvl="1"/>
+            <a:endParaRPr lang="es-ES" dirty="0">
+              <a:ea typeface="Calibri" panose="020F0502020204030204" pitchFamily="34" charset="0"/>
+              <a:cs typeface="Calibri" panose="020F0502020204030204" pitchFamily="34" charset="0"/>
+              <a:sym typeface="Wingdings" panose="05000000000000000000" pitchFamily="2" charset="2"/>
+            </a:endParaRPr>
+          </a:p>
+          <a:p>
+            <a:pPr lvl="1"/>
+            <a:r>
+              <a:rPr lang="es-ES" dirty="0">
+                <a:ea typeface="Calibri" panose="020F0502020204030204" pitchFamily="34" charset="0"/>
+                <a:cs typeface="Calibri" panose="020F0502020204030204" pitchFamily="34" charset="0"/>
+                <a:sym typeface="Wingdings" panose="05000000000000000000" pitchFamily="2" charset="2"/>
+              </a:rPr>
+              <a:t>5. Optimizamos los </a:t>
+            </a:r>
+            <a:r>
+              <a:rPr lang="es-ES" dirty="0" err="1">
+                <a:ea typeface="Calibri" panose="020F0502020204030204" pitchFamily="34" charset="0"/>
+                <a:cs typeface="Calibri" panose="020F0502020204030204" pitchFamily="34" charset="0"/>
+                <a:sym typeface="Wingdings" panose="05000000000000000000" pitchFamily="2" charset="2"/>
+              </a:rPr>
+              <a:t>hiperparámetros</a:t>
+            </a:r>
+            <a:r>
+              <a:rPr lang="es-ES" dirty="0">
+                <a:ea typeface="Calibri" panose="020F0502020204030204" pitchFamily="34" charset="0"/>
+                <a:cs typeface="Calibri" panose="020F0502020204030204" pitchFamily="34" charset="0"/>
+                <a:sym typeface="Wingdings" panose="05000000000000000000" pitchFamily="2" charset="2"/>
+              </a:rPr>
+              <a:t> con un </a:t>
+            </a:r>
+            <a:r>
+              <a:rPr lang="es-ES" b="1" dirty="0" err="1">
+                <a:solidFill>
+                  <a:srgbClr val="00B050"/>
+                </a:solidFill>
+                <a:ea typeface="Calibri" panose="020F0502020204030204" pitchFamily="34" charset="0"/>
+                <a:cs typeface="Calibri" panose="020F0502020204030204" pitchFamily="34" charset="0"/>
+                <a:sym typeface="Wingdings" panose="05000000000000000000" pitchFamily="2" charset="2"/>
+              </a:rPr>
+              <a:t>RandomizedSearchCV</a:t>
+            </a:r>
+            <a:endParaRPr lang="es-ES" b="1" dirty="0">
+              <a:solidFill>
+                <a:srgbClr val="00B050"/>
+              </a:solidFill>
+              <a:ea typeface="Calibri" panose="020F0502020204030204" pitchFamily="34" charset="0"/>
+              <a:cs typeface="Calibri" panose="020F0502020204030204" pitchFamily="34" charset="0"/>
+              <a:sym typeface="Wingdings" panose="05000000000000000000" pitchFamily="2" charset="2"/>
+            </a:endParaRPr>
+          </a:p>
+          <a:p>
+            <a:pPr lvl="1"/>
+            <a:endParaRPr lang="es-ES" b="1" dirty="0">
+              <a:solidFill>
+                <a:srgbClr val="00B050"/>
+              </a:solidFill>
+              <a:latin typeface="+mn-lt"/>
+              <a:ea typeface="Calibri" panose="020F0502020204030204" pitchFamily="34" charset="0"/>
+              <a:cs typeface="Calibri" panose="020F0502020204030204" pitchFamily="34" charset="0"/>
+              <a:sym typeface="Wingdings" panose="05000000000000000000" pitchFamily="2" charset="2"/>
+            </a:endParaRPr>
+          </a:p>
+          <a:p>
+            <a:pPr lvl="1"/>
+            <a:endParaRPr lang="es-ES" b="1" dirty="0">
+              <a:solidFill>
+                <a:srgbClr val="00B050"/>
+              </a:solidFill>
+              <a:ea typeface="Calibri" panose="020F0502020204030204" pitchFamily="34" charset="0"/>
+              <a:cs typeface="Calibri" panose="020F0502020204030204" pitchFamily="34" charset="0"/>
+              <a:sym typeface="Wingdings" panose="05000000000000000000" pitchFamily="2" charset="2"/>
+            </a:endParaRPr>
+          </a:p>
+          <a:p>
+            <a:pPr lvl="1"/>
+            <a:r>
+              <a:rPr lang="es-ES" dirty="0">
+                <a:solidFill>
+                  <a:schemeClr val="tx1"/>
+                </a:solidFill>
+                <a:latin typeface="+mn-lt"/>
+                <a:ea typeface="Calibri" panose="020F0502020204030204" pitchFamily="34" charset="0"/>
+                <a:cs typeface="Calibri" panose="020F0502020204030204" pitchFamily="34" charset="0"/>
+                <a:sym typeface="Wingdings" panose="05000000000000000000" pitchFamily="2" charset="2"/>
+              </a:rPr>
+              <a:t>6. </a:t>
+            </a:r>
+            <a:r>
+              <a:rPr lang="es-ES" dirty="0">
+                <a:solidFill>
+                  <a:schemeClr val="tx1"/>
+                </a:solidFill>
+                <a:ea typeface="Calibri" panose="020F0502020204030204" pitchFamily="34" charset="0"/>
+                <a:cs typeface="Calibri" panose="020F0502020204030204" pitchFamily="34" charset="0"/>
+                <a:sym typeface="Wingdings" panose="05000000000000000000" pitchFamily="2" charset="2"/>
+              </a:rPr>
+              <a:t>Instanciamos un </a:t>
+            </a:r>
+            <a:r>
+              <a:rPr lang="es-ES" b="1" dirty="0">
+                <a:solidFill>
+                  <a:srgbClr val="00B050"/>
+                </a:solidFill>
+                <a:ea typeface="Calibri" panose="020F0502020204030204" pitchFamily="34" charset="0"/>
+                <a:cs typeface="Calibri" panose="020F0502020204030204" pitchFamily="34" charset="0"/>
+                <a:sym typeface="Wingdings" panose="05000000000000000000" pitchFamily="2" charset="2"/>
+              </a:rPr>
+              <a:t>Pipeline </a:t>
+            </a:r>
+            <a:r>
+              <a:rPr lang="es-ES" dirty="0">
+                <a:solidFill>
+                  <a:schemeClr val="tx1"/>
+                </a:solidFill>
+                <a:ea typeface="Calibri" panose="020F0502020204030204" pitchFamily="34" charset="0"/>
+                <a:cs typeface="Calibri" panose="020F0502020204030204" pitchFamily="34" charset="0"/>
+                <a:sym typeface="Wingdings" panose="05000000000000000000" pitchFamily="2" charset="2"/>
+              </a:rPr>
+              <a:t>para</a:t>
+            </a:r>
+          </a:p>
+          <a:p>
+            <a:pPr marL="457200" lvl="1" indent="0">
+              <a:buNone/>
+            </a:pPr>
+            <a:r>
+              <a:rPr lang="es-ES" dirty="0">
+                <a:solidFill>
+                  <a:schemeClr val="tx1"/>
+                </a:solidFill>
+                <a:ea typeface="Calibri" panose="020F0502020204030204" pitchFamily="34" charset="0"/>
+                <a:cs typeface="Calibri" panose="020F0502020204030204" pitchFamily="34" charset="0"/>
+                <a:sym typeface="Wingdings" panose="05000000000000000000" pitchFamily="2" charset="2"/>
+              </a:rPr>
+              <a:t>	 mejorar el desempeño:</a:t>
+            </a:r>
+            <a:endParaRPr lang="es-ES" dirty="0"/>
+          </a:p>
+        </p:txBody>
+      </p:sp>
+      <p:sp>
+        <p:nvSpPr>
+          <p:cNvPr id="9" name="Título 1">
+            <a:extLst>
+              <a:ext uri="{FF2B5EF4-FFF2-40B4-BE49-F238E27FC236}">
+                <a16:creationId xmlns:a16="http://schemas.microsoft.com/office/drawing/2014/main" id="{FC063E0E-8E83-6DB2-7839-670EB09E50F6}"/>
+              </a:ext>
+            </a:extLst>
+          </p:cNvPr>
+          <p:cNvSpPr txBox="1">
+            <a:spLocks/>
+          </p:cNvSpPr>
+          <p:nvPr/>
+        </p:nvSpPr>
+        <p:spPr>
+          <a:xfrm>
+            <a:off x="1892300" y="624110"/>
+            <a:ext cx="9767887" cy="834576"/>
+          </a:xfrm>
+          <a:prstGeom prst="rect">
+            <a:avLst/>
+          </a:prstGeom>
+        </p:spPr>
+        <p:txBody>
+          <a:bodyPr vert="horz" lIns="91440" tIns="45720" rIns="91440" bIns="45720" rtlCol="0" anchor="t">
+            <a:normAutofit/>
+          </a:bodyPr>
+          <a:lstStyle>
+            <a:lvl1pPr algn="l" defTabSz="457200" rtl="0" eaLnBrk="1" latinLnBrk="0" hangingPunct="1">
+              <a:spcBef>
+                <a:spcPct val="0"/>
+              </a:spcBef>
+              <a:buNone/>
+              <a:defRPr sz="3600" kern="1200">
+                <a:solidFill>
+                  <a:schemeClr val="tx1">
+                    <a:lumMod val="85000"/>
+                    <a:lumOff val="15000"/>
+                  </a:schemeClr>
+                </a:solidFill>
+                <a:latin typeface="+mj-lt"/>
+                <a:ea typeface="+mj-ea"/>
+                <a:cs typeface="+mj-cs"/>
+              </a:defRPr>
+            </a:lvl1pPr>
+            <a:lvl2pPr eaLnBrk="1" hangingPunct="1">
+              <a:defRPr>
+                <a:solidFill>
+                  <a:schemeClr val="tx2"/>
+                </a:solidFill>
+              </a:defRPr>
+            </a:lvl2pPr>
+            <a:lvl3pPr eaLnBrk="1" hangingPunct="1">
+              <a:defRPr>
+                <a:solidFill>
+                  <a:schemeClr val="tx2"/>
+                </a:solidFill>
+              </a:defRPr>
+            </a:lvl3pPr>
+            <a:lvl4pPr eaLnBrk="1" hangingPunct="1">
+              <a:defRPr>
+                <a:solidFill>
+                  <a:schemeClr val="tx2"/>
+                </a:solidFill>
+              </a:defRPr>
+            </a:lvl4pPr>
+            <a:lvl5pPr eaLnBrk="1" hangingPunct="1">
+              <a:defRPr>
+                <a:solidFill>
+                  <a:schemeClr val="tx2"/>
+                </a:solidFill>
+              </a:defRPr>
+            </a:lvl5pPr>
+            <a:lvl6pPr eaLnBrk="1" hangingPunct="1">
+              <a:defRPr>
+                <a:solidFill>
+                  <a:schemeClr val="tx2"/>
+                </a:solidFill>
+              </a:defRPr>
+            </a:lvl6pPr>
+            <a:lvl7pPr eaLnBrk="1" hangingPunct="1">
+              <a:defRPr>
+                <a:solidFill>
+                  <a:schemeClr val="tx2"/>
+                </a:solidFill>
+              </a:defRPr>
+            </a:lvl7pPr>
+            <a:lvl8pPr eaLnBrk="1" hangingPunct="1">
+              <a:defRPr>
+                <a:solidFill>
+                  <a:schemeClr val="tx2"/>
+                </a:solidFill>
+              </a:defRPr>
+            </a:lvl8pPr>
+            <a:lvl9pPr eaLnBrk="1" hangingPunct="1">
+              <a:defRPr>
+                <a:solidFill>
+                  <a:schemeClr val="tx2"/>
+                </a:solidFill>
+              </a:defRPr>
+            </a:lvl9pPr>
+          </a:lstStyle>
+          <a:p>
+            <a:r>
+              <a:rPr lang="es-ES" kern="100" dirty="0">
+                <a:latin typeface="Calibri" panose="020F0502020204030204" pitchFamily="34" charset="0"/>
+                <a:ea typeface="Calibri" panose="020F0502020204030204" pitchFamily="34" charset="0"/>
+                <a:cs typeface="Times New Roman" panose="02020603050405020304" pitchFamily="18" charset="0"/>
+              </a:rPr>
+              <a:t>Pasos en la creación y uso de pipelines 3: modelado</a:t>
+            </a:r>
+            <a:endParaRPr lang="es-ES" dirty="0"/>
+          </a:p>
+        </p:txBody>
+      </p:sp>
+      <p:pic>
+        <p:nvPicPr>
+          <p:cNvPr id="3" name="Imagen 2">
+            <a:extLst>
+              <a:ext uri="{FF2B5EF4-FFF2-40B4-BE49-F238E27FC236}">
+                <a16:creationId xmlns:a16="http://schemas.microsoft.com/office/drawing/2014/main" id="{CD876FE2-ADE9-95B5-A3F3-2F69D8058780}"/>
+              </a:ext>
+            </a:extLst>
+          </p:cNvPr>
+          <p:cNvPicPr>
+            <a:picLocks noChangeAspect="1"/>
+          </p:cNvPicPr>
+          <p:nvPr/>
+        </p:nvPicPr>
+        <p:blipFill>
+          <a:blip r:embed="rId2"/>
+          <a:stretch>
+            <a:fillRect/>
+          </a:stretch>
+        </p:blipFill>
+        <p:spPr>
+          <a:xfrm>
+            <a:off x="2495047" y="2933631"/>
+            <a:ext cx="3600953" cy="990738"/>
+          </a:xfrm>
+          <a:prstGeom prst="rect">
+            <a:avLst/>
+          </a:prstGeom>
+        </p:spPr>
+      </p:pic>
+      <p:pic>
+        <p:nvPicPr>
+          <p:cNvPr id="7" name="Imagen 6">
+            <a:extLst>
+              <a:ext uri="{FF2B5EF4-FFF2-40B4-BE49-F238E27FC236}">
+                <a16:creationId xmlns:a16="http://schemas.microsoft.com/office/drawing/2014/main" id="{8C9F76E4-403D-85D2-6A61-D1DC431F1E93}"/>
+              </a:ext>
+            </a:extLst>
+          </p:cNvPr>
+          <p:cNvPicPr>
+            <a:picLocks noChangeAspect="1"/>
+          </p:cNvPicPr>
+          <p:nvPr/>
+        </p:nvPicPr>
+        <p:blipFill>
+          <a:blip r:embed="rId3"/>
+          <a:stretch>
+            <a:fillRect/>
+          </a:stretch>
+        </p:blipFill>
+        <p:spPr>
+          <a:xfrm>
+            <a:off x="2485521" y="4411668"/>
+            <a:ext cx="7220958" cy="419158"/>
+          </a:xfrm>
+          <a:prstGeom prst="rect">
+            <a:avLst/>
+          </a:prstGeom>
+        </p:spPr>
+      </p:pic>
+      <p:pic>
+        <p:nvPicPr>
+          <p:cNvPr id="10" name="Imagen 9">
+            <a:extLst>
+              <a:ext uri="{FF2B5EF4-FFF2-40B4-BE49-F238E27FC236}">
+                <a16:creationId xmlns:a16="http://schemas.microsoft.com/office/drawing/2014/main" id="{F1377E24-40B7-54A5-0977-DFE4DC2086A7}"/>
+              </a:ext>
+            </a:extLst>
+          </p:cNvPr>
+          <p:cNvPicPr>
+            <a:picLocks noChangeAspect="1"/>
+          </p:cNvPicPr>
+          <p:nvPr/>
+        </p:nvPicPr>
+        <p:blipFill>
+          <a:blip r:embed="rId4"/>
+          <a:stretch>
+            <a:fillRect/>
+          </a:stretch>
+        </p:blipFill>
+        <p:spPr>
+          <a:xfrm>
+            <a:off x="5931692" y="4920830"/>
+            <a:ext cx="3774787" cy="1937169"/>
+          </a:xfrm>
+          <a:prstGeom prst="rect">
+            <a:avLst/>
+          </a:prstGeom>
+        </p:spPr>
+      </p:pic>
+      <p:sp>
+        <p:nvSpPr>
+          <p:cNvPr id="12" name="Flecha: hacia abajo 11">
+            <a:extLst>
+              <a:ext uri="{FF2B5EF4-FFF2-40B4-BE49-F238E27FC236}">
+                <a16:creationId xmlns:a16="http://schemas.microsoft.com/office/drawing/2014/main" id="{E7190815-70DA-7BC1-E964-FC9BD3CA93FD}"/>
+              </a:ext>
+            </a:extLst>
+          </p:cNvPr>
+          <p:cNvSpPr/>
+          <p:nvPr/>
+        </p:nvSpPr>
+        <p:spPr>
+          <a:xfrm rot="16200000">
+            <a:off x="5230018" y="5514678"/>
+            <a:ext cx="714375" cy="321268"/>
+          </a:xfrm>
+          <a:prstGeom prst="downArrow">
+            <a:avLst/>
+          </a:prstGeom>
+        </p:spPr>
+        <p:style>
+          <a:lnRef idx="2">
+            <a:schemeClr val="accent1">
+              <a:shade val="15000"/>
+            </a:schemeClr>
+          </a:lnRef>
+          <a:fillRef idx="1">
+            <a:schemeClr val="accent1"/>
+          </a:fillRef>
+          <a:effectRef idx="0">
+            <a:schemeClr val="accent1"/>
+          </a:effectRef>
+          <a:fontRef idx="minor">
+            <a:schemeClr val="lt1"/>
+          </a:fontRef>
+        </p:style>
+        <p:txBody>
+          <a:bodyPr rtlCol="0" anchor="ctr"/>
+          <a:lstStyle/>
+          <a:p>
+            <a:pPr algn="ctr"/>
+            <a:endParaRPr lang="es-ES"/>
+          </a:p>
+        </p:txBody>
+      </p:sp>
+    </p:spTree>
+    <p:extLst>
+      <p:ext uri="{BB962C8B-B14F-4D97-AF65-F5344CB8AC3E}">
+        <p14:creationId xmlns:p14="http://schemas.microsoft.com/office/powerpoint/2010/main" val="2962203548"/>
+      </p:ext>
+    </p:extLst>
+  </p:cSld>
+  <p:clrMapOvr>
+    <a:masterClrMapping/>
+  </p:clrMapOvr>
+</p:sld>
+</file>
+
+<file path=ppt/slides/slide7.xml><?xml version="1.0" encoding="utf-8"?>
+<p:sld xmlns:a="http://schemas.openxmlformats.org/drawingml/2006/main" xmlns:r="http://schemas.openxmlformats.org/officeDocument/2006/relationships" xmlns:p="http://schemas.openxmlformats.org/presentationml/2006/main">
+  <p:cSld>
+    <p:spTree>
+      <p:nvGrpSpPr>
+        <p:cNvPr id="1" name=""/>
+        <p:cNvGrpSpPr/>
+        <p:nvPr/>
+      </p:nvGrpSpPr>
+      <p:grpSpPr>
+        <a:xfrm>
+          <a:off x="0" y="0"/>
+          <a:ext cx="0" cy="0"/>
+          <a:chOff x="0" y="0"/>
+          <a:chExt cx="0" cy="0"/>
+        </a:xfrm>
+      </p:grpSpPr>
+      <p:sp>
+        <p:nvSpPr>
+          <p:cNvPr id="2" name="Título 1">
+            <a:extLst>
+              <a:ext uri="{FF2B5EF4-FFF2-40B4-BE49-F238E27FC236}">
+                <a16:creationId xmlns:a16="http://schemas.microsoft.com/office/drawing/2014/main" id="{74F3BE45-FCB4-7347-F716-4919D4AF8E5D}"/>
+              </a:ext>
+            </a:extLst>
+          </p:cNvPr>
+          <p:cNvSpPr>
+            <a:spLocks noGrp="1"/>
+          </p:cNvSpPr>
+          <p:nvPr>
+            <p:ph type="title"/>
+          </p:nvPr>
+        </p:nvSpPr>
+        <p:spPr/>
+        <p:txBody>
+          <a:bodyPr/>
+          <a:lstStyle/>
+          <a:p>
+            <a:endParaRPr lang="es-ES"/>
+          </a:p>
+        </p:txBody>
+      </p:sp>
+      <p:sp>
+        <p:nvSpPr>
+          <p:cNvPr id="3" name="Marcador de contenido 2">
+            <a:extLst>
+              <a:ext uri="{FF2B5EF4-FFF2-40B4-BE49-F238E27FC236}">
+                <a16:creationId xmlns:a16="http://schemas.microsoft.com/office/drawing/2014/main" id="{96E06948-B825-CB9E-B7E9-A50C3F1C4DEB}"/>
+              </a:ext>
+            </a:extLst>
+          </p:cNvPr>
+          <p:cNvSpPr>
+            <a:spLocks noGrp="1"/>
+          </p:cNvSpPr>
+          <p:nvPr>
+            <p:ph idx="1"/>
+          </p:nvPr>
+        </p:nvSpPr>
+        <p:spPr/>
+        <p:txBody>
+          <a:bodyPr/>
+          <a:lstStyle/>
+          <a:p>
+            <a:endParaRPr lang="es-ES"/>
+          </a:p>
+        </p:txBody>
+      </p:sp>
+      <p:sp>
+        <p:nvSpPr>
+          <p:cNvPr id="4" name="Marcador de número de diapositiva 3">
+            <a:extLst>
+              <a:ext uri="{FF2B5EF4-FFF2-40B4-BE49-F238E27FC236}">
+                <a16:creationId xmlns:a16="http://schemas.microsoft.com/office/drawing/2014/main" id="{1DA36DC2-AB1E-A81B-C099-53F45DEAFDDE}"/>
+              </a:ext>
+            </a:extLst>
+          </p:cNvPr>
+          <p:cNvSpPr>
+            <a:spLocks noGrp="1"/>
+          </p:cNvSpPr>
+          <p:nvPr>
+            <p:ph type="sldNum" sz="quarter" idx="12"/>
+          </p:nvPr>
+        </p:nvSpPr>
+        <p:spPr/>
+        <p:txBody>
+          <a:bodyPr/>
+          <a:lstStyle/>
+          <a:p>
+            <a:fld id="{30B3F516-FD66-4690-BD52-36A5750E1A8D}" type="slidenum">
+              <a:rPr lang="es-ES" smtClean="0"/>
+              <a:t>7</a:t>
+            </a:fld>
+            <a:endParaRPr lang="es-ES"/>
+          </a:p>
+        </p:txBody>
+      </p:sp>
+    </p:spTree>
+    <p:extLst>
+      <p:ext uri="{BB962C8B-B14F-4D97-AF65-F5344CB8AC3E}">
+        <p14:creationId xmlns:p14="http://schemas.microsoft.com/office/powerpoint/2010/main" val="1352267118"/>
       </p:ext>
     </p:extLst>
   </p:cSld>

--- a/Presentación_PIPELINES.pptx
+++ b/Presentación_PIPELINES.pptx
@@ -5,7 +5,7 @@
     <p:sldMasterId id="2147483742" r:id="rId1"/>
   </p:sldMasterIdLst>
   <p:notesMasterIdLst>
-    <p:notesMasterId r:id="rId9"/>
+    <p:notesMasterId r:id="rId11"/>
   </p:notesMasterIdLst>
   <p:sldIdLst>
     <p:sldId id="256" r:id="rId2"/>
@@ -13,8 +13,10 @@
     <p:sldId id="258" r:id="rId4"/>
     <p:sldId id="259" r:id="rId5"/>
     <p:sldId id="260" r:id="rId6"/>
-    <p:sldId id="262" r:id="rId7"/>
-    <p:sldId id="261" r:id="rId8"/>
+    <p:sldId id="263" r:id="rId7"/>
+    <p:sldId id="262" r:id="rId8"/>
+    <p:sldId id="264" r:id="rId9"/>
+    <p:sldId id="261" r:id="rId10"/>
   </p:sldIdLst>
   <p:sldSz cx="12192000" cy="6858000"/>
   <p:notesSz cx="6858000" cy="9144000"/>
@@ -8121,7 +8123,7 @@
         <p:spPr>
           <a:xfrm>
             <a:off x="2109519" y="986483"/>
-            <a:ext cx="8220329" cy="852221"/>
+            <a:ext cx="8863281" cy="457048"/>
           </a:xfrm>
           <a:prstGeom prst="rect">
             <a:avLst/>
@@ -8148,6 +8150,9 @@
             </a:pPr>
             <a:r>
               <a:rPr lang="es-ES" sz="2400" kern="100" dirty="0">
+                <a:solidFill>
+                  <a:srgbClr val="C00000"/>
+                </a:solidFill>
                 <a:effectLst/>
                 <a:ea typeface="Calibri" panose="020F0502020204030204" pitchFamily="34" charset="0"/>
                 <a:cs typeface="Times New Roman" panose="02020603050405020304" pitchFamily="18" charset="0"/>
@@ -8263,7 +8268,7 @@
             <a:r>
               <a:rPr lang="es-ES" sz="3600" kern="100" dirty="0">
                 <a:solidFill>
-                  <a:schemeClr val="tx1"/>
+                  <a:srgbClr val="C00000"/>
                 </a:solidFill>
                 <a:ea typeface="Calibri" panose="020F0502020204030204" pitchFamily="34" charset="0"/>
                 <a:cs typeface="Times New Roman" panose="02020603050405020304" pitchFamily="18" charset="0"/>
@@ -8273,7 +8278,7 @@
             <a:r>
               <a:rPr lang="es-ES" sz="3600" i="1" kern="100" dirty="0">
                 <a:solidFill>
-                  <a:schemeClr val="tx1"/>
+                  <a:srgbClr val="C00000"/>
                 </a:solidFill>
                 <a:ea typeface="Calibri" panose="020F0502020204030204" pitchFamily="34" charset="0"/>
                 <a:cs typeface="Times New Roman" panose="02020603050405020304" pitchFamily="18" charset="0"/>
@@ -8283,7 +8288,7 @@
             <a:r>
               <a:rPr lang="es-ES" sz="3600" kern="100" dirty="0">
                 <a:solidFill>
-                  <a:schemeClr val="tx1"/>
+                  <a:srgbClr val="C00000"/>
                 </a:solidFill>
                 <a:ea typeface="Calibri" panose="020F0502020204030204" pitchFamily="34" charset="0"/>
                 <a:cs typeface="Times New Roman" panose="02020603050405020304" pitchFamily="18" charset="0"/>
@@ -8293,7 +8298,7 @@
             <a:r>
               <a:rPr lang="es-ES" sz="3600" i="1" kern="100" dirty="0">
                 <a:solidFill>
-                  <a:schemeClr val="tx1"/>
+                  <a:srgbClr val="C00000"/>
                 </a:solidFill>
                 <a:ea typeface="Calibri" panose="020F0502020204030204" pitchFamily="34" charset="0"/>
                 <a:cs typeface="Times New Roman" panose="02020603050405020304" pitchFamily="18" charset="0"/>
@@ -8303,7 +8308,7 @@
             <a:r>
               <a:rPr lang="es-ES" sz="3600" i="1" kern="100" dirty="0" err="1">
                 <a:solidFill>
-                  <a:schemeClr val="tx1"/>
+                  <a:srgbClr val="C00000"/>
                 </a:solidFill>
                 <a:ea typeface="Calibri" panose="020F0502020204030204" pitchFamily="34" charset="0"/>
                 <a:cs typeface="Times New Roman" panose="02020603050405020304" pitchFamily="18" charset="0"/>
@@ -8313,7 +8318,7 @@
             <a:r>
               <a:rPr lang="es-ES" sz="3600" kern="100" dirty="0">
                 <a:solidFill>
-                  <a:schemeClr val="tx1"/>
+                  <a:srgbClr val="C00000"/>
                 </a:solidFill>
                 <a:ea typeface="Calibri" panose="020F0502020204030204" pitchFamily="34" charset="0"/>
                 <a:cs typeface="Times New Roman" panose="02020603050405020304" pitchFamily="18" charset="0"/>
@@ -8428,6 +8433,9 @@
           <a:p>
             <a:r>
               <a:rPr lang="es-ES" kern="100" dirty="0">
+                <a:solidFill>
+                  <a:srgbClr val="C00000"/>
+                </a:solidFill>
                 <a:ea typeface="Calibri" panose="020F0502020204030204" pitchFamily="34" charset="0"/>
                 <a:cs typeface="Times New Roman" panose="02020603050405020304" pitchFamily="18" charset="0"/>
               </a:rPr>
@@ -8435,6 +8443,9 @@
             </a:r>
             <a:r>
               <a:rPr lang="es-ES" kern="100" dirty="0" err="1">
+                <a:solidFill>
+                  <a:srgbClr val="C00000"/>
+                </a:solidFill>
                 <a:ea typeface="Calibri" panose="020F0502020204030204" pitchFamily="34" charset="0"/>
                 <a:cs typeface="Times New Roman" panose="02020603050405020304" pitchFamily="18" charset="0"/>
               </a:rPr>
@@ -8442,6 +8453,9 @@
             </a:r>
             <a:r>
               <a:rPr lang="es-ES" kern="100" dirty="0">
+                <a:solidFill>
+                  <a:srgbClr val="C00000"/>
+                </a:solidFill>
                 <a:ea typeface="Calibri" panose="020F0502020204030204" pitchFamily="34" charset="0"/>
                 <a:cs typeface="Times New Roman" panose="02020603050405020304" pitchFamily="18" charset="0"/>
               </a:rPr>
@@ -8492,7 +8506,7 @@
                 <a:ea typeface="Calibri" panose="020F0502020204030204" pitchFamily="34" charset="0"/>
                 <a:cs typeface="Calibri" panose="020F0502020204030204" pitchFamily="34" charset="0"/>
               </a:rPr>
-              <a:t>Según IBM (</a:t>
+              <a:t>Lo que nos explica IBM (</a:t>
             </a:r>
             <a:r>
               <a:rPr lang="es-ES" sz="2400" dirty="0">
@@ -8897,8 +8911,8 @@
         </p:nvSpPr>
         <p:spPr>
           <a:xfrm>
-            <a:off x="2592925" y="624109"/>
-            <a:ext cx="8911687" cy="5533804"/>
+            <a:off x="1713450" y="576373"/>
+            <a:ext cx="9803863" cy="6281627"/>
           </a:xfrm>
         </p:spPr>
         <p:txBody>
@@ -8909,10 +8923,20 @@
           <a:p>
             <a:r>
               <a:rPr lang="es-ES" kern="100" dirty="0">
+                <a:solidFill>
+                  <a:srgbClr val="C00000"/>
+                </a:solidFill>
                 <a:ea typeface="Calibri" panose="020F0502020204030204" pitchFamily="34" charset="0"/>
                 <a:cs typeface="Times New Roman" panose="02020603050405020304" pitchFamily="18" charset="0"/>
               </a:rPr>
-              <a:t>Nuestra aplicación práctica de pipelines:</a:t>
+              <a:t>Nuestra aplicación práctica de pipelines</a:t>
+            </a:r>
+            <a:r>
+              <a:rPr lang="es-ES" kern="100" dirty="0">
+                <a:ea typeface="Calibri" panose="020F0502020204030204" pitchFamily="34" charset="0"/>
+                <a:cs typeface="Times New Roman" panose="02020603050405020304" pitchFamily="18" charset="0"/>
+              </a:rPr>
+              <a:t>:</a:t>
             </a:r>
             <a:br>
               <a:rPr lang="es-ES" dirty="0"/>
@@ -8933,9 +8957,24 @@
                 <a:latin typeface="+mn-lt"/>
                 <a:ea typeface="Calibri" panose="020F0502020204030204" pitchFamily="34" charset="0"/>
                 <a:cs typeface="Calibri" panose="020F0502020204030204" pitchFamily="34" charset="0"/>
-                <a:sym typeface="Wingdings" panose="05000000000000000000" pitchFamily="2" charset="2"/>
-              </a:rPr>
-              <a:t></a:t>
+              </a:rPr>
+              <a:t> Sobre un </a:t>
+            </a:r>
+            <a:r>
+              <a:rPr lang="es-ES" sz="2700" b="1" i="1" dirty="0" err="1">
+                <a:latin typeface="+mn-lt"/>
+                <a:ea typeface="Calibri" panose="020F0502020204030204" pitchFamily="34" charset="0"/>
+                <a:cs typeface="Calibri" panose="020F0502020204030204" pitchFamily="34" charset="0"/>
+              </a:rPr>
+              <a:t>dataset</a:t>
+            </a:r>
+            <a:r>
+              <a:rPr lang="es-ES" sz="2700" b="1" dirty="0">
+                <a:latin typeface="+mn-lt"/>
+                <a:ea typeface="Calibri" panose="020F0502020204030204" pitchFamily="34" charset="0"/>
+                <a:cs typeface="Calibri" panose="020F0502020204030204" pitchFamily="34" charset="0"/>
+              </a:rPr>
+              <a:t> </a:t>
             </a:r>
             <a:r>
               <a:rPr lang="es-ES" sz="2700" dirty="0">
@@ -8943,15 +8982,7 @@
                 <a:ea typeface="Calibri" panose="020F0502020204030204" pitchFamily="34" charset="0"/>
                 <a:cs typeface="Calibri" panose="020F0502020204030204" pitchFamily="34" charset="0"/>
               </a:rPr>
-              <a:t> sobre un </a:t>
-            </a:r>
-            <a:r>
-              <a:rPr lang="es-ES" sz="2700" b="1" i="1" dirty="0" err="1">
-                <a:latin typeface="+mn-lt"/>
-                <a:ea typeface="Calibri" panose="020F0502020204030204" pitchFamily="34" charset="0"/>
-                <a:cs typeface="Calibri" panose="020F0502020204030204" pitchFamily="34" charset="0"/>
-              </a:rPr>
-              <a:t>dataset</a:t>
+              <a:t>de</a:t>
             </a:r>
             <a:r>
               <a:rPr lang="es-ES" sz="2700" b="1" dirty="0">
@@ -8959,31 +8990,39 @@
                 <a:ea typeface="Calibri" panose="020F0502020204030204" pitchFamily="34" charset="0"/>
                 <a:cs typeface="Calibri" panose="020F0502020204030204" pitchFamily="34" charset="0"/>
               </a:rPr>
-              <a:t> </a:t>
-            </a:r>
+              <a:t> nutrición</a:t>
+            </a:r>
+            <a:br>
+              <a:rPr lang="es-ES" sz="1600" b="1" dirty="0">
+                <a:latin typeface="+mn-lt"/>
+                <a:ea typeface="Calibri" panose="020F0502020204030204" pitchFamily="34" charset="0"/>
+                <a:cs typeface="Calibri" panose="020F0502020204030204" pitchFamily="34" charset="0"/>
+              </a:rPr>
+            </a:br>
+            <a:br>
+              <a:rPr lang="es-ES" sz="1600" dirty="0">
+                <a:latin typeface="+mn-lt"/>
+                <a:ea typeface="Calibri" panose="020F0502020204030204" pitchFamily="34" charset="0"/>
+                <a:cs typeface="Calibri" panose="020F0502020204030204" pitchFamily="34" charset="0"/>
+              </a:rPr>
+            </a:br>
             <a:r>
               <a:rPr lang="es-ES" sz="2700" dirty="0">
                 <a:latin typeface="+mn-lt"/>
                 <a:ea typeface="Calibri" panose="020F0502020204030204" pitchFamily="34" charset="0"/>
                 <a:cs typeface="Calibri" panose="020F0502020204030204" pitchFamily="34" charset="0"/>
-              </a:rPr>
-              <a:t>de</a:t>
-            </a:r>
-            <a:r>
-              <a:rPr lang="es-ES" sz="2700" b="1" dirty="0">
+                <a:sym typeface="Wingdings" panose="05000000000000000000" pitchFamily="2" charset="2"/>
+              </a:rPr>
+              <a:t> Para estimadores de </a:t>
+            </a:r>
+            <a:r>
+              <a:rPr lang="es-ES" sz="2700" dirty="0">
                 <a:latin typeface="+mn-lt"/>
                 <a:ea typeface="Calibri" panose="020F0502020204030204" pitchFamily="34" charset="0"/>
                 <a:cs typeface="Calibri" panose="020F0502020204030204" pitchFamily="34" charset="0"/>
               </a:rPr>
-              <a:t> nutrición</a:t>
-            </a:r>
-            <a:br>
-              <a:rPr lang="es-ES" sz="2700" b="1" dirty="0">
-                <a:latin typeface="+mn-lt"/>
-                <a:ea typeface="Calibri" panose="020F0502020204030204" pitchFamily="34" charset="0"/>
-                <a:cs typeface="Calibri" panose="020F0502020204030204" pitchFamily="34" charset="0"/>
-              </a:rPr>
-            </a:br>
+              <a:t>modelos de ML:</a:t>
+            </a:r>
             <a:br>
               <a:rPr lang="es-ES" sz="2700" dirty="0">
                 <a:latin typeface="+mn-lt"/>
@@ -8996,9 +9035,16 @@
                 <a:latin typeface="+mn-lt"/>
                 <a:ea typeface="Calibri" panose="020F0502020204030204" pitchFamily="34" charset="0"/>
                 <a:cs typeface="Calibri" panose="020F0502020204030204" pitchFamily="34" charset="0"/>
-                <a:sym typeface="Wingdings" panose="05000000000000000000" pitchFamily="2" charset="2"/>
-              </a:rPr>
-              <a:t> para estimadores de </a:t>
+              </a:rPr>
+              <a:t>	- </a:t>
+            </a:r>
+            <a:r>
+              <a:rPr lang="es-ES" sz="2200" dirty="0">
+                <a:latin typeface="+mn-lt"/>
+                <a:ea typeface="Calibri" panose="020F0502020204030204" pitchFamily="34" charset="0"/>
+                <a:cs typeface="Calibri" panose="020F0502020204030204" pitchFamily="34" charset="0"/>
+              </a:rPr>
+              <a:t>tanto</a:t>
             </a:r>
             <a:r>
               <a:rPr lang="es-ES" sz="2700" dirty="0">
@@ -9006,13 +9052,84 @@
                 <a:ea typeface="Calibri" panose="020F0502020204030204" pitchFamily="34" charset="0"/>
                 <a:cs typeface="Calibri" panose="020F0502020204030204" pitchFamily="34" charset="0"/>
               </a:rPr>
-              <a:t>modelos de ML:</a:t>
+              <a:t> </a:t>
+            </a:r>
+            <a:r>
+              <a:rPr lang="es-ES" sz="2200" dirty="0">
+                <a:latin typeface="+mn-lt"/>
+                <a:ea typeface="Calibri" panose="020F0502020204030204" pitchFamily="34" charset="0"/>
+                <a:cs typeface="Calibri" panose="020F0502020204030204" pitchFamily="34" charset="0"/>
+              </a:rPr>
+              <a:t>de </a:t>
+            </a:r>
+            <a:r>
+              <a:rPr lang="es-ES" sz="2200" b="1" dirty="0">
+                <a:latin typeface="+mn-lt"/>
+                <a:ea typeface="Calibri" panose="020F0502020204030204" pitchFamily="34" charset="0"/>
+                <a:cs typeface="Calibri" panose="020F0502020204030204" pitchFamily="34" charset="0"/>
+              </a:rPr>
+              <a:t>regresión supervisada,</a:t>
+            </a:r>
+            <a:br>
+              <a:rPr lang="es-ES" sz="2200" dirty="0">
+                <a:latin typeface="+mn-lt"/>
+                <a:ea typeface="Calibri" panose="020F0502020204030204" pitchFamily="34" charset="0"/>
+                <a:cs typeface="Calibri" panose="020F0502020204030204" pitchFamily="34" charset="0"/>
+              </a:rPr>
+            </a:br>
+            <a:r>
+              <a:rPr lang="es-ES" sz="2200" dirty="0">
+                <a:latin typeface="+mn-lt"/>
+                <a:ea typeface="Calibri" panose="020F0502020204030204" pitchFamily="34" charset="0"/>
+                <a:cs typeface="Calibri" panose="020F0502020204030204" pitchFamily="34" charset="0"/>
+              </a:rPr>
+              <a:t>	- como de </a:t>
+            </a:r>
+            <a:r>
+              <a:rPr lang="es-ES" sz="2200" b="1" dirty="0">
+                <a:latin typeface="+mn-lt"/>
+                <a:ea typeface="Calibri" panose="020F0502020204030204" pitchFamily="34" charset="0"/>
+                <a:cs typeface="Calibri" panose="020F0502020204030204" pitchFamily="34" charset="0"/>
+              </a:rPr>
+              <a:t>clasificación supervisada</a:t>
+            </a:r>
+            <a:r>
+              <a:rPr lang="es-ES" sz="2200" dirty="0">
+                <a:latin typeface="+mn-lt"/>
+                <a:ea typeface="Calibri" panose="020F0502020204030204" pitchFamily="34" charset="0"/>
+                <a:cs typeface="Calibri" panose="020F0502020204030204" pitchFamily="34" charset="0"/>
+              </a:rPr>
+              <a:t>.</a:t>
+            </a:r>
+            <a:br>
+              <a:rPr lang="es-ES" sz="1600" dirty="0">
+                <a:latin typeface="+mn-lt"/>
+                <a:ea typeface="Calibri" panose="020F0502020204030204" pitchFamily="34" charset="0"/>
+                <a:cs typeface="Calibri" panose="020F0502020204030204" pitchFamily="34" charset="0"/>
+              </a:rPr>
+            </a:br>
+            <a:br>
+              <a:rPr lang="es-ES" sz="2200" dirty="0">
+                <a:latin typeface="+mn-lt"/>
+                <a:ea typeface="Calibri" panose="020F0502020204030204" pitchFamily="34" charset="0"/>
+                <a:cs typeface="Calibri" panose="020F0502020204030204" pitchFamily="34" charset="0"/>
+              </a:rPr>
+            </a:br>
+            <a:r>
+              <a:rPr lang="es-ES" sz="2700" dirty="0">
+                <a:latin typeface="+mn-lt"/>
+                <a:ea typeface="Calibri" panose="020F0502020204030204" pitchFamily="34" charset="0"/>
+                <a:cs typeface="Calibri" panose="020F0502020204030204" pitchFamily="34" charset="0"/>
+                <a:sym typeface="Wingdings" panose="05000000000000000000" pitchFamily="2" charset="2"/>
+              </a:rPr>
+              <a:t>Principales pasos del proceso, similares pero </a:t>
             </a:r>
             <a:br>
               <a:rPr lang="es-ES" sz="2700" dirty="0">
                 <a:latin typeface="+mn-lt"/>
                 <a:ea typeface="Calibri" panose="020F0502020204030204" pitchFamily="34" charset="0"/>
                 <a:cs typeface="Calibri" panose="020F0502020204030204" pitchFamily="34" charset="0"/>
+                <a:sym typeface="Wingdings" panose="05000000000000000000" pitchFamily="2" charset="2"/>
               </a:rPr>
             </a:br>
             <a:r>
@@ -9020,46 +9137,42 @@
                 <a:latin typeface="+mn-lt"/>
                 <a:ea typeface="Calibri" panose="020F0502020204030204" pitchFamily="34" charset="0"/>
                 <a:cs typeface="Calibri" panose="020F0502020204030204" pitchFamily="34" charset="0"/>
-              </a:rPr>
-              <a:t>	- </a:t>
+                <a:sym typeface="Wingdings" panose="05000000000000000000" pitchFamily="2" charset="2"/>
+              </a:rPr>
+              <a:t>con algunas variaciones según se trate del modelo de  regresión o de clasificación:</a:t>
+            </a:r>
+            <a:br>
+              <a:rPr lang="es-ES" sz="3100" dirty="0">
+                <a:latin typeface="+mn-lt"/>
+                <a:ea typeface="Calibri" panose="020F0502020204030204" pitchFamily="34" charset="0"/>
+                <a:cs typeface="Calibri" panose="020F0502020204030204" pitchFamily="34" charset="0"/>
+                <a:sym typeface="Wingdings" panose="05000000000000000000" pitchFamily="2" charset="2"/>
+              </a:rPr>
+            </a:br>
+            <a:r>
+              <a:rPr lang="es-ES" sz="3100" dirty="0">
+                <a:latin typeface="+mn-lt"/>
+                <a:ea typeface="Calibri" panose="020F0502020204030204" pitchFamily="34" charset="0"/>
+                <a:cs typeface="Calibri" panose="020F0502020204030204" pitchFamily="34" charset="0"/>
+                <a:sym typeface="Wingdings" panose="05000000000000000000" pitchFamily="2" charset="2"/>
+              </a:rPr>
+              <a:t>	</a:t>
             </a:r>
             <a:r>
               <a:rPr lang="es-ES" sz="2200" dirty="0">
                 <a:latin typeface="+mn-lt"/>
                 <a:ea typeface="Calibri" panose="020F0502020204030204" pitchFamily="34" charset="0"/>
                 <a:cs typeface="Calibri" panose="020F0502020204030204" pitchFamily="34" charset="0"/>
-              </a:rPr>
-              <a:t>tanto</a:t>
-            </a:r>
-            <a:r>
-              <a:rPr lang="es-ES" sz="2700" dirty="0">
-                <a:latin typeface="+mn-lt"/>
-                <a:ea typeface="Calibri" panose="020F0502020204030204" pitchFamily="34" charset="0"/>
-                <a:cs typeface="Calibri" panose="020F0502020204030204" pitchFamily="34" charset="0"/>
-              </a:rPr>
-              <a:t> </a:t>
-            </a:r>
-            <a:r>
-              <a:rPr lang="es-ES" sz="2200" dirty="0">
-                <a:latin typeface="+mn-lt"/>
-                <a:ea typeface="Calibri" panose="020F0502020204030204" pitchFamily="34" charset="0"/>
-                <a:cs typeface="Calibri" panose="020F0502020204030204" pitchFamily="34" charset="0"/>
-              </a:rPr>
-              <a:t>de </a:t>
-            </a:r>
-            <a:r>
-              <a:rPr lang="es-ES" sz="2200" b="1" dirty="0">
-                <a:latin typeface="+mn-lt"/>
-                <a:ea typeface="Calibri" panose="020F0502020204030204" pitchFamily="34" charset="0"/>
-                <a:cs typeface="Calibri" panose="020F0502020204030204" pitchFamily="34" charset="0"/>
-              </a:rPr>
-              <a:t>regresión supervisada,</a:t>
+                <a:sym typeface="Wingdings" panose="05000000000000000000" pitchFamily="2" charset="2"/>
+              </a:rPr>
+              <a:t>1. Carga de datos y visualización.</a:t>
             </a:r>
             <a:br>
               <a:rPr lang="es-ES" sz="2200" dirty="0">
                 <a:latin typeface="+mn-lt"/>
                 <a:ea typeface="Calibri" panose="020F0502020204030204" pitchFamily="34" charset="0"/>
                 <a:cs typeface="Calibri" panose="020F0502020204030204" pitchFamily="34" charset="0"/>
+                <a:sym typeface="Wingdings" panose="05000000000000000000" pitchFamily="2" charset="2"/>
               </a:rPr>
             </a:br>
             <a:r>
@@ -9067,22 +9180,70 @@
                 <a:latin typeface="+mn-lt"/>
                 <a:ea typeface="Calibri" panose="020F0502020204030204" pitchFamily="34" charset="0"/>
                 <a:cs typeface="Calibri" panose="020F0502020204030204" pitchFamily="34" charset="0"/>
-              </a:rPr>
-              <a:t>	- como de </a:t>
-            </a:r>
-            <a:r>
-              <a:rPr lang="es-ES" sz="2200" b="1" dirty="0">
+                <a:sym typeface="Wingdings" panose="05000000000000000000" pitchFamily="2" charset="2"/>
+              </a:rPr>
+              <a:t>	2. Separación de </a:t>
+            </a:r>
+            <a:r>
+              <a:rPr lang="es-ES" sz="2200" i="1" dirty="0" err="1">
                 <a:latin typeface="+mn-lt"/>
                 <a:ea typeface="Calibri" panose="020F0502020204030204" pitchFamily="34" charset="0"/>
                 <a:cs typeface="Calibri" panose="020F0502020204030204" pitchFamily="34" charset="0"/>
-              </a:rPr>
-              <a:t>clasificación supervisada</a:t>
+                <a:sym typeface="Wingdings" panose="05000000000000000000" pitchFamily="2" charset="2"/>
+              </a:rPr>
+              <a:t>train</a:t>
+            </a:r>
+            <a:r>
+              <a:rPr lang="es-ES" sz="2200" i="1" dirty="0">
+                <a:latin typeface="+mn-lt"/>
+                <a:ea typeface="Calibri" panose="020F0502020204030204" pitchFamily="34" charset="0"/>
+                <a:cs typeface="Calibri" panose="020F0502020204030204" pitchFamily="34" charset="0"/>
+                <a:sym typeface="Wingdings" panose="05000000000000000000" pitchFamily="2" charset="2"/>
+              </a:rPr>
+              <a:t> </a:t>
             </a:r>
             <a:r>
               <a:rPr lang="es-ES" sz="2200" dirty="0">
                 <a:latin typeface="+mn-lt"/>
                 <a:ea typeface="Calibri" panose="020F0502020204030204" pitchFamily="34" charset="0"/>
                 <a:cs typeface="Calibri" panose="020F0502020204030204" pitchFamily="34" charset="0"/>
+                <a:sym typeface="Wingdings" panose="05000000000000000000" pitchFamily="2" charset="2"/>
+              </a:rPr>
+              <a:t>y </a:t>
+            </a:r>
+            <a:r>
+              <a:rPr lang="es-ES" sz="2200" i="1" dirty="0">
+                <a:latin typeface="+mn-lt"/>
+                <a:ea typeface="Calibri" panose="020F0502020204030204" pitchFamily="34" charset="0"/>
+                <a:cs typeface="Calibri" panose="020F0502020204030204" pitchFamily="34" charset="0"/>
+                <a:sym typeface="Wingdings" panose="05000000000000000000" pitchFamily="2" charset="2"/>
+              </a:rPr>
+              <a:t>test</a:t>
+            </a:r>
+            <a:r>
+              <a:rPr lang="es-ES" sz="2200" dirty="0">
+                <a:latin typeface="+mn-lt"/>
+                <a:ea typeface="Calibri" panose="020F0502020204030204" pitchFamily="34" charset="0"/>
+                <a:cs typeface="Calibri" panose="020F0502020204030204" pitchFamily="34" charset="0"/>
+                <a:sym typeface="Wingdings" panose="05000000000000000000" pitchFamily="2" charset="2"/>
+              </a:rPr>
+              <a:t> y </a:t>
+            </a:r>
+            <a:r>
+              <a:rPr lang="es-ES" sz="2200" dirty="0" err="1">
+                <a:latin typeface="+mn-lt"/>
+                <a:ea typeface="Calibri" panose="020F0502020204030204" pitchFamily="34" charset="0"/>
+                <a:cs typeface="Calibri" panose="020F0502020204030204" pitchFamily="34" charset="0"/>
+                <a:sym typeface="Wingdings" panose="05000000000000000000" pitchFamily="2" charset="2"/>
+              </a:rPr>
+              <a:t>Minieda</a:t>
+            </a:r>
+            <a:r>
+              <a:rPr lang="es-ES" sz="2200" dirty="0">
+                <a:latin typeface="+mn-lt"/>
+                <a:ea typeface="Calibri" panose="020F0502020204030204" pitchFamily="34" charset="0"/>
+                <a:cs typeface="Calibri" panose="020F0502020204030204" pitchFamily="34" charset="0"/>
+                <a:sym typeface="Wingdings" panose="05000000000000000000" pitchFamily="2" charset="2"/>
               </a:rPr>
               <a:t>.</a:t>
             </a:r>
@@ -9091,41 +9252,9 @@
                 <a:latin typeface="+mn-lt"/>
                 <a:ea typeface="Calibri" panose="020F0502020204030204" pitchFamily="34" charset="0"/>
                 <a:cs typeface="Calibri" panose="020F0502020204030204" pitchFamily="34" charset="0"/>
+                <a:sym typeface="Wingdings" panose="05000000000000000000" pitchFamily="2" charset="2"/>
               </a:rPr>
             </a:br>
-            <a:br>
-              <a:rPr lang="es-ES" sz="2700" dirty="0">
-                <a:latin typeface="+mn-lt"/>
-                <a:ea typeface="Calibri" panose="020F0502020204030204" pitchFamily="34" charset="0"/>
-                <a:cs typeface="Calibri" panose="020F0502020204030204" pitchFamily="34" charset="0"/>
-              </a:rPr>
-            </a:br>
-            <a:r>
-              <a:rPr lang="es-ES" sz="2700" dirty="0">
-                <a:latin typeface="+mn-lt"/>
-                <a:ea typeface="Calibri" panose="020F0502020204030204" pitchFamily="34" charset="0"/>
-                <a:cs typeface="Calibri" panose="020F0502020204030204" pitchFamily="34" charset="0"/>
-                <a:sym typeface="Wingdings" panose="05000000000000000000" pitchFamily="2" charset="2"/>
-              </a:rPr>
-              <a:t> principales pasos del proceso:</a:t>
-            </a:r>
-            <a:br>
-              <a:rPr lang="es-ES" sz="3100" dirty="0">
-                <a:latin typeface="+mn-lt"/>
-                <a:ea typeface="Calibri" panose="020F0502020204030204" pitchFamily="34" charset="0"/>
-                <a:cs typeface="Calibri" panose="020F0502020204030204" pitchFamily="34" charset="0"/>
-                <a:sym typeface="Wingdings" panose="05000000000000000000" pitchFamily="2" charset="2"/>
-              </a:rPr>
-            </a:br>
-            <a:r>
-              <a:rPr lang="es-ES" sz="3100" dirty="0">
-                <a:latin typeface="+mn-lt"/>
-                <a:ea typeface="Calibri" panose="020F0502020204030204" pitchFamily="34" charset="0"/>
-                <a:cs typeface="Calibri" panose="020F0502020204030204" pitchFamily="34" charset="0"/>
-                <a:sym typeface="Wingdings" panose="05000000000000000000" pitchFamily="2" charset="2"/>
-              </a:rPr>
-              <a:t>	</a:t>
-            </a:r>
             <a:r>
               <a:rPr lang="es-ES" sz="2200" dirty="0">
                 <a:latin typeface="+mn-lt"/>
@@ -9133,7 +9262,7 @@
                 <a:cs typeface="Calibri" panose="020F0502020204030204" pitchFamily="34" charset="0"/>
                 <a:sym typeface="Wingdings" panose="05000000000000000000" pitchFamily="2" charset="2"/>
               </a:rPr>
-              <a:t>1. Carga de datos y visualización.</a:t>
+              <a:t>	3. Tratamiento columnas categóricas y numéricas.</a:t>
             </a:r>
             <a:br>
               <a:rPr lang="es-ES" sz="2200" dirty="0">
@@ -9150,70 +9279,7 @@
                 <a:cs typeface="Calibri" panose="020F0502020204030204" pitchFamily="34" charset="0"/>
                 <a:sym typeface="Wingdings" panose="05000000000000000000" pitchFamily="2" charset="2"/>
               </a:rPr>
-              <a:t>	2. Separación de </a:t>
-            </a:r>
-            <a:r>
-              <a:rPr lang="es-ES" sz="2200" i="1" dirty="0" err="1">
-                <a:latin typeface="+mn-lt"/>
-                <a:ea typeface="Calibri" panose="020F0502020204030204" pitchFamily="34" charset="0"/>
-                <a:cs typeface="Calibri" panose="020F0502020204030204" pitchFamily="34" charset="0"/>
-                <a:sym typeface="Wingdings" panose="05000000000000000000" pitchFamily="2" charset="2"/>
-              </a:rPr>
-              <a:t>train</a:t>
-            </a:r>
-            <a:r>
-              <a:rPr lang="es-ES" sz="2200" i="1" dirty="0">
-                <a:latin typeface="+mn-lt"/>
-                <a:ea typeface="Calibri" panose="020F0502020204030204" pitchFamily="34" charset="0"/>
-                <a:cs typeface="Calibri" panose="020F0502020204030204" pitchFamily="34" charset="0"/>
-                <a:sym typeface="Wingdings" panose="05000000000000000000" pitchFamily="2" charset="2"/>
-              </a:rPr>
-              <a:t> </a:t>
-            </a:r>
-            <a:r>
-              <a:rPr lang="es-ES" sz="2200" dirty="0">
-                <a:latin typeface="+mn-lt"/>
-                <a:ea typeface="Calibri" panose="020F0502020204030204" pitchFamily="34" charset="0"/>
-                <a:cs typeface="Calibri" panose="020F0502020204030204" pitchFamily="34" charset="0"/>
-                <a:sym typeface="Wingdings" panose="05000000000000000000" pitchFamily="2" charset="2"/>
-              </a:rPr>
-              <a:t>y </a:t>
-            </a:r>
-            <a:r>
-              <a:rPr lang="es-ES" sz="2200" i="1" dirty="0">
-                <a:latin typeface="+mn-lt"/>
-                <a:ea typeface="Calibri" panose="020F0502020204030204" pitchFamily="34" charset="0"/>
-                <a:cs typeface="Calibri" panose="020F0502020204030204" pitchFamily="34" charset="0"/>
-                <a:sym typeface="Wingdings" panose="05000000000000000000" pitchFamily="2" charset="2"/>
-              </a:rPr>
-              <a:t>test</a:t>
-            </a:r>
-            <a:r>
-              <a:rPr lang="es-ES" sz="2200" dirty="0">
-                <a:latin typeface="+mn-lt"/>
-                <a:ea typeface="Calibri" panose="020F0502020204030204" pitchFamily="34" charset="0"/>
-                <a:cs typeface="Calibri" panose="020F0502020204030204" pitchFamily="34" charset="0"/>
-                <a:sym typeface="Wingdings" panose="05000000000000000000" pitchFamily="2" charset="2"/>
-              </a:rPr>
-              <a:t> y </a:t>
-            </a:r>
-            <a:r>
-              <a:rPr lang="es-ES" sz="2200" dirty="0" err="1">
-                <a:latin typeface="+mn-lt"/>
-                <a:ea typeface="Calibri" panose="020F0502020204030204" pitchFamily="34" charset="0"/>
-                <a:cs typeface="Calibri" panose="020F0502020204030204" pitchFamily="34" charset="0"/>
-                <a:sym typeface="Wingdings" panose="05000000000000000000" pitchFamily="2" charset="2"/>
-              </a:rPr>
-              <a:t>Minieda</a:t>
-            </a:r>
-            <a:r>
-              <a:rPr lang="es-ES" sz="2200" dirty="0">
-                <a:latin typeface="+mn-lt"/>
-                <a:ea typeface="Calibri" panose="020F0502020204030204" pitchFamily="34" charset="0"/>
-                <a:cs typeface="Calibri" panose="020F0502020204030204" pitchFamily="34" charset="0"/>
-                <a:sym typeface="Wingdings" panose="05000000000000000000" pitchFamily="2" charset="2"/>
-              </a:rPr>
-              <a:t>.</a:t>
+              <a:t>	4. Pipelines para el preprocesado.</a:t>
             </a:r>
             <a:br>
               <a:rPr lang="es-ES" sz="2200" dirty="0">
@@ -9230,7 +9296,7 @@
                 <a:cs typeface="Calibri" panose="020F0502020204030204" pitchFamily="34" charset="0"/>
                 <a:sym typeface="Wingdings" panose="05000000000000000000" pitchFamily="2" charset="2"/>
               </a:rPr>
-              <a:t>	3. Tratamiento columnas categóricas y numéricas.</a:t>
+              <a:t>	5. Pipelines para el modelado.</a:t>
             </a:r>
             <a:br>
               <a:rPr lang="es-ES" sz="2200" dirty="0">
@@ -9247,41 +9313,7 @@
                 <a:cs typeface="Calibri" panose="020F0502020204030204" pitchFamily="34" charset="0"/>
                 <a:sym typeface="Wingdings" panose="05000000000000000000" pitchFamily="2" charset="2"/>
               </a:rPr>
-              <a:t>	4. Pipelines para el preprocesado.</a:t>
-            </a:r>
-            <a:br>
-              <a:rPr lang="es-ES" sz="2200" dirty="0">
-                <a:latin typeface="+mn-lt"/>
-                <a:ea typeface="Calibri" panose="020F0502020204030204" pitchFamily="34" charset="0"/>
-                <a:cs typeface="Calibri" panose="020F0502020204030204" pitchFamily="34" charset="0"/>
-                <a:sym typeface="Wingdings" panose="05000000000000000000" pitchFamily="2" charset="2"/>
-              </a:rPr>
-            </a:br>
-            <a:r>
-              <a:rPr lang="es-ES" sz="2200" dirty="0">
-                <a:latin typeface="+mn-lt"/>
-                <a:ea typeface="Calibri" panose="020F0502020204030204" pitchFamily="34" charset="0"/>
-                <a:cs typeface="Calibri" panose="020F0502020204030204" pitchFamily="34" charset="0"/>
-                <a:sym typeface="Wingdings" panose="05000000000000000000" pitchFamily="2" charset="2"/>
-              </a:rPr>
-              <a:t>	5. Pipelines para el modelado.</a:t>
-            </a:r>
-            <a:br>
-              <a:rPr lang="es-ES" sz="2200" dirty="0">
-                <a:latin typeface="+mn-lt"/>
-                <a:ea typeface="Calibri" panose="020F0502020204030204" pitchFamily="34" charset="0"/>
-                <a:cs typeface="Calibri" panose="020F0502020204030204" pitchFamily="34" charset="0"/>
-                <a:sym typeface="Wingdings" panose="05000000000000000000" pitchFamily="2" charset="2"/>
-              </a:rPr>
-            </a:br>
-            <a:r>
-              <a:rPr lang="es-ES" sz="2200" dirty="0">
-                <a:latin typeface="+mn-lt"/>
-                <a:ea typeface="Calibri" panose="020F0502020204030204" pitchFamily="34" charset="0"/>
-                <a:cs typeface="Calibri" panose="020F0502020204030204" pitchFamily="34" charset="0"/>
-                <a:sym typeface="Wingdings" panose="05000000000000000000" pitchFamily="2" charset="2"/>
-              </a:rPr>
-              <a:t>	6. Pipelines para la evaluación.</a:t>
+              <a:t>	6. Evaluación.</a:t>
             </a:r>
             <a:br>
               <a:rPr lang="es-ES" sz="3100" dirty="0">
@@ -9381,12 +9413,57 @@
         </p:blipFill>
         <p:spPr>
           <a:xfrm>
-            <a:off x="8972550" y="2128838"/>
+            <a:off x="9009319" y="4264480"/>
             <a:ext cx="2652711" cy="2428875"/>
           </a:xfrm>
           <a:prstGeom prst="rect">
             <a:avLst/>
           </a:prstGeom>
+        </p:spPr>
+      </p:pic>
+      <p:pic>
+        <p:nvPicPr>
+          <p:cNvPr id="4098" name="Picture 2" descr="food nutrition dataset | Kaggle">
+            <a:extLst>
+              <a:ext uri="{FF2B5EF4-FFF2-40B4-BE49-F238E27FC236}">
+                <a16:creationId xmlns:a16="http://schemas.microsoft.com/office/drawing/2014/main" id="{1045FA2B-3FE8-FDB7-AA18-ABA9195150D5}"/>
+              </a:ext>
+            </a:extLst>
+          </p:cNvPr>
+          <p:cNvPicPr>
+            <a:picLocks noChangeAspect="1" noChangeArrowheads="1"/>
+          </p:cNvPicPr>
+          <p:nvPr/>
+        </p:nvPicPr>
+        <p:blipFill rotWithShape="1">
+          <a:blip r:embed="rId3">
+            <a:extLst>
+              <a:ext uri="{28A0092B-C50C-407E-A947-70E740481C1C}">
+                <a14:useLocalDpi xmlns:a14="http://schemas.microsoft.com/office/drawing/2010/main" val="0"/>
+              </a:ext>
+            </a:extLst>
+          </a:blip>
+          <a:srcRect l="18542" t="1190" r="20708" b="-1190"/>
+          <a:stretch/>
+        </p:blipFill>
+        <p:spPr bwMode="auto">
+          <a:xfrm>
+            <a:off x="7475792" y="1345141"/>
+            <a:ext cx="4186238" cy="1926697"/>
+          </a:xfrm>
+          <a:prstGeom prst="rect">
+            <a:avLst/>
+          </a:prstGeom>
+          <a:noFill/>
+          <a:extLst>
+            <a:ext uri="{909E8E84-426E-40DD-AFC4-6F175D3DCCD1}">
+              <a14:hiddenFill xmlns:a14="http://schemas.microsoft.com/office/drawing/2010/main">
+                <a:solidFill>
+                  <a:srgbClr val="FFFFFF"/>
+                </a:solidFill>
+              </a14:hiddenFill>
+            </a:ext>
+          </a:extLst>
         </p:spPr>
       </p:pic>
     </p:spTree>
@@ -9447,13 +9524,20 @@
           <a:p>
             <a:r>
               <a:rPr lang="es-ES" kern="100" dirty="0">
+                <a:solidFill>
+                  <a:srgbClr val="C00000"/>
+                </a:solidFill>
                 <a:latin typeface="Calibri" panose="020F0502020204030204" pitchFamily="34" charset="0"/>
                 <a:ea typeface="Calibri" panose="020F0502020204030204" pitchFamily="34" charset="0"/>
                 <a:cs typeface="Times New Roman" panose="02020603050405020304" pitchFamily="18" charset="0"/>
               </a:rPr>
-              <a:t>Pasos en la creación y uso de pipelines 1:</a:t>
-            </a:r>
-            <a:endParaRPr lang="es-ES" dirty="0"/>
+              <a:t>Pasos 1,2,3 y 4 en la creación y uso de pipelines:</a:t>
+            </a:r>
+            <a:endParaRPr lang="es-ES" dirty="0">
+              <a:solidFill>
+                <a:srgbClr val="C00000"/>
+              </a:solidFill>
+            </a:endParaRPr>
           </a:p>
         </p:txBody>
       </p:sp>
@@ -9475,7 +9559,7 @@
         </p:nvSpPr>
         <p:spPr>
           <a:xfrm>
-            <a:off x="1826262" y="1752600"/>
+            <a:off x="1892300" y="1479408"/>
             <a:ext cx="9612312" cy="1676400"/>
           </a:xfrm>
         </p:spPr>
@@ -9490,7 +9574,7 @@
                 <a:cs typeface="Calibri" panose="020F0502020204030204" pitchFamily="34" charset="0"/>
                 <a:sym typeface="Wingdings" panose="05000000000000000000" pitchFamily="2" charset="2"/>
               </a:rPr>
-              <a:t>Pasos previos: Carga de datos, visualización</a:t>
+              <a:t>1, 2, 3: Pasos previos: Carga de datos, visualización</a:t>
             </a:r>
             <a:r>
               <a:rPr lang="es-ES" dirty="0">
@@ -9553,45 +9637,50 @@
           </a:p>
           <a:p>
             <a:r>
+              <a:rPr lang="es-ES" dirty="0">
+                <a:solidFill>
+                  <a:schemeClr val="tx1"/>
+                </a:solidFill>
+                <a:ea typeface="Calibri" panose="020F0502020204030204" pitchFamily="34" charset="0"/>
+                <a:cs typeface="Calibri" panose="020F0502020204030204" pitchFamily="34" charset="0"/>
+                <a:sym typeface="Wingdings" panose="05000000000000000000" pitchFamily="2" charset="2"/>
+              </a:rPr>
+              <a:t>4.1</a:t>
+            </a:r>
+            <a:r>
               <a:rPr lang="es-ES" sz="1800" i="1" dirty="0">
+                <a:solidFill>
+                  <a:srgbClr val="00B050"/>
+                </a:solidFill>
                 <a:latin typeface="+mn-lt"/>
                 <a:ea typeface="Calibri" panose="020F0502020204030204" pitchFamily="34" charset="0"/>
                 <a:cs typeface="Calibri" panose="020F0502020204030204" pitchFamily="34" charset="0"/>
                 <a:sym typeface="Wingdings" panose="05000000000000000000" pitchFamily="2" charset="2"/>
               </a:rPr>
-              <a:t>Pasos usando </a:t>
-            </a:r>
-            <a:r>
-              <a:rPr lang="es-ES" sz="1800" i="1" dirty="0">
-                <a:solidFill>
-                  <a:srgbClr val="00B050"/>
+              <a:t> PIPELINES </a:t>
+            </a:r>
+            <a:r>
+              <a:rPr lang="es-ES" sz="1800" dirty="0">
+                <a:solidFill>
+                  <a:schemeClr val="tx1"/>
                 </a:solidFill>
                 <a:latin typeface="+mn-lt"/>
                 <a:ea typeface="Calibri" panose="020F0502020204030204" pitchFamily="34" charset="0"/>
                 <a:cs typeface="Calibri" panose="020F0502020204030204" pitchFamily="34" charset="0"/>
                 <a:sym typeface="Wingdings" panose="05000000000000000000" pitchFamily="2" charset="2"/>
               </a:rPr>
-              <a:t>PIPELINES</a:t>
-            </a:r>
-            <a:r>
-              <a:rPr lang="es-ES" sz="1800" dirty="0">
-                <a:latin typeface="+mn-lt"/>
+              <a:t>para el preprocesado:</a:t>
+            </a:r>
+          </a:p>
+          <a:p>
+            <a:pPr lvl="1"/>
+            <a:r>
+              <a:rPr lang="es-ES" dirty="0">
                 <a:ea typeface="Calibri" panose="020F0502020204030204" pitchFamily="34" charset="0"/>
                 <a:cs typeface="Calibri" panose="020F0502020204030204" pitchFamily="34" charset="0"/>
                 <a:sym typeface="Wingdings" panose="05000000000000000000" pitchFamily="2" charset="2"/>
               </a:rPr>
-              <a:t>:</a:t>
-            </a:r>
-          </a:p>
-          <a:p>
-            <a:pPr lvl="1"/>
-            <a:r>
-              <a:rPr lang="es-ES" dirty="0">
-                <a:ea typeface="Calibri" panose="020F0502020204030204" pitchFamily="34" charset="0"/>
-                <a:cs typeface="Calibri" panose="020F0502020204030204" pitchFamily="34" charset="0"/>
-                <a:sym typeface="Wingdings" panose="05000000000000000000" pitchFamily="2" charset="2"/>
-              </a:rPr>
-              <a:t>1.Transformación de las </a:t>
+              <a:t>Transformación de las </a:t>
             </a:r>
             <a:r>
               <a:rPr lang="es-ES" i="1" dirty="0" err="1">
@@ -9748,13 +9837,18 @@
         </p:nvSpPr>
         <p:spPr>
           <a:xfrm>
-            <a:off x="9030916" y="4126304"/>
+            <a:off x="9081716" y="4126304"/>
             <a:ext cx="2241922" cy="830997"/>
           </a:xfrm>
           <a:prstGeom prst="rect">
             <a:avLst/>
           </a:prstGeom>
           <a:noFill/>
+          <a:ln>
+            <a:solidFill>
+              <a:schemeClr val="accent1"/>
+            </a:solidFill>
+          </a:ln>
         </p:spPr>
         <p:txBody>
           <a:bodyPr wrap="square" rtlCol="0">
@@ -9804,13 +9898,18 @@
         </p:nvSpPr>
         <p:spPr>
           <a:xfrm>
-            <a:off x="9089654" y="5654605"/>
+            <a:off x="9102354" y="5654605"/>
             <a:ext cx="2570533" cy="1107996"/>
           </a:xfrm>
           <a:prstGeom prst="rect">
             <a:avLst/>
           </a:prstGeom>
           <a:noFill/>
+          <a:ln>
+            <a:solidFill>
+              <a:schemeClr val="accent1"/>
+            </a:solidFill>
+          </a:ln>
         </p:spPr>
         <p:txBody>
           <a:bodyPr wrap="square" rtlCol="0">
@@ -9874,7 +9973,7 @@
         </p:blipFill>
         <p:spPr bwMode="auto">
           <a:xfrm>
-            <a:off x="804226" y="3429000"/>
+            <a:off x="921695" y="3429000"/>
             <a:ext cx="3073780" cy="3299467"/>
           </a:xfrm>
           <a:prstGeom prst="rect">
@@ -10061,80 +10160,100 @@
         </p:nvSpPr>
         <p:spPr>
           <a:xfrm>
-            <a:off x="1892299" y="1539875"/>
-            <a:ext cx="9407071" cy="3778250"/>
+            <a:off x="1727199" y="1270000"/>
+            <a:ext cx="9407071" cy="2922505"/>
           </a:xfrm>
         </p:spPr>
         <p:txBody>
-          <a:bodyPr/>
+          <a:bodyPr>
+            <a:normAutofit fontScale="92500" lnSpcReduction="20000"/>
+          </a:bodyPr>
           <a:lstStyle/>
           <a:p>
             <a:r>
-              <a:rPr lang="es-ES" sz="1800" dirty="0">
+              <a:rPr lang="es-ES" sz="1700" dirty="0">
+                <a:solidFill>
+                  <a:schemeClr val="tx1"/>
+                </a:solidFill>
+                <a:ea typeface="Calibri" panose="020F0502020204030204" pitchFamily="34" charset="0"/>
+                <a:cs typeface="Calibri" panose="020F0502020204030204" pitchFamily="34" charset="0"/>
+                <a:sym typeface="Wingdings" panose="05000000000000000000" pitchFamily="2" charset="2"/>
+              </a:rPr>
+              <a:t>4.2</a:t>
+            </a:r>
+            <a:r>
+              <a:rPr lang="es-ES" sz="1700" i="1" dirty="0">
+                <a:solidFill>
+                  <a:srgbClr val="00B050"/>
+                </a:solidFill>
                 <a:latin typeface="+mn-lt"/>
                 <a:ea typeface="Calibri" panose="020F0502020204030204" pitchFamily="34" charset="0"/>
                 <a:cs typeface="Calibri" panose="020F0502020204030204" pitchFamily="34" charset="0"/>
                 <a:sym typeface="Wingdings" panose="05000000000000000000" pitchFamily="2" charset="2"/>
               </a:rPr>
-              <a:t>PIPELINES:</a:t>
+              <a:t> PIPELINES </a:t>
+            </a:r>
+            <a:r>
+              <a:rPr lang="es-ES" sz="1700" dirty="0">
+                <a:solidFill>
+                  <a:schemeClr val="tx1"/>
+                </a:solidFill>
+                <a:latin typeface="+mn-lt"/>
+                <a:ea typeface="Calibri" panose="020F0502020204030204" pitchFamily="34" charset="0"/>
+                <a:cs typeface="Calibri" panose="020F0502020204030204" pitchFamily="34" charset="0"/>
+                <a:sym typeface="Wingdings" panose="05000000000000000000" pitchFamily="2" charset="2"/>
+              </a:rPr>
+              <a:t>para el preprocesado:</a:t>
             </a:r>
           </a:p>
           <a:p>
             <a:pPr lvl="1"/>
             <a:r>
-              <a:rPr lang="es-ES" dirty="0">
+              <a:rPr lang="es-ES" sz="1700" b="1" dirty="0">
+                <a:solidFill>
+                  <a:srgbClr val="00B050"/>
+                </a:solidFill>
                 <a:ea typeface="Calibri" panose="020F0502020204030204" pitchFamily="34" charset="0"/>
                 <a:cs typeface="Calibri" panose="020F0502020204030204" pitchFamily="34" charset="0"/>
                 <a:sym typeface="Wingdings" panose="05000000000000000000" pitchFamily="2" charset="2"/>
               </a:rPr>
-              <a:t>2.</a:t>
-            </a:r>
-            <a:r>
-              <a:rPr lang="es-ES" b="1" dirty="0">
-                <a:solidFill>
-                  <a:srgbClr val="00B050"/>
-                </a:solidFill>
+              <a:t>PCA</a:t>
+            </a:r>
+            <a:r>
+              <a:rPr lang="es-ES" sz="1700" dirty="0">
                 <a:ea typeface="Calibri" panose="020F0502020204030204" pitchFamily="34" charset="0"/>
                 <a:cs typeface="Calibri" panose="020F0502020204030204" pitchFamily="34" charset="0"/>
                 <a:sym typeface="Wingdings" panose="05000000000000000000" pitchFamily="2" charset="2"/>
               </a:rPr>
-              <a:t>PCA</a:t>
-            </a:r>
-            <a:r>
-              <a:rPr lang="es-ES" dirty="0">
-                <a:ea typeface="Calibri" panose="020F0502020204030204" pitchFamily="34" charset="0"/>
-                <a:cs typeface="Calibri" panose="020F0502020204030204" pitchFamily="34" charset="0"/>
-                <a:sym typeface="Wingdings" panose="05000000000000000000" pitchFamily="2" charset="2"/>
-              </a:rPr>
               <a:t>, </a:t>
             </a:r>
             <a:r>
-              <a:rPr lang="es-ES" dirty="0">
+              <a:rPr lang="es-ES" sz="1700" dirty="0">
                 <a:ea typeface="Calibri" panose="020F0502020204030204" pitchFamily="34" charset="0"/>
                 <a:cs typeface="Calibri" panose="020F0502020204030204" pitchFamily="34" charset="0"/>
               </a:rPr>
               <a:t>para reducir número de </a:t>
             </a:r>
             <a:r>
-              <a:rPr lang="es-ES" i="1" dirty="0" err="1">
+              <a:rPr lang="es-ES" sz="1700" i="1" dirty="0" err="1">
                 <a:ea typeface="Calibri" panose="020F0502020204030204" pitchFamily="34" charset="0"/>
                 <a:cs typeface="Calibri" panose="020F0502020204030204" pitchFamily="34" charset="0"/>
               </a:rPr>
               <a:t>features</a:t>
             </a:r>
             <a:r>
-              <a:rPr lang="es-ES" i="1" dirty="0">
+              <a:rPr lang="es-ES" sz="1700" i="1" dirty="0">
                 <a:ea typeface="Calibri" panose="020F0502020204030204" pitchFamily="34" charset="0"/>
                 <a:cs typeface="Calibri" panose="020F0502020204030204" pitchFamily="34" charset="0"/>
               </a:rPr>
               <a:t> </a:t>
             </a:r>
             <a:r>
-              <a:rPr lang="es-ES" dirty="0">
-                <a:ea typeface="Calibri" panose="020F0502020204030204" pitchFamily="34" charset="0"/>
-                <a:cs typeface="Calibri" panose="020F0502020204030204" pitchFamily="34" charset="0"/>
-              </a:rPr>
-              <a:t>con varianza acumulada explicada: 90%</a:t>
+              <a:rPr lang="es-ES" sz="1700" dirty="0">
+                <a:ea typeface="Calibri" panose="020F0502020204030204" pitchFamily="34" charset="0"/>
+                <a:cs typeface="Calibri" panose="020F0502020204030204" pitchFamily="34" charset="0"/>
+              </a:rPr>
+              <a:t>con varianza acumulada explicada: 90% y 98% </a:t>
             </a:r>
           </a:p>
           <a:p>
@@ -10153,8 +10272,20 @@
             </a:endParaRPr>
           </a:p>
           <a:p>
-            <a:pPr lvl="1"/>
+            <a:pPr marL="457200" lvl="1" indent="0">
+              <a:buNone/>
+            </a:pPr>
             <a:endParaRPr lang="es-ES" dirty="0">
+              <a:ea typeface="Calibri" panose="020F0502020204030204" pitchFamily="34" charset="0"/>
+              <a:cs typeface="Calibri" panose="020F0502020204030204" pitchFamily="34" charset="0"/>
+              <a:sym typeface="Wingdings" panose="05000000000000000000" pitchFamily="2" charset="2"/>
+            </a:endParaRPr>
+          </a:p>
+          <a:p>
+            <a:endParaRPr lang="es-ES" dirty="0">
+              <a:solidFill>
+                <a:schemeClr val="tx1"/>
+              </a:solidFill>
               <a:latin typeface="+mn-lt"/>
               <a:ea typeface="Calibri" panose="020F0502020204030204" pitchFamily="34" charset="0"/>
               <a:cs typeface="Calibri" panose="020F0502020204030204" pitchFamily="34" charset="0"/>
@@ -10162,58 +10293,87 @@
             </a:endParaRPr>
           </a:p>
           <a:p>
+            <a:endParaRPr lang="es-ES" dirty="0">
+              <a:solidFill>
+                <a:schemeClr val="tx1"/>
+              </a:solidFill>
+              <a:latin typeface="+mn-lt"/>
+              <a:ea typeface="Calibri" panose="020F0502020204030204" pitchFamily="34" charset="0"/>
+              <a:cs typeface="Calibri" panose="020F0502020204030204" pitchFamily="34" charset="0"/>
+              <a:sym typeface="Wingdings" panose="05000000000000000000" pitchFamily="2" charset="2"/>
+            </a:endParaRPr>
+          </a:p>
+          <a:p>
+            <a:r>
+              <a:rPr lang="es-ES" dirty="0">
+                <a:solidFill>
+                  <a:schemeClr val="tx1"/>
+                </a:solidFill>
+                <a:latin typeface="+mn-lt"/>
+                <a:ea typeface="Calibri" panose="020F0502020204030204" pitchFamily="34" charset="0"/>
+                <a:cs typeface="Calibri" panose="020F0502020204030204" pitchFamily="34" charset="0"/>
+                <a:sym typeface="Wingdings" panose="05000000000000000000" pitchFamily="2" charset="2"/>
+              </a:rPr>
+              <a:t>5. 1 </a:t>
+            </a:r>
+            <a:r>
+              <a:rPr lang="es-ES" i="1" dirty="0">
+                <a:solidFill>
+                  <a:srgbClr val="00B050"/>
+                </a:solidFill>
+                <a:latin typeface="+mn-lt"/>
+                <a:ea typeface="Calibri" panose="020F0502020204030204" pitchFamily="34" charset="0"/>
+                <a:cs typeface="Calibri" panose="020F0502020204030204" pitchFamily="34" charset="0"/>
+                <a:sym typeface="Wingdings" panose="05000000000000000000" pitchFamily="2" charset="2"/>
+              </a:rPr>
+              <a:t>PIPELINES </a:t>
+            </a:r>
+            <a:r>
+              <a:rPr lang="es-ES" dirty="0">
+                <a:solidFill>
+                  <a:schemeClr val="tx1"/>
+                </a:solidFill>
+                <a:latin typeface="+mn-lt"/>
+                <a:ea typeface="Calibri" panose="020F0502020204030204" pitchFamily="34" charset="0"/>
+                <a:cs typeface="Calibri" panose="020F0502020204030204" pitchFamily="34" charset="0"/>
+                <a:sym typeface="Wingdings" panose="05000000000000000000" pitchFamily="2" charset="2"/>
+              </a:rPr>
+              <a:t>para el modelado:</a:t>
+            </a:r>
+          </a:p>
+          <a:p>
             <a:pPr lvl="1"/>
             <a:r>
-              <a:rPr lang="es-ES" dirty="0">
+              <a:rPr lang="es-ES" sz="1700" dirty="0">
                 <a:latin typeface="+mn-lt"/>
                 <a:ea typeface="Calibri" panose="020F0502020204030204" pitchFamily="34" charset="0"/>
                 <a:cs typeface="Calibri" panose="020F0502020204030204" pitchFamily="34" charset="0"/>
                 <a:sym typeface="Wingdings" panose="05000000000000000000" pitchFamily="2" charset="2"/>
               </a:rPr>
-              <a:t>3. </a:t>
-            </a:r>
-            <a:r>
-              <a:rPr lang="es-ES" dirty="0" err="1">
+              <a:t>Instanciamos </a:t>
+            </a:r>
+            <a:r>
+              <a:rPr lang="es-ES" sz="1700" b="1" i="1" dirty="0">
+                <a:solidFill>
+                  <a:srgbClr val="00B050"/>
+                </a:solidFill>
                 <a:latin typeface="+mn-lt"/>
                 <a:ea typeface="Calibri" panose="020F0502020204030204" pitchFamily="34" charset="0"/>
                 <a:cs typeface="Calibri" panose="020F0502020204030204" pitchFamily="34" charset="0"/>
                 <a:sym typeface="Wingdings" panose="05000000000000000000" pitchFamily="2" charset="2"/>
               </a:rPr>
-              <a:t>Intanciamos</a:t>
-            </a:r>
-            <a:r>
-              <a:rPr lang="es-ES" dirty="0">
+              <a:t>Pipelines</a:t>
+            </a:r>
+            <a:r>
+              <a:rPr lang="es-ES" sz="1700" dirty="0">
                 <a:latin typeface="+mn-lt"/>
                 <a:ea typeface="Calibri" panose="020F0502020204030204" pitchFamily="34" charset="0"/>
                 <a:cs typeface="Calibri" panose="020F0502020204030204" pitchFamily="34" charset="0"/>
                 <a:sym typeface="Wingdings" panose="05000000000000000000" pitchFamily="2" charset="2"/>
               </a:rPr>
-              <a:t> </a:t>
-            </a:r>
-            <a:r>
-              <a:rPr lang="es-ES" b="1" i="1" dirty="0">
-                <a:solidFill>
-                  <a:srgbClr val="00B050"/>
-                </a:solidFill>
-                <a:latin typeface="+mn-lt"/>
-                <a:ea typeface="Calibri" panose="020F0502020204030204" pitchFamily="34" charset="0"/>
-                <a:cs typeface="Calibri" panose="020F0502020204030204" pitchFamily="34" charset="0"/>
-                <a:sym typeface="Wingdings" panose="05000000000000000000" pitchFamily="2" charset="2"/>
-              </a:rPr>
-              <a:t>Pipelines</a:t>
-            </a:r>
-            <a:r>
-              <a:rPr lang="es-ES" dirty="0">
-                <a:latin typeface="+mn-lt"/>
-                <a:ea typeface="Calibri" panose="020F0502020204030204" pitchFamily="34" charset="0"/>
-                <a:cs typeface="Calibri" panose="020F0502020204030204" pitchFamily="34" charset="0"/>
-                <a:sym typeface="Wingdings" panose="05000000000000000000" pitchFamily="2" charset="2"/>
-              </a:rPr>
               <a:t> para  4 modelos y obtenemos el que de mejores resultados:</a:t>
             </a:r>
-          </a:p>
-          <a:p>
-            <a:endParaRPr lang="es-ES" dirty="0"/>
+            <a:endParaRPr lang="es-ES" sz="1700" dirty="0"/>
           </a:p>
         </p:txBody>
       </p:sp>
@@ -10322,13 +10482,20 @@
           <a:p>
             <a:r>
               <a:rPr lang="es-ES" kern="100" dirty="0">
+                <a:solidFill>
+                  <a:srgbClr val="C00000"/>
+                </a:solidFill>
                 <a:latin typeface="Calibri" panose="020F0502020204030204" pitchFamily="34" charset="0"/>
                 <a:ea typeface="Calibri" panose="020F0502020204030204" pitchFamily="34" charset="0"/>
                 <a:cs typeface="Times New Roman" panose="02020603050405020304" pitchFamily="18" charset="0"/>
               </a:rPr>
-              <a:t>Pasos en la creación y uso de pipelines 2:</a:t>
-            </a:r>
-            <a:endParaRPr lang="es-ES" dirty="0"/>
+              <a:t>Pasos 4 y 5.1 en la creación y uso de pipelines:</a:t>
+            </a:r>
+            <a:endParaRPr lang="es-ES" dirty="0">
+              <a:solidFill>
+                <a:srgbClr val="C00000"/>
+              </a:solidFill>
+            </a:endParaRPr>
           </a:p>
         </p:txBody>
       </p:sp>
@@ -10348,14 +10515,13 @@
         </p:nvPicPr>
         <p:blipFill>
           <a:blip r:embed="rId2"/>
-          <a:stretch>
-            <a:fillRect/>
-          </a:stretch>
+          <a:srcRect l="-1555" t="12842" r="1555" b="4475"/>
+          <a:stretch/>
         </p:blipFill>
         <p:spPr>
           <a:xfrm>
-            <a:off x="2078022" y="2436303"/>
-            <a:ext cx="5326984" cy="864110"/>
+            <a:off x="2512167" y="2171748"/>
+            <a:ext cx="4340276" cy="714476"/>
           </a:xfrm>
           <a:prstGeom prst="rect">
             <a:avLst/>
@@ -10384,8 +10550,8 @@
         </p:blipFill>
         <p:spPr>
           <a:xfrm>
-            <a:off x="7590728" y="2436303"/>
-            <a:ext cx="3402694" cy="509298"/>
+            <a:off x="2560965" y="2972157"/>
+            <a:ext cx="4340276" cy="378138"/>
           </a:xfrm>
           <a:prstGeom prst="rect">
             <a:avLst/>
@@ -10414,8 +10580,8 @@
         </p:blipFill>
         <p:spPr>
           <a:xfrm>
-            <a:off x="2636822" y="4046360"/>
-            <a:ext cx="2686425" cy="2543530"/>
+            <a:off x="2654349" y="4608766"/>
+            <a:ext cx="2528590" cy="2144458"/>
           </a:xfrm>
           <a:prstGeom prst="rect">
             <a:avLst/>
@@ -10424,10 +10590,10 @@
       </p:pic>
       <p:pic>
         <p:nvPicPr>
-          <p:cNvPr id="17" name="Imagen 16">
+          <p:cNvPr id="2" name="Imagen 1">
             <a:extLst>
               <a:ext uri="{FF2B5EF4-FFF2-40B4-BE49-F238E27FC236}">
-                <a16:creationId xmlns:a16="http://schemas.microsoft.com/office/drawing/2014/main" id="{CCD2C378-85BC-F8A6-98A8-26D10C0FB45C}"/>
+                <a16:creationId xmlns:a16="http://schemas.microsoft.com/office/drawing/2014/main" id="{A62E9692-6D14-C122-A513-3B09771524FF}"/>
               </a:ext>
             </a:extLst>
           </p:cNvPr>
@@ -10444,8 +10610,8 @@
         </p:blipFill>
         <p:spPr>
           <a:xfrm>
-            <a:off x="5556030" y="5962105"/>
-            <a:ext cx="6392167" cy="627785"/>
+            <a:off x="7262646" y="4645163"/>
+            <a:ext cx="2452805" cy="2144459"/>
           </a:xfrm>
           <a:prstGeom prst="rect">
             <a:avLst/>
@@ -10454,10 +10620,10 @@
       </p:pic>
       <p:sp>
         <p:nvSpPr>
-          <p:cNvPr id="18" name="CuadroTexto 17">
+          <p:cNvPr id="6" name="CuadroTexto 5">
             <a:extLst>
               <a:ext uri="{FF2B5EF4-FFF2-40B4-BE49-F238E27FC236}">
-                <a16:creationId xmlns:a16="http://schemas.microsoft.com/office/drawing/2014/main" id="{AA9A15EB-FA54-7ADA-BD26-E1EC521CD1D6}"/>
+                <a16:creationId xmlns:a16="http://schemas.microsoft.com/office/drawing/2014/main" id="{82BA52C6-815E-6BE2-C224-6ADC7942E7BE}"/>
               </a:ext>
             </a:extLst>
           </p:cNvPr>
@@ -10466,18 +10632,13 @@
         </p:nvSpPr>
         <p:spPr>
           <a:xfrm>
-            <a:off x="5556030" y="4317398"/>
-            <a:ext cx="6392167" cy="1323439"/>
+            <a:off x="2586316" y="4270212"/>
+            <a:ext cx="2452804" cy="338554"/>
           </a:xfrm>
           <a:prstGeom prst="rect">
             <a:avLst/>
           </a:prstGeom>
           <a:noFill/>
-          <a:ln>
-            <a:solidFill>
-              <a:schemeClr val="accent1"/>
-            </a:solidFill>
-          </a:ln>
         </p:spPr>
         <p:txBody>
           <a:bodyPr wrap="square" rtlCol="0">
@@ -10486,277 +10647,174 @@
           <a:lstStyle/>
           <a:p>
             <a:r>
-              <a:rPr lang="es-ES" sz="1600" dirty="0">
-                <a:solidFill>
-                  <a:schemeClr val="tx1">
-                    <a:lumMod val="75000"/>
-                    <a:lumOff val="25000"/>
-                  </a:schemeClr>
-                </a:solidFill>
-                <a:ea typeface="Calibri" panose="020F0502020204030204" pitchFamily="34" charset="0"/>
-                <a:cs typeface="Calibri" panose="020F0502020204030204" pitchFamily="34" charset="0"/>
-              </a:rPr>
-              <a:t>Los ejecutamos en un bucle </a:t>
-            </a:r>
-            <a:r>
-              <a:rPr lang="es-ES" sz="1600" b="1" i="1" dirty="0" err="1">
-                <a:solidFill>
-                  <a:srgbClr val="7030A0"/>
-                </a:solidFill>
-                <a:ea typeface="Calibri" panose="020F0502020204030204" pitchFamily="34" charset="0"/>
-                <a:cs typeface="Calibri" panose="020F0502020204030204" pitchFamily="34" charset="0"/>
-              </a:rPr>
-              <a:t>for</a:t>
-            </a:r>
-            <a:r>
-              <a:rPr lang="es-ES" sz="1600" b="1" i="1" dirty="0">
-                <a:solidFill>
-                  <a:srgbClr val="7030A0"/>
-                </a:solidFill>
-                <a:ea typeface="Calibri" panose="020F0502020204030204" pitchFamily="34" charset="0"/>
-                <a:cs typeface="Calibri" panose="020F0502020204030204" pitchFamily="34" charset="0"/>
-              </a:rPr>
-              <a:t> </a:t>
-            </a:r>
-            <a:r>
-              <a:rPr lang="es-ES" sz="1600" dirty="0">
-                <a:solidFill>
-                  <a:schemeClr val="tx1">
-                    <a:lumMod val="75000"/>
-                    <a:lumOff val="25000"/>
-                  </a:schemeClr>
-                </a:solidFill>
-                <a:ea typeface="Calibri" panose="020F0502020204030204" pitchFamily="34" charset="0"/>
-                <a:cs typeface="Calibri" panose="020F0502020204030204" pitchFamily="34" charset="0"/>
-              </a:rPr>
-              <a:t>y realizamos el </a:t>
-            </a:r>
-            <a:r>
-              <a:rPr lang="es-ES" sz="1600" b="1" i="1" dirty="0" err="1">
-                <a:solidFill>
-                  <a:srgbClr val="0070C0"/>
-                </a:solidFill>
-                <a:ea typeface="Calibri" panose="020F0502020204030204" pitchFamily="34" charset="0"/>
-                <a:cs typeface="Calibri" panose="020F0502020204030204" pitchFamily="34" charset="0"/>
-              </a:rPr>
-              <a:t>cross</a:t>
-            </a:r>
-            <a:r>
-              <a:rPr lang="es-ES" sz="1600" b="1" i="1" dirty="0">
-                <a:solidFill>
-                  <a:srgbClr val="0070C0"/>
-                </a:solidFill>
-                <a:ea typeface="Calibri" panose="020F0502020204030204" pitchFamily="34" charset="0"/>
-                <a:cs typeface="Calibri" panose="020F0502020204030204" pitchFamily="34" charset="0"/>
-              </a:rPr>
-              <a:t> </a:t>
-            </a:r>
-            <a:r>
-              <a:rPr lang="es-ES" sz="1600" b="1" i="1" dirty="0" err="1">
-                <a:solidFill>
-                  <a:srgbClr val="0070C0"/>
-                </a:solidFill>
-                <a:ea typeface="Calibri" panose="020F0502020204030204" pitchFamily="34" charset="0"/>
-                <a:cs typeface="Calibri" panose="020F0502020204030204" pitchFamily="34" charset="0"/>
-              </a:rPr>
-              <a:t>validation</a:t>
-            </a:r>
-            <a:r>
-              <a:rPr lang="es-ES" sz="1600" b="1" i="1" dirty="0">
-                <a:solidFill>
-                  <a:srgbClr val="0070C0"/>
-                </a:solidFill>
-                <a:ea typeface="Calibri" panose="020F0502020204030204" pitchFamily="34" charset="0"/>
-                <a:cs typeface="Calibri" panose="020F0502020204030204" pitchFamily="34" charset="0"/>
-              </a:rPr>
-              <a:t>. </a:t>
-            </a:r>
-          </a:p>
-          <a:p>
-            <a:endParaRPr lang="es-ES" sz="1600" b="1" i="1" dirty="0">
-              <a:solidFill>
-                <a:srgbClr val="0070C0"/>
-              </a:solidFill>
-              <a:ea typeface="Calibri" panose="020F0502020204030204" pitchFamily="34" charset="0"/>
-              <a:cs typeface="Calibri" panose="020F0502020204030204" pitchFamily="34" charset="0"/>
-            </a:endParaRPr>
-          </a:p>
-          <a:p>
-            <a:r>
-              <a:rPr lang="es-ES" sz="1600" dirty="0">
-                <a:ea typeface="Calibri" panose="020F0502020204030204" pitchFamily="34" charset="0"/>
-                <a:cs typeface="Calibri" panose="020F0502020204030204" pitchFamily="34" charset="0"/>
-              </a:rPr>
-              <a:t>Nos quedamos con el de mejor métrica </a:t>
-            </a:r>
-            <a:r>
-              <a:rPr lang="es-ES" sz="1600" b="1" dirty="0" err="1">
-                <a:solidFill>
-                  <a:schemeClr val="accent2">
-                    <a:lumMod val="75000"/>
-                  </a:schemeClr>
-                </a:solidFill>
-                <a:ea typeface="Calibri" panose="020F0502020204030204" pitchFamily="34" charset="0"/>
-                <a:cs typeface="Calibri" panose="020F0502020204030204" pitchFamily="34" charset="0"/>
-              </a:rPr>
-              <a:t>b</a:t>
-            </a:r>
-            <a:r>
-              <a:rPr lang="es-ES" sz="1600" b="1" dirty="0" err="1">
-                <a:solidFill>
-                  <a:schemeClr val="accent2">
-                    <a:lumMod val="75000"/>
-                  </a:schemeClr>
-                </a:solidFill>
-                <a:effectLst/>
-                <a:latin typeface="Consolas" panose="020B0609020204030204" pitchFamily="49" charset="0"/>
-              </a:rPr>
-              <a:t>alanced_accuracy</a:t>
-            </a:r>
-            <a:endParaRPr lang="es-ES" sz="1600" b="1" dirty="0">
-              <a:solidFill>
-                <a:schemeClr val="accent2">
-                  <a:lumMod val="75000"/>
-                </a:schemeClr>
-              </a:solidFill>
-              <a:effectLst/>
-              <a:latin typeface="Consolas" panose="020B0609020204030204" pitchFamily="49" charset="0"/>
-            </a:endParaRPr>
-          </a:p>
-          <a:p>
-            <a:r>
-              <a:rPr lang="es-ES" sz="1600" dirty="0">
-                <a:ea typeface="Calibri" panose="020F0502020204030204" pitchFamily="34" charset="0"/>
-                <a:cs typeface="Calibri" panose="020F0502020204030204" pitchFamily="34" charset="0"/>
-              </a:rPr>
-              <a:t> (</a:t>
-            </a:r>
-            <a:r>
-              <a:rPr lang="es-ES" sz="1600" b="1" i="1" dirty="0" err="1">
-                <a:solidFill>
-                  <a:srgbClr val="00B050"/>
-                </a:solidFill>
-                <a:ea typeface="Calibri" panose="020F0502020204030204" pitchFamily="34" charset="0"/>
-                <a:cs typeface="Calibri" panose="020F0502020204030204" pitchFamily="34" charset="0"/>
-              </a:rPr>
-              <a:t>RandomForestClassifier</a:t>
-            </a:r>
-            <a:r>
-              <a:rPr lang="es-ES" sz="1600" dirty="0">
-                <a:ea typeface="Calibri" panose="020F0502020204030204" pitchFamily="34" charset="0"/>
-                <a:cs typeface="Calibri" panose="020F0502020204030204" pitchFamily="34" charset="0"/>
-              </a:rPr>
-              <a:t>)</a:t>
-            </a:r>
-            <a:r>
-              <a:rPr lang="es-ES" sz="1600" b="1" i="1" dirty="0">
-                <a:solidFill>
-                  <a:srgbClr val="0070C0"/>
-                </a:solidFill>
-                <a:ea typeface="Calibri" panose="020F0502020204030204" pitchFamily="34" charset="0"/>
-                <a:cs typeface="Calibri" panose="020F0502020204030204" pitchFamily="34" charset="0"/>
-              </a:rPr>
-              <a:t> </a:t>
-            </a:r>
-            <a:r>
-              <a:rPr lang="es-ES" sz="1600" dirty="0">
-                <a:ea typeface="Calibri" panose="020F0502020204030204" pitchFamily="34" charset="0"/>
-                <a:cs typeface="Calibri" panose="020F0502020204030204" pitchFamily="34" charset="0"/>
-              </a:rPr>
-              <a:t>en este caso.</a:t>
-            </a:r>
-          </a:p>
-        </p:txBody>
-      </p:sp>
-      <p:sp>
-        <p:nvSpPr>
-          <p:cNvPr id="19" name="Flecha: hacia abajo 18">
+              <a:rPr lang="es-ES" sz="1600" dirty="0"/>
+              <a:t>Para clasificación:</a:t>
+            </a:r>
+          </a:p>
+        </p:txBody>
+      </p:sp>
+      <p:sp>
+        <p:nvSpPr>
+          <p:cNvPr id="7" name="CuadroTexto 6">
             <a:extLst>
               <a:ext uri="{FF2B5EF4-FFF2-40B4-BE49-F238E27FC236}">
-                <a16:creationId xmlns:a16="http://schemas.microsoft.com/office/drawing/2014/main" id="{69A3D6C3-5E4B-CB56-BAA1-08806B111CCB}"/>
+                <a16:creationId xmlns:a16="http://schemas.microsoft.com/office/drawing/2014/main" id="{FAE53566-C251-4C58-8527-C7976881CB81}"/>
               </a:ext>
             </a:extLst>
           </p:cNvPr>
-          <p:cNvSpPr/>
+          <p:cNvSpPr txBox="1"/>
           <p:nvPr/>
         </p:nvSpPr>
         <p:spPr>
           <a:xfrm>
-            <a:off x="8246221" y="5643679"/>
-            <a:ext cx="714375" cy="321268"/>
+            <a:off x="7152880" y="4275056"/>
+            <a:ext cx="2452804" cy="338554"/>
           </a:xfrm>
-          <a:prstGeom prst="downArrow">
+          <a:prstGeom prst="rect">
+            <a:avLst/>
+          </a:prstGeom>
+          <a:noFill/>
+        </p:spPr>
+        <p:txBody>
+          <a:bodyPr wrap="square" rtlCol="0">
+            <a:spAutoFit/>
+          </a:bodyPr>
+          <a:lstStyle/>
+          <a:p>
+            <a:r>
+              <a:rPr lang="es-ES" sz="1600" dirty="0"/>
+              <a:t>Para regresión:</a:t>
+            </a:r>
+          </a:p>
+        </p:txBody>
+      </p:sp>
+      <p:pic>
+        <p:nvPicPr>
+          <p:cNvPr id="10" name="Imagen 9">
+            <a:extLst>
+              <a:ext uri="{FF2B5EF4-FFF2-40B4-BE49-F238E27FC236}">
+                <a16:creationId xmlns:a16="http://schemas.microsoft.com/office/drawing/2014/main" id="{526B0E15-6BC2-956A-4641-3FB3AA39C32D}"/>
+              </a:ext>
+            </a:extLst>
+          </p:cNvPr>
+          <p:cNvPicPr>
+            <a:picLocks noChangeAspect="1"/>
+          </p:cNvPicPr>
+          <p:nvPr/>
+        </p:nvPicPr>
+        <p:blipFill>
+          <a:blip r:embed="rId6"/>
+          <a:stretch>
+            <a:fillRect/>
+          </a:stretch>
+        </p:blipFill>
+        <p:spPr>
+          <a:xfrm>
+            <a:off x="7262646" y="2978379"/>
+            <a:ext cx="3871624" cy="371916"/>
+          </a:xfrm>
+          <a:prstGeom prst="rect">
             <a:avLst/>
           </a:prstGeom>
         </p:spPr>
-        <p:style>
-          <a:lnRef idx="2">
-            <a:schemeClr val="accent1">
-              <a:shade val="15000"/>
-            </a:schemeClr>
-          </a:lnRef>
-          <a:fillRef idx="1">
-            <a:schemeClr val="accent1"/>
-          </a:fillRef>
-          <a:effectRef idx="0">
-            <a:schemeClr val="accent1"/>
-          </a:effectRef>
-          <a:fontRef idx="minor">
-            <a:schemeClr val="lt1"/>
-          </a:fontRef>
-        </p:style>
-        <p:txBody>
-          <a:bodyPr rtlCol="0" anchor="ctr"/>
-          <a:lstStyle/>
-          <a:p>
-            <a:pPr algn="ctr"/>
-            <a:endParaRPr lang="es-ES"/>
-          </a:p>
-        </p:txBody>
-      </p:sp>
-      <p:sp>
-        <p:nvSpPr>
-          <p:cNvPr id="20" name="Flecha: hacia abajo 19">
+      </p:pic>
+      <p:pic>
+        <p:nvPicPr>
+          <p:cNvPr id="14" name="Imagen 13">
             <a:extLst>
               <a:ext uri="{FF2B5EF4-FFF2-40B4-BE49-F238E27FC236}">
-                <a16:creationId xmlns:a16="http://schemas.microsoft.com/office/drawing/2014/main" id="{C9FC05B0-17C9-FF8E-08BC-7AE4292658DD}"/>
+                <a16:creationId xmlns:a16="http://schemas.microsoft.com/office/drawing/2014/main" id="{AA397A96-28AE-FE43-B6EE-C40D39E61069}"/>
               </a:ext>
             </a:extLst>
           </p:cNvPr>
-          <p:cNvSpPr/>
+          <p:cNvPicPr>
+            <a:picLocks noChangeAspect="1"/>
+          </p:cNvPicPr>
           <p:nvPr/>
-        </p:nvSpPr>
+        </p:nvPicPr>
+        <p:blipFill>
+          <a:blip r:embed="rId7"/>
+          <a:stretch>
+            <a:fillRect/>
+          </a:stretch>
+        </p:blipFill>
         <p:spPr>
           <a:xfrm>
-            <a:off x="3622846" y="3726481"/>
-            <a:ext cx="714375" cy="321268"/>
+            <a:off x="7262646" y="2171748"/>
+            <a:ext cx="3871624" cy="714475"/>
           </a:xfrm>
-          <a:prstGeom prst="downArrow">
+          <a:prstGeom prst="rect">
             <a:avLst/>
           </a:prstGeom>
         </p:spPr>
-        <p:style>
-          <a:lnRef idx="2">
-            <a:schemeClr val="accent1">
-              <a:shade val="15000"/>
-            </a:schemeClr>
-          </a:lnRef>
-          <a:fillRef idx="1">
-            <a:schemeClr val="accent1"/>
-          </a:fillRef>
-          <a:effectRef idx="0">
-            <a:schemeClr val="accent1"/>
-          </a:effectRef>
-          <a:fontRef idx="minor">
-            <a:schemeClr val="lt1"/>
-          </a:fontRef>
-        </p:style>
-        <p:txBody>
-          <a:bodyPr rtlCol="0" anchor="ctr"/>
+      </p:pic>
+      <p:sp>
+        <p:nvSpPr>
+          <p:cNvPr id="16" name="CuadroTexto 15">
+            <a:extLst>
+              <a:ext uri="{FF2B5EF4-FFF2-40B4-BE49-F238E27FC236}">
+                <a16:creationId xmlns:a16="http://schemas.microsoft.com/office/drawing/2014/main" id="{72716752-8D7A-945D-C297-7F32B6E17D3A}"/>
+              </a:ext>
+            </a:extLst>
+          </p:cNvPr>
+          <p:cNvSpPr txBox="1"/>
+          <p:nvPr/>
+        </p:nvSpPr>
+        <p:spPr>
+          <a:xfrm>
+            <a:off x="2479209" y="1876867"/>
+            <a:ext cx="2452804" cy="338554"/>
+          </a:xfrm>
+          <a:prstGeom prst="rect">
+            <a:avLst/>
+          </a:prstGeom>
+          <a:noFill/>
+        </p:spPr>
+        <p:txBody>
+          <a:bodyPr wrap="square" rtlCol="0">
+            <a:spAutoFit/>
+          </a:bodyPr>
           <a:lstStyle/>
           <a:p>
-            <a:pPr algn="ctr"/>
-            <a:endParaRPr lang="es-ES"/>
+            <a:r>
+              <a:rPr lang="es-ES" sz="1600" dirty="0"/>
+              <a:t>Para clasificación:</a:t>
+            </a:r>
+          </a:p>
+        </p:txBody>
+      </p:sp>
+      <p:sp>
+        <p:nvSpPr>
+          <p:cNvPr id="21" name="CuadroTexto 20">
+            <a:extLst>
+              <a:ext uri="{FF2B5EF4-FFF2-40B4-BE49-F238E27FC236}">
+                <a16:creationId xmlns:a16="http://schemas.microsoft.com/office/drawing/2014/main" id="{7572A5B6-8735-BBD0-F725-D08749732E7D}"/>
+              </a:ext>
+            </a:extLst>
+          </p:cNvPr>
+          <p:cNvSpPr txBox="1"/>
+          <p:nvPr/>
+        </p:nvSpPr>
+        <p:spPr>
+          <a:xfrm>
+            <a:off x="7148346" y="1876867"/>
+            <a:ext cx="2452804" cy="338554"/>
+          </a:xfrm>
+          <a:prstGeom prst="rect">
+            <a:avLst/>
+          </a:prstGeom>
+          <a:noFill/>
+        </p:spPr>
+        <p:txBody>
+          <a:bodyPr wrap="square" rtlCol="0">
+            <a:spAutoFit/>
+          </a:bodyPr>
+          <a:lstStyle/>
+          <a:p>
+            <a:r>
+              <a:rPr lang="es-ES" sz="1600" dirty="0"/>
+              <a:t>Para regresión:</a:t>
+            </a:r>
           </a:p>
         </p:txBody>
       </p:sp>
@@ -10774,6 +10832,664 @@
 </file>
 
 <file path=ppt/slides/slide6.xml><?xml version="1.0" encoding="utf-8"?>
+<p:sld xmlns:a="http://schemas.openxmlformats.org/drawingml/2006/main" xmlns:r="http://schemas.openxmlformats.org/officeDocument/2006/relationships" xmlns:p="http://schemas.openxmlformats.org/presentationml/2006/main">
+  <p:cSld>
+    <p:spTree>
+      <p:nvGrpSpPr>
+        <p:cNvPr id="1" name="">
+          <a:extLst>
+            <a:ext uri="{FF2B5EF4-FFF2-40B4-BE49-F238E27FC236}">
+              <a16:creationId xmlns:a16="http://schemas.microsoft.com/office/drawing/2014/main" id="{ACBC9221-C3A6-7553-7AAD-5560AFB03A50}"/>
+            </a:ext>
+          </a:extLst>
+        </p:cNvPr>
+        <p:cNvGrpSpPr/>
+        <p:nvPr/>
+      </p:nvGrpSpPr>
+      <p:grpSpPr>
+        <a:xfrm>
+          <a:off x="0" y="0"/>
+          <a:ext cx="0" cy="0"/>
+          <a:chOff x="0" y="0"/>
+          <a:chExt cx="0" cy="0"/>
+        </a:xfrm>
+      </p:grpSpPr>
+      <p:sp>
+        <p:nvSpPr>
+          <p:cNvPr id="4" name="Marcador de número de diapositiva 3">
+            <a:extLst>
+              <a:ext uri="{FF2B5EF4-FFF2-40B4-BE49-F238E27FC236}">
+                <a16:creationId xmlns:a16="http://schemas.microsoft.com/office/drawing/2014/main" id="{240E3D81-5E6B-6183-F09A-9F366FE59865}"/>
+              </a:ext>
+            </a:extLst>
+          </p:cNvPr>
+          <p:cNvSpPr>
+            <a:spLocks noGrp="1"/>
+          </p:cNvSpPr>
+          <p:nvPr>
+            <p:ph type="sldNum" sz="quarter" idx="12"/>
+          </p:nvPr>
+        </p:nvSpPr>
+        <p:spPr/>
+        <p:txBody>
+          <a:bodyPr/>
+          <a:lstStyle/>
+          <a:p>
+            <a:fld id="{30B3F516-FD66-4690-BD52-36A5750E1A8D}" type="slidenum">
+              <a:rPr lang="es-ES" smtClean="0"/>
+              <a:t>6</a:t>
+            </a:fld>
+            <a:endParaRPr lang="es-ES"/>
+          </a:p>
+        </p:txBody>
+      </p:sp>
+      <p:sp>
+        <p:nvSpPr>
+          <p:cNvPr id="9" name="Título 1">
+            <a:extLst>
+              <a:ext uri="{FF2B5EF4-FFF2-40B4-BE49-F238E27FC236}">
+                <a16:creationId xmlns:a16="http://schemas.microsoft.com/office/drawing/2014/main" id="{0B02AB44-FD26-1C43-B341-4558ABE54AEE}"/>
+              </a:ext>
+            </a:extLst>
+          </p:cNvPr>
+          <p:cNvSpPr txBox="1">
+            <a:spLocks/>
+          </p:cNvSpPr>
+          <p:nvPr/>
+        </p:nvSpPr>
+        <p:spPr>
+          <a:xfrm>
+            <a:off x="1892300" y="624110"/>
+            <a:ext cx="9767887" cy="834576"/>
+          </a:xfrm>
+          <a:prstGeom prst="rect">
+            <a:avLst/>
+          </a:prstGeom>
+        </p:spPr>
+        <p:txBody>
+          <a:bodyPr vert="horz" lIns="91440" tIns="45720" rIns="91440" bIns="45720" rtlCol="0" anchor="t">
+            <a:normAutofit/>
+          </a:bodyPr>
+          <a:lstStyle>
+            <a:lvl1pPr algn="l" defTabSz="457200" rtl="0" eaLnBrk="1" latinLnBrk="0" hangingPunct="1">
+              <a:spcBef>
+                <a:spcPct val="0"/>
+              </a:spcBef>
+              <a:buNone/>
+              <a:defRPr sz="3600" kern="1200">
+                <a:solidFill>
+                  <a:schemeClr val="tx1">
+                    <a:lumMod val="85000"/>
+                    <a:lumOff val="15000"/>
+                  </a:schemeClr>
+                </a:solidFill>
+                <a:latin typeface="+mj-lt"/>
+                <a:ea typeface="+mj-ea"/>
+                <a:cs typeface="+mj-cs"/>
+              </a:defRPr>
+            </a:lvl1pPr>
+            <a:lvl2pPr eaLnBrk="1" hangingPunct="1">
+              <a:defRPr>
+                <a:solidFill>
+                  <a:schemeClr val="tx2"/>
+                </a:solidFill>
+              </a:defRPr>
+            </a:lvl2pPr>
+            <a:lvl3pPr eaLnBrk="1" hangingPunct="1">
+              <a:defRPr>
+                <a:solidFill>
+                  <a:schemeClr val="tx2"/>
+                </a:solidFill>
+              </a:defRPr>
+            </a:lvl3pPr>
+            <a:lvl4pPr eaLnBrk="1" hangingPunct="1">
+              <a:defRPr>
+                <a:solidFill>
+                  <a:schemeClr val="tx2"/>
+                </a:solidFill>
+              </a:defRPr>
+            </a:lvl4pPr>
+            <a:lvl5pPr eaLnBrk="1" hangingPunct="1">
+              <a:defRPr>
+                <a:solidFill>
+                  <a:schemeClr val="tx2"/>
+                </a:solidFill>
+              </a:defRPr>
+            </a:lvl5pPr>
+            <a:lvl6pPr eaLnBrk="1" hangingPunct="1">
+              <a:defRPr>
+                <a:solidFill>
+                  <a:schemeClr val="tx2"/>
+                </a:solidFill>
+              </a:defRPr>
+            </a:lvl6pPr>
+            <a:lvl7pPr eaLnBrk="1" hangingPunct="1">
+              <a:defRPr>
+                <a:solidFill>
+                  <a:schemeClr val="tx2"/>
+                </a:solidFill>
+              </a:defRPr>
+            </a:lvl7pPr>
+            <a:lvl8pPr eaLnBrk="1" hangingPunct="1">
+              <a:defRPr>
+                <a:solidFill>
+                  <a:schemeClr val="tx2"/>
+                </a:solidFill>
+              </a:defRPr>
+            </a:lvl8pPr>
+            <a:lvl9pPr eaLnBrk="1" hangingPunct="1">
+              <a:defRPr>
+                <a:solidFill>
+                  <a:schemeClr val="tx2"/>
+                </a:solidFill>
+              </a:defRPr>
+            </a:lvl9pPr>
+          </a:lstStyle>
+          <a:p>
+            <a:r>
+              <a:rPr lang="es-ES" kern="100" dirty="0">
+                <a:solidFill>
+                  <a:srgbClr val="C00000"/>
+                </a:solidFill>
+                <a:latin typeface="Calibri" panose="020F0502020204030204" pitchFamily="34" charset="0"/>
+                <a:ea typeface="Calibri" panose="020F0502020204030204" pitchFamily="34" charset="0"/>
+                <a:cs typeface="Times New Roman" panose="02020603050405020304" pitchFamily="18" charset="0"/>
+              </a:rPr>
+              <a:t>Paso 5.1 en la creación y uso de pipelines:</a:t>
+            </a:r>
+            <a:endParaRPr lang="es-ES" dirty="0">
+              <a:solidFill>
+                <a:srgbClr val="C00000"/>
+              </a:solidFill>
+            </a:endParaRPr>
+          </a:p>
+        </p:txBody>
+      </p:sp>
+      <p:pic>
+        <p:nvPicPr>
+          <p:cNvPr id="17" name="Imagen 16">
+            <a:extLst>
+              <a:ext uri="{FF2B5EF4-FFF2-40B4-BE49-F238E27FC236}">
+                <a16:creationId xmlns:a16="http://schemas.microsoft.com/office/drawing/2014/main" id="{FBCBA499-0D66-ED9B-196A-AFEE991E561B}"/>
+              </a:ext>
+            </a:extLst>
+          </p:cNvPr>
+          <p:cNvPicPr>
+            <a:picLocks noChangeAspect="1"/>
+          </p:cNvPicPr>
+          <p:nvPr/>
+        </p:nvPicPr>
+        <p:blipFill>
+          <a:blip r:embed="rId2"/>
+          <a:stretch>
+            <a:fillRect/>
+          </a:stretch>
+        </p:blipFill>
+        <p:spPr>
+          <a:xfrm>
+            <a:off x="1676269" y="3868542"/>
+            <a:ext cx="5963482" cy="627785"/>
+          </a:xfrm>
+          <a:prstGeom prst="rect">
+            <a:avLst/>
+          </a:prstGeom>
+        </p:spPr>
+      </p:pic>
+      <p:sp>
+        <p:nvSpPr>
+          <p:cNvPr id="18" name="CuadroTexto 17">
+            <a:extLst>
+              <a:ext uri="{FF2B5EF4-FFF2-40B4-BE49-F238E27FC236}">
+                <a16:creationId xmlns:a16="http://schemas.microsoft.com/office/drawing/2014/main" id="{062C80CB-0133-8D8E-218A-B0051CEDC625}"/>
+              </a:ext>
+            </a:extLst>
+          </p:cNvPr>
+          <p:cNvSpPr txBox="1"/>
+          <p:nvPr/>
+        </p:nvSpPr>
+        <p:spPr>
+          <a:xfrm>
+            <a:off x="1596536" y="1638884"/>
+            <a:ext cx="9884263" cy="1569660"/>
+          </a:xfrm>
+          <a:prstGeom prst="rect">
+            <a:avLst/>
+          </a:prstGeom>
+          <a:noFill/>
+          <a:ln>
+            <a:solidFill>
+              <a:schemeClr val="accent1"/>
+            </a:solidFill>
+          </a:ln>
+        </p:spPr>
+        <p:txBody>
+          <a:bodyPr wrap="square" rtlCol="0">
+            <a:spAutoFit/>
+          </a:bodyPr>
+          <a:lstStyle/>
+          <a:p>
+            <a:r>
+              <a:rPr lang="es-ES" sz="1600" dirty="0">
+                <a:solidFill>
+                  <a:schemeClr val="tx1">
+                    <a:lumMod val="75000"/>
+                    <a:lumOff val="25000"/>
+                  </a:schemeClr>
+                </a:solidFill>
+                <a:ea typeface="Calibri" panose="020F0502020204030204" pitchFamily="34" charset="0"/>
+                <a:cs typeface="Calibri" panose="020F0502020204030204" pitchFamily="34" charset="0"/>
+              </a:rPr>
+              <a:t>Los ejecutamos en un bucle </a:t>
+            </a:r>
+            <a:r>
+              <a:rPr lang="es-ES" sz="1600" b="1" i="1" dirty="0" err="1">
+                <a:solidFill>
+                  <a:srgbClr val="7030A0"/>
+                </a:solidFill>
+                <a:ea typeface="Calibri" panose="020F0502020204030204" pitchFamily="34" charset="0"/>
+                <a:cs typeface="Calibri" panose="020F0502020204030204" pitchFamily="34" charset="0"/>
+              </a:rPr>
+              <a:t>for</a:t>
+            </a:r>
+            <a:r>
+              <a:rPr lang="es-ES" sz="1600" b="1" i="1" dirty="0">
+                <a:solidFill>
+                  <a:srgbClr val="7030A0"/>
+                </a:solidFill>
+                <a:ea typeface="Calibri" panose="020F0502020204030204" pitchFamily="34" charset="0"/>
+                <a:cs typeface="Calibri" panose="020F0502020204030204" pitchFamily="34" charset="0"/>
+              </a:rPr>
+              <a:t> </a:t>
+            </a:r>
+            <a:r>
+              <a:rPr lang="es-ES" sz="1600" dirty="0">
+                <a:solidFill>
+                  <a:schemeClr val="tx1">
+                    <a:lumMod val="75000"/>
+                    <a:lumOff val="25000"/>
+                  </a:schemeClr>
+                </a:solidFill>
+                <a:ea typeface="Calibri" panose="020F0502020204030204" pitchFamily="34" charset="0"/>
+                <a:cs typeface="Calibri" panose="020F0502020204030204" pitchFamily="34" charset="0"/>
+              </a:rPr>
+              <a:t>y realizamos el </a:t>
+            </a:r>
+            <a:r>
+              <a:rPr lang="es-ES" sz="1600" b="1" i="1" dirty="0" err="1">
+                <a:solidFill>
+                  <a:srgbClr val="0070C0"/>
+                </a:solidFill>
+                <a:ea typeface="Calibri" panose="020F0502020204030204" pitchFamily="34" charset="0"/>
+                <a:cs typeface="Calibri" panose="020F0502020204030204" pitchFamily="34" charset="0"/>
+              </a:rPr>
+              <a:t>cross</a:t>
+            </a:r>
+            <a:r>
+              <a:rPr lang="es-ES" sz="1600" b="1" i="1" dirty="0">
+                <a:solidFill>
+                  <a:srgbClr val="0070C0"/>
+                </a:solidFill>
+                <a:ea typeface="Calibri" panose="020F0502020204030204" pitchFamily="34" charset="0"/>
+                <a:cs typeface="Calibri" panose="020F0502020204030204" pitchFamily="34" charset="0"/>
+              </a:rPr>
+              <a:t> </a:t>
+            </a:r>
+            <a:r>
+              <a:rPr lang="es-ES" sz="1600" b="1" i="1" dirty="0" err="1">
+                <a:solidFill>
+                  <a:srgbClr val="0070C0"/>
+                </a:solidFill>
+                <a:ea typeface="Calibri" panose="020F0502020204030204" pitchFamily="34" charset="0"/>
+                <a:cs typeface="Calibri" panose="020F0502020204030204" pitchFamily="34" charset="0"/>
+              </a:rPr>
+              <a:t>validation</a:t>
+            </a:r>
+            <a:r>
+              <a:rPr lang="es-ES" sz="1600" b="1" i="1" dirty="0">
+                <a:solidFill>
+                  <a:srgbClr val="0070C0"/>
+                </a:solidFill>
+                <a:ea typeface="Calibri" panose="020F0502020204030204" pitchFamily="34" charset="0"/>
+                <a:cs typeface="Calibri" panose="020F0502020204030204" pitchFamily="34" charset="0"/>
+              </a:rPr>
+              <a:t>. </a:t>
+            </a:r>
+          </a:p>
+          <a:p>
+            <a:endParaRPr lang="es-ES" sz="1600" b="1" i="1" dirty="0">
+              <a:solidFill>
+                <a:srgbClr val="0070C0"/>
+              </a:solidFill>
+              <a:ea typeface="Calibri" panose="020F0502020204030204" pitchFamily="34" charset="0"/>
+              <a:cs typeface="Calibri" panose="020F0502020204030204" pitchFamily="34" charset="0"/>
+            </a:endParaRPr>
+          </a:p>
+          <a:p>
+            <a:r>
+              <a:rPr lang="es-ES" sz="1600" dirty="0">
+                <a:ea typeface="Calibri" panose="020F0502020204030204" pitchFamily="34" charset="0"/>
+                <a:cs typeface="Calibri" panose="020F0502020204030204" pitchFamily="34" charset="0"/>
+              </a:rPr>
+              <a:t>Nos quedamos con el de mejor métrica usando </a:t>
+            </a:r>
+            <a:r>
+              <a:rPr lang="es-ES" sz="1600" b="1" dirty="0" err="1">
+                <a:solidFill>
+                  <a:schemeClr val="accent2">
+                    <a:lumMod val="75000"/>
+                  </a:schemeClr>
+                </a:solidFill>
+                <a:latin typeface="Consolas" panose="020B0609020204030204" pitchFamily="49" charset="0"/>
+              </a:rPr>
+              <a:t>ba</a:t>
+            </a:r>
+            <a:r>
+              <a:rPr lang="es-ES" sz="1600" b="1" dirty="0" err="1">
+                <a:solidFill>
+                  <a:schemeClr val="accent2">
+                    <a:lumMod val="75000"/>
+                  </a:schemeClr>
+                </a:solidFill>
+                <a:effectLst/>
+                <a:latin typeface="Consolas" panose="020B0609020204030204" pitchFamily="49" charset="0"/>
+              </a:rPr>
+              <a:t>lanced_accuracy</a:t>
+            </a:r>
+            <a:r>
+              <a:rPr lang="es-ES" sz="1600" b="1" dirty="0">
+                <a:solidFill>
+                  <a:schemeClr val="accent2">
+                    <a:lumMod val="75000"/>
+                  </a:schemeClr>
+                </a:solidFill>
+                <a:effectLst/>
+                <a:latin typeface="Consolas" panose="020B0609020204030204" pitchFamily="49" charset="0"/>
+              </a:rPr>
+              <a:t> </a:t>
+            </a:r>
+            <a:r>
+              <a:rPr lang="es-ES" sz="1600" dirty="0">
+                <a:effectLst/>
+                <a:latin typeface="Consolas" panose="020B0609020204030204" pitchFamily="49" charset="0"/>
+              </a:rPr>
+              <a:t>y</a:t>
+            </a:r>
+            <a:r>
+              <a:rPr lang="es-ES" sz="1600" b="1" dirty="0">
+                <a:solidFill>
+                  <a:schemeClr val="accent2">
+                    <a:lumMod val="75000"/>
+                  </a:schemeClr>
+                </a:solidFill>
+                <a:effectLst/>
+                <a:latin typeface="Consolas" panose="020B0609020204030204" pitchFamily="49" charset="0"/>
+              </a:rPr>
+              <a:t> </a:t>
+            </a:r>
+            <a:r>
+              <a:rPr lang="es-ES" sz="1600" b="1" dirty="0" err="1">
+                <a:solidFill>
+                  <a:schemeClr val="accent2">
+                    <a:lumMod val="75000"/>
+                  </a:schemeClr>
+                </a:solidFill>
+                <a:latin typeface="Consolas" panose="020B0609020204030204" pitchFamily="49" charset="0"/>
+              </a:rPr>
+              <a:t>neg_mean_squared_error</a:t>
+            </a:r>
+            <a:r>
+              <a:rPr lang="es-ES" sz="1600" b="1" dirty="0">
+                <a:solidFill>
+                  <a:schemeClr val="accent2">
+                    <a:lumMod val="75000"/>
+                  </a:schemeClr>
+                </a:solidFill>
+                <a:latin typeface="Consolas" panose="020B0609020204030204" pitchFamily="49" charset="0"/>
+              </a:rPr>
+              <a:t> </a:t>
+            </a:r>
+            <a:r>
+              <a:rPr lang="es-ES" sz="1600" dirty="0">
+                <a:solidFill>
+                  <a:schemeClr val="tx1">
+                    <a:lumMod val="75000"/>
+                    <a:lumOff val="25000"/>
+                  </a:schemeClr>
+                </a:solidFill>
+                <a:ea typeface="Calibri" panose="020F0502020204030204" pitchFamily="34" charset="0"/>
+                <a:cs typeface="Calibri" panose="020F0502020204030204" pitchFamily="34" charset="0"/>
+              </a:rPr>
+              <a:t>para clasificación y regresión respectivamente.</a:t>
+            </a:r>
+          </a:p>
+          <a:p>
+            <a:endParaRPr lang="es-ES" sz="1600" dirty="0">
+              <a:solidFill>
+                <a:schemeClr val="tx1">
+                  <a:lumMod val="75000"/>
+                  <a:lumOff val="25000"/>
+                </a:schemeClr>
+              </a:solidFill>
+              <a:ea typeface="Calibri" panose="020F0502020204030204" pitchFamily="34" charset="0"/>
+              <a:cs typeface="Calibri" panose="020F0502020204030204" pitchFamily="34" charset="0"/>
+            </a:endParaRPr>
+          </a:p>
+          <a:p>
+            <a:r>
+              <a:rPr lang="es-ES" sz="1600" dirty="0">
+                <a:ea typeface="Calibri" panose="020F0502020204030204" pitchFamily="34" charset="0"/>
+                <a:cs typeface="Calibri" panose="020F0502020204030204" pitchFamily="34" charset="0"/>
+              </a:rPr>
+              <a:t> El mejor modelo son el </a:t>
+            </a:r>
+            <a:r>
+              <a:rPr lang="es-ES" sz="1600" b="1" i="1" dirty="0" err="1">
+                <a:solidFill>
+                  <a:srgbClr val="00B050"/>
+                </a:solidFill>
+                <a:ea typeface="Calibri" panose="020F0502020204030204" pitchFamily="34" charset="0"/>
+                <a:cs typeface="Calibri" panose="020F0502020204030204" pitchFamily="34" charset="0"/>
+              </a:rPr>
+              <a:t>RandomForestClassifier</a:t>
+            </a:r>
+            <a:r>
+              <a:rPr lang="es-ES" sz="1600" b="1" i="1" dirty="0">
+                <a:solidFill>
+                  <a:srgbClr val="00B050"/>
+                </a:solidFill>
+                <a:ea typeface="Calibri" panose="020F0502020204030204" pitchFamily="34" charset="0"/>
+                <a:cs typeface="Calibri" panose="020F0502020204030204" pitchFamily="34" charset="0"/>
+              </a:rPr>
+              <a:t> </a:t>
+            </a:r>
+            <a:r>
+              <a:rPr lang="es-ES" sz="1600" dirty="0">
+                <a:ea typeface="Calibri" panose="020F0502020204030204" pitchFamily="34" charset="0"/>
+                <a:cs typeface="Calibri" panose="020F0502020204030204" pitchFamily="34" charset="0"/>
+              </a:rPr>
+              <a:t>y </a:t>
+            </a:r>
+            <a:r>
+              <a:rPr lang="es-ES" sz="1600" b="1" i="1" dirty="0" err="1">
+                <a:solidFill>
+                  <a:srgbClr val="00B050"/>
+                </a:solidFill>
+                <a:ea typeface="Calibri" panose="020F0502020204030204" pitchFamily="34" charset="0"/>
+                <a:cs typeface="Calibri" panose="020F0502020204030204" pitchFamily="34" charset="0"/>
+              </a:rPr>
+              <a:t>RandomForestRegressor</a:t>
+            </a:r>
+            <a:r>
+              <a:rPr lang="es-ES" sz="1600" dirty="0">
+                <a:ea typeface="Calibri" panose="020F0502020204030204" pitchFamily="34" charset="0"/>
+                <a:cs typeface="Calibri" panose="020F0502020204030204" pitchFamily="34" charset="0"/>
+              </a:rPr>
+              <a:t>:</a:t>
+            </a:r>
+          </a:p>
+        </p:txBody>
+      </p:sp>
+      <p:sp>
+        <p:nvSpPr>
+          <p:cNvPr id="6" name="CuadroTexto 5">
+            <a:extLst>
+              <a:ext uri="{FF2B5EF4-FFF2-40B4-BE49-F238E27FC236}">
+                <a16:creationId xmlns:a16="http://schemas.microsoft.com/office/drawing/2014/main" id="{55C9D62F-D6F1-32A3-86C6-4F0446A8BB6E}"/>
+              </a:ext>
+            </a:extLst>
+          </p:cNvPr>
+          <p:cNvSpPr txBox="1"/>
+          <p:nvPr/>
+        </p:nvSpPr>
+        <p:spPr>
+          <a:xfrm>
+            <a:off x="1596537" y="3404713"/>
+            <a:ext cx="2452804" cy="338554"/>
+          </a:xfrm>
+          <a:prstGeom prst="rect">
+            <a:avLst/>
+          </a:prstGeom>
+          <a:noFill/>
+        </p:spPr>
+        <p:txBody>
+          <a:bodyPr wrap="square" rtlCol="0">
+            <a:spAutoFit/>
+          </a:bodyPr>
+          <a:lstStyle/>
+          <a:p>
+            <a:r>
+              <a:rPr lang="es-ES" sz="1600" dirty="0"/>
+              <a:t>Para clasificación:</a:t>
+            </a:r>
+          </a:p>
+        </p:txBody>
+      </p:sp>
+      <p:sp>
+        <p:nvSpPr>
+          <p:cNvPr id="7" name="CuadroTexto 6">
+            <a:extLst>
+              <a:ext uri="{FF2B5EF4-FFF2-40B4-BE49-F238E27FC236}">
+                <a16:creationId xmlns:a16="http://schemas.microsoft.com/office/drawing/2014/main" id="{60FB7218-656D-98F5-267D-A8E5A0FAB5DE}"/>
+              </a:ext>
+            </a:extLst>
+          </p:cNvPr>
+          <p:cNvSpPr txBox="1"/>
+          <p:nvPr/>
+        </p:nvSpPr>
+        <p:spPr>
+          <a:xfrm>
+            <a:off x="1596536" y="4621602"/>
+            <a:ext cx="2452804" cy="338554"/>
+          </a:xfrm>
+          <a:prstGeom prst="rect">
+            <a:avLst/>
+          </a:prstGeom>
+          <a:noFill/>
+        </p:spPr>
+        <p:txBody>
+          <a:bodyPr wrap="square" rtlCol="0">
+            <a:spAutoFit/>
+          </a:bodyPr>
+          <a:lstStyle/>
+          <a:p>
+            <a:r>
+              <a:rPr lang="es-ES" sz="1600" dirty="0"/>
+              <a:t>Para regresión:</a:t>
+            </a:r>
+          </a:p>
+        </p:txBody>
+      </p:sp>
+      <p:pic>
+        <p:nvPicPr>
+          <p:cNvPr id="12" name="Imagen 11">
+            <a:extLst>
+              <a:ext uri="{FF2B5EF4-FFF2-40B4-BE49-F238E27FC236}">
+                <a16:creationId xmlns:a16="http://schemas.microsoft.com/office/drawing/2014/main" id="{CD87CF31-204E-93B4-16A1-12BD7ACC34F4}"/>
+              </a:ext>
+            </a:extLst>
+          </p:cNvPr>
+          <p:cNvPicPr>
+            <a:picLocks noChangeAspect="1"/>
+          </p:cNvPicPr>
+          <p:nvPr/>
+        </p:nvPicPr>
+        <p:blipFill>
+          <a:blip r:embed="rId3"/>
+          <a:stretch>
+            <a:fillRect/>
+          </a:stretch>
+        </p:blipFill>
+        <p:spPr>
+          <a:xfrm>
+            <a:off x="1700081" y="5046836"/>
+            <a:ext cx="5963482" cy="685896"/>
+          </a:xfrm>
+          <a:prstGeom prst="rect">
+            <a:avLst/>
+          </a:prstGeom>
+        </p:spPr>
+      </p:pic>
+      <p:pic>
+        <p:nvPicPr>
+          <p:cNvPr id="2050" name="Picture 2" descr="Understanding lstm and its diagrams ml review – Artofit">
+            <a:extLst>
+              <a:ext uri="{FF2B5EF4-FFF2-40B4-BE49-F238E27FC236}">
+                <a16:creationId xmlns:a16="http://schemas.microsoft.com/office/drawing/2014/main" id="{95EF6562-26D3-42AA-DC5A-7624555E08BC}"/>
+              </a:ext>
+            </a:extLst>
+          </p:cNvPr>
+          <p:cNvPicPr>
+            <a:picLocks noChangeAspect="1" noChangeArrowheads="1"/>
+          </p:cNvPicPr>
+          <p:nvPr/>
+        </p:nvPicPr>
+        <p:blipFill>
+          <a:blip r:embed="rId4">
+            <a:extLst>
+              <a:ext uri="{28A0092B-C50C-407E-A947-70E740481C1C}">
+                <a14:useLocalDpi xmlns:a14="http://schemas.microsoft.com/office/drawing/2010/main" val="0"/>
+              </a:ext>
+            </a:extLst>
+          </a:blip>
+          <a:srcRect/>
+          <a:stretch>
+            <a:fillRect/>
+          </a:stretch>
+        </p:blipFill>
+        <p:spPr bwMode="auto">
+          <a:xfrm>
+            <a:off x="7764835" y="3868542"/>
+            <a:ext cx="3715964" cy="1864190"/>
+          </a:xfrm>
+          <a:prstGeom prst="rect">
+            <a:avLst/>
+          </a:prstGeom>
+          <a:noFill/>
+          <a:extLst>
+            <a:ext uri="{909E8E84-426E-40DD-AFC4-6F175D3DCCD1}">
+              <a14:hiddenFill xmlns:a14="http://schemas.microsoft.com/office/drawing/2010/main">
+                <a:solidFill>
+                  <a:srgbClr val="FFFFFF"/>
+                </a:solidFill>
+              </a14:hiddenFill>
+            </a:ext>
+          </a:extLst>
+        </p:spPr>
+      </p:pic>
+    </p:spTree>
+    <p:extLst>
+      <p:ext uri="{BB962C8B-B14F-4D97-AF65-F5344CB8AC3E}">
+        <p14:creationId xmlns:p14="http://schemas.microsoft.com/office/powerpoint/2010/main" val="883985730"/>
+      </p:ext>
+    </p:extLst>
+  </p:cSld>
+  <p:clrMapOvr>
+    <a:masterClrMapping/>
+  </p:clrMapOvr>
+</p:sld>
+</file>
+
+<file path=ppt/slides/slide7.xml><?xml version="1.0" encoding="utf-8"?>
 <p:sld xmlns:a="http://schemas.openxmlformats.org/drawingml/2006/main" xmlns:r="http://schemas.openxmlformats.org/officeDocument/2006/relationships" xmlns:p="http://schemas.openxmlformats.org/presentationml/2006/main">
   <p:cSld>
     <p:spTree>
@@ -10819,7 +11535,7 @@
           <a:p>
             <a:fld id="{30B3F516-FD66-4690-BD52-36A5750E1A8D}" type="slidenum">
               <a:rPr lang="es-ES" smtClean="0"/>
-              <a:t>6</a:t>
+              <a:t>7</a:t>
             </a:fld>
             <a:endParaRPr lang="es-ES"/>
           </a:p>
@@ -10843,8 +11559,8 @@
         </p:nvSpPr>
         <p:spPr>
           <a:xfrm>
-            <a:off x="1719943" y="1539874"/>
-            <a:ext cx="9940244" cy="5056869"/>
+            <a:off x="1485900" y="1372344"/>
+            <a:ext cx="10174287" cy="5294737"/>
           </a:xfrm>
         </p:spPr>
         <p:txBody>
@@ -10858,62 +11574,15 @@
                 <a:cs typeface="Calibri" panose="020F0502020204030204" pitchFamily="34" charset="0"/>
                 <a:sym typeface="Wingdings" panose="05000000000000000000" pitchFamily="2" charset="2"/>
               </a:rPr>
-              <a:t>Como el </a:t>
-            </a:r>
-            <a:r>
-              <a:rPr lang="es-ES" sz="1800" b="1" i="1" dirty="0">
-                <a:solidFill>
-                  <a:srgbClr val="0070C0"/>
-                </a:solidFill>
-                <a:latin typeface="+mn-lt"/>
+              <a:t>5.2. Para </a:t>
+            </a:r>
+            <a:r>
+              <a:rPr lang="es-ES" dirty="0">
                 <a:ea typeface="Calibri" panose="020F0502020204030204" pitchFamily="34" charset="0"/>
                 <a:cs typeface="Calibri" panose="020F0502020204030204" pitchFamily="34" charset="0"/>
                 <a:sym typeface="Wingdings" panose="05000000000000000000" pitchFamily="2" charset="2"/>
               </a:rPr>
-              <a:t>t</a:t>
-            </a:r>
-            <a:r>
-              <a:rPr lang="es-ES" b="1" i="1" dirty="0">
-                <a:solidFill>
-                  <a:srgbClr val="0070C0"/>
-                </a:solidFill>
-                <a:ea typeface="Calibri" panose="020F0502020204030204" pitchFamily="34" charset="0"/>
-                <a:cs typeface="Calibri" panose="020F0502020204030204" pitchFamily="34" charset="0"/>
-                <a:sym typeface="Wingdings" panose="05000000000000000000" pitchFamily="2" charset="2"/>
-              </a:rPr>
-              <a:t>arget</a:t>
-            </a:r>
-            <a:r>
-              <a:rPr lang="es-ES" dirty="0">
-                <a:ea typeface="Calibri" panose="020F0502020204030204" pitchFamily="34" charset="0"/>
-                <a:cs typeface="Calibri" panose="020F0502020204030204" pitchFamily="34" charset="0"/>
-                <a:sym typeface="Wingdings" panose="05000000000000000000" pitchFamily="2" charset="2"/>
-              </a:rPr>
-              <a:t> está desbalanceado usamos la librería </a:t>
-            </a:r>
-            <a:r>
-              <a:rPr lang="es-ES" b="1" i="1" dirty="0" err="1">
-                <a:ea typeface="Calibri" panose="020F0502020204030204" pitchFamily="34" charset="0"/>
-                <a:cs typeface="Calibri" panose="020F0502020204030204" pitchFamily="34" charset="0"/>
-                <a:sym typeface="Wingdings" panose="05000000000000000000" pitchFamily="2" charset="2"/>
-              </a:rPr>
-              <a:t>imbalanced-learn</a:t>
-            </a:r>
-            <a:r>
-              <a:rPr lang="es-ES" b="1" i="1" dirty="0">
-                <a:ea typeface="Calibri" panose="020F0502020204030204" pitchFamily="34" charset="0"/>
-                <a:cs typeface="Calibri" panose="020F0502020204030204" pitchFamily="34" charset="0"/>
-                <a:sym typeface="Wingdings" panose="05000000000000000000" pitchFamily="2" charset="2"/>
-              </a:rPr>
-              <a:t> </a:t>
-            </a:r>
-            <a:r>
-              <a:rPr lang="es-ES" dirty="0">
-                <a:ea typeface="Calibri" panose="020F0502020204030204" pitchFamily="34" charset="0"/>
-                <a:cs typeface="Calibri" panose="020F0502020204030204" pitchFamily="34" charset="0"/>
-                <a:sym typeface="Wingdings" panose="05000000000000000000" pitchFamily="2" charset="2"/>
-              </a:rPr>
-              <a:t>para equilibrarlo</a:t>
+              <a:t>Clasificación, c</a:t>
             </a:r>
             <a:r>
               <a:rPr lang="es-ES" sz="1800" dirty="0">
@@ -10922,6 +11591,70 @@
                 <a:cs typeface="Calibri" panose="020F0502020204030204" pitchFamily="34" charset="0"/>
                 <a:sym typeface="Wingdings" panose="05000000000000000000" pitchFamily="2" charset="2"/>
               </a:rPr>
+              <a:t>omo el </a:t>
+            </a:r>
+            <a:r>
+              <a:rPr lang="es-ES" sz="1800" b="1" i="1" dirty="0">
+                <a:solidFill>
+                  <a:srgbClr val="0070C0"/>
+                </a:solidFill>
+                <a:latin typeface="+mn-lt"/>
+                <a:ea typeface="Calibri" panose="020F0502020204030204" pitchFamily="34" charset="0"/>
+                <a:cs typeface="Calibri" panose="020F0502020204030204" pitchFamily="34" charset="0"/>
+                <a:sym typeface="Wingdings" panose="05000000000000000000" pitchFamily="2" charset="2"/>
+              </a:rPr>
+              <a:t>t</a:t>
+            </a:r>
+            <a:r>
+              <a:rPr lang="es-ES" b="1" i="1" dirty="0">
+                <a:solidFill>
+                  <a:srgbClr val="0070C0"/>
+                </a:solidFill>
+                <a:ea typeface="Calibri" panose="020F0502020204030204" pitchFamily="34" charset="0"/>
+                <a:cs typeface="Calibri" panose="020F0502020204030204" pitchFamily="34" charset="0"/>
+                <a:sym typeface="Wingdings" panose="05000000000000000000" pitchFamily="2" charset="2"/>
+              </a:rPr>
+              <a:t>arget</a:t>
+            </a:r>
+            <a:r>
+              <a:rPr lang="es-ES" dirty="0">
+                <a:ea typeface="Calibri" panose="020F0502020204030204" pitchFamily="34" charset="0"/>
+                <a:cs typeface="Calibri" panose="020F0502020204030204" pitchFamily="34" charset="0"/>
+                <a:sym typeface="Wingdings" panose="05000000000000000000" pitchFamily="2" charset="2"/>
+              </a:rPr>
+              <a:t> está desbalanceado usamos la librería </a:t>
+            </a:r>
+            <a:r>
+              <a:rPr lang="es-ES" b="1" i="1" dirty="0" err="1">
+                <a:ea typeface="Calibri" panose="020F0502020204030204" pitchFamily="34" charset="0"/>
+                <a:cs typeface="Calibri" panose="020F0502020204030204" pitchFamily="34" charset="0"/>
+                <a:sym typeface="Wingdings" panose="05000000000000000000" pitchFamily="2" charset="2"/>
+              </a:rPr>
+              <a:t>imbalanced-learn</a:t>
+            </a:r>
+            <a:r>
+              <a:rPr lang="es-ES" b="1" i="1" dirty="0">
+                <a:ea typeface="Calibri" panose="020F0502020204030204" pitchFamily="34" charset="0"/>
+                <a:cs typeface="Calibri" panose="020F0502020204030204" pitchFamily="34" charset="0"/>
+                <a:sym typeface="Wingdings" panose="05000000000000000000" pitchFamily="2" charset="2"/>
+              </a:rPr>
+              <a:t> </a:t>
+            </a:r>
+            <a:r>
+              <a:rPr lang="es-ES" dirty="0">
+                <a:ea typeface="Calibri" panose="020F0502020204030204" pitchFamily="34" charset="0"/>
+                <a:cs typeface="Calibri" panose="020F0502020204030204" pitchFamily="34" charset="0"/>
+                <a:sym typeface="Wingdings" panose="05000000000000000000" pitchFamily="2" charset="2"/>
+              </a:rPr>
+              <a:t>para equilibrarlo</a:t>
+            </a:r>
+            <a:r>
+              <a:rPr lang="es-ES" sz="1800" dirty="0">
+                <a:latin typeface="+mn-lt"/>
+                <a:ea typeface="Calibri" panose="020F0502020204030204" pitchFamily="34" charset="0"/>
+                <a:cs typeface="Calibri" panose="020F0502020204030204" pitchFamily="34" charset="0"/>
+                <a:sym typeface="Wingdings" panose="05000000000000000000" pitchFamily="2" charset="2"/>
+              </a:rPr>
               <a:t>:</a:t>
             </a:r>
           </a:p>
@@ -10933,7 +11666,7 @@
                 <a:cs typeface="Calibri" panose="020F0502020204030204" pitchFamily="34" charset="0"/>
                 <a:sym typeface="Wingdings" panose="05000000000000000000" pitchFamily="2" charset="2"/>
               </a:rPr>
-              <a:t>4. Instanciamos el modelo ya seleccionado con el preprocesado, el </a:t>
+              <a:t>Instanciamos el modelo ya seleccionado con el preprocesado, el </a:t>
             </a:r>
             <a:r>
               <a:rPr lang="es-ES" b="1" dirty="0">
@@ -11016,7 +11749,7 @@
                 <a:cs typeface="Calibri" panose="020F0502020204030204" pitchFamily="34" charset="0"/>
                 <a:sym typeface="Wingdings" panose="05000000000000000000" pitchFamily="2" charset="2"/>
               </a:rPr>
-              <a:t>5. Optimizamos los </a:t>
+              <a:t>Optimizamos los </a:t>
             </a:r>
             <a:r>
               <a:rPr lang="es-ES" dirty="0" err="1">
@@ -11068,28 +11801,27 @@
           </a:p>
           <a:p>
             <a:pPr lvl="1"/>
-            <a:endParaRPr lang="es-ES" b="1" dirty="0">
-              <a:solidFill>
-                <a:srgbClr val="00B050"/>
-              </a:solidFill>
-              <a:ea typeface="Calibri" panose="020F0502020204030204" pitchFamily="34" charset="0"/>
-              <a:cs typeface="Calibri" panose="020F0502020204030204" pitchFamily="34" charset="0"/>
-              <a:sym typeface="Wingdings" panose="05000000000000000000" pitchFamily="2" charset="2"/>
-            </a:endParaRPr>
-          </a:p>
-          <a:p>
-            <a:pPr lvl="1"/>
             <a:r>
               <a:rPr lang="es-ES" dirty="0">
                 <a:solidFill>
                   <a:schemeClr val="tx1"/>
                 </a:solidFill>
-                <a:latin typeface="+mn-lt"/>
                 <a:ea typeface="Calibri" panose="020F0502020204030204" pitchFamily="34" charset="0"/>
                 <a:cs typeface="Calibri" panose="020F0502020204030204" pitchFamily="34" charset="0"/>
                 <a:sym typeface="Wingdings" panose="05000000000000000000" pitchFamily="2" charset="2"/>
               </a:rPr>
-              <a:t>6. </a:t>
+              <a:t>Instanciamos un </a:t>
+            </a:r>
+            <a:r>
+              <a:rPr lang="es-ES" b="1" dirty="0">
+                <a:solidFill>
+                  <a:srgbClr val="00B050"/>
+                </a:solidFill>
+                <a:ea typeface="Calibri" panose="020F0502020204030204" pitchFamily="34" charset="0"/>
+                <a:cs typeface="Calibri" panose="020F0502020204030204" pitchFamily="34" charset="0"/>
+                <a:sym typeface="Wingdings" panose="05000000000000000000" pitchFamily="2" charset="2"/>
+              </a:rPr>
+              <a:t>Pipeline </a:t>
             </a:r>
             <a:r>
               <a:rPr lang="es-ES" dirty="0">
@@ -11100,29 +11832,7 @@
                 <a:cs typeface="Calibri" panose="020F0502020204030204" pitchFamily="34" charset="0"/>
                 <a:sym typeface="Wingdings" panose="05000000000000000000" pitchFamily="2" charset="2"/>
               </a:rPr>
-              <a:t>Instanciamos un </a:t>
-            </a:r>
-            <a:r>
-              <a:rPr lang="es-ES" b="1" dirty="0">
-                <a:solidFill>
-                  <a:srgbClr val="00B050"/>
-                </a:solidFill>
-                <a:ea typeface="Calibri" panose="020F0502020204030204" pitchFamily="34" charset="0"/>
-                <a:cs typeface="Calibri" panose="020F0502020204030204" pitchFamily="34" charset="0"/>
-                <a:sym typeface="Wingdings" panose="05000000000000000000" pitchFamily="2" charset="2"/>
-              </a:rPr>
-              <a:t>Pipeline </a:t>
-            </a:r>
-            <a:r>
-              <a:rPr lang="es-ES" dirty="0">
-                <a:solidFill>
-                  <a:schemeClr val="tx1"/>
-                </a:solidFill>
-                <a:ea typeface="Calibri" panose="020F0502020204030204" pitchFamily="34" charset="0"/>
-                <a:cs typeface="Calibri" panose="020F0502020204030204" pitchFamily="34" charset="0"/>
-                <a:sym typeface="Wingdings" panose="05000000000000000000" pitchFamily="2" charset="2"/>
-              </a:rPr>
-              <a:t>para</a:t>
+              <a:t>para mejorar el</a:t>
             </a:r>
           </a:p>
           <a:p>
@@ -11138,8 +11848,57 @@
                 <a:cs typeface="Calibri" panose="020F0502020204030204" pitchFamily="34" charset="0"/>
                 <a:sym typeface="Wingdings" panose="05000000000000000000" pitchFamily="2" charset="2"/>
               </a:rPr>
-              <a:t>	 mejorar el desempeño:</a:t>
-            </a:r>
+              <a:t>desempeño probamos </a:t>
+            </a:r>
+            <a:r>
+              <a:rPr lang="es-ES" dirty="0" err="1">
+                <a:solidFill>
+                  <a:schemeClr val="tx1"/>
+                </a:solidFill>
+                <a:ea typeface="Calibri" panose="020F0502020204030204" pitchFamily="34" charset="0"/>
+                <a:cs typeface="Calibri" panose="020F0502020204030204" pitchFamily="34" charset="0"/>
+                <a:sym typeface="Wingdings" panose="05000000000000000000" pitchFamily="2" charset="2"/>
+              </a:rPr>
+              <a:t>tb</a:t>
+            </a:r>
+            <a:r>
+              <a:rPr lang="es-ES" dirty="0">
+                <a:solidFill>
+                  <a:schemeClr val="tx1"/>
+                </a:solidFill>
+                <a:ea typeface="Calibri" panose="020F0502020204030204" pitchFamily="34" charset="0"/>
+                <a:cs typeface="Calibri" panose="020F0502020204030204" pitchFamily="34" charset="0"/>
+                <a:sym typeface="Wingdings" panose="05000000000000000000" pitchFamily="2" charset="2"/>
+              </a:rPr>
+              <a:t> con  </a:t>
+            </a:r>
+            <a:r>
+              <a:rPr lang="es-ES" b="1" dirty="0" err="1">
+                <a:solidFill>
+                  <a:srgbClr val="00B050"/>
+                </a:solidFill>
+                <a:ea typeface="Calibri" panose="020F0502020204030204" pitchFamily="34" charset="0"/>
+                <a:cs typeface="Calibri" panose="020F0502020204030204" pitchFamily="34" charset="0"/>
+                <a:sym typeface="Wingdings" panose="05000000000000000000" pitchFamily="2" charset="2"/>
+              </a:rPr>
+              <a:t>GridSearchCV</a:t>
+            </a:r>
+            <a:r>
+              <a:rPr lang="es-ES" dirty="0">
+                <a:solidFill>
+                  <a:schemeClr val="tx1"/>
+                </a:solidFill>
+                <a:ea typeface="Calibri" panose="020F0502020204030204" pitchFamily="34" charset="0"/>
+                <a:cs typeface="Calibri" panose="020F0502020204030204" pitchFamily="34" charset="0"/>
+                <a:sym typeface="Wingdings" panose="05000000000000000000" pitchFamily="2" charset="2"/>
+              </a:rPr>
+              <a:t>:</a:t>
+            </a:r>
+          </a:p>
+          <a:p>
+            <a:pPr marL="457200" lvl="1" indent="0">
+              <a:buNone/>
+            </a:pPr>
             <a:endParaRPr lang="es-ES" dirty="0"/>
           </a:p>
         </p:txBody>
@@ -11249,13 +12008,20 @@
           <a:p>
             <a:r>
               <a:rPr lang="es-ES" kern="100" dirty="0">
+                <a:solidFill>
+                  <a:srgbClr val="C00000"/>
+                </a:solidFill>
                 <a:latin typeface="Calibri" panose="020F0502020204030204" pitchFamily="34" charset="0"/>
                 <a:ea typeface="Calibri" panose="020F0502020204030204" pitchFamily="34" charset="0"/>
                 <a:cs typeface="Times New Roman" panose="02020603050405020304" pitchFamily="18" charset="0"/>
               </a:rPr>
-              <a:t>Pasos en la creación y uso de pipelines 3: modelado</a:t>
-            </a:r>
-            <a:endParaRPr lang="es-ES" dirty="0"/>
+              <a:t>Paso 5.2 en la creación y uso de pipelines.</a:t>
+            </a:r>
+            <a:endParaRPr lang="es-ES" dirty="0">
+              <a:solidFill>
+                <a:srgbClr val="C00000"/>
+              </a:solidFill>
+            </a:endParaRPr>
           </a:p>
         </p:txBody>
       </p:sp>
@@ -11281,7 +12047,7 @@
         </p:blipFill>
         <p:spPr>
           <a:xfrm>
-            <a:off x="2495047" y="2933631"/>
+            <a:off x="2333121" y="2686394"/>
             <a:ext cx="3600953" cy="990738"/>
           </a:xfrm>
           <a:prstGeom prst="rect">
@@ -11311,7 +12077,7 @@
         </p:blipFill>
         <p:spPr>
           <a:xfrm>
-            <a:off x="2485521" y="4411668"/>
+            <a:off x="2323595" y="4085046"/>
             <a:ext cx="7220958" cy="419158"/>
           </a:xfrm>
           <a:prstGeom prst="rect">
@@ -11341,20 +12107,127 @@
         </p:blipFill>
         <p:spPr>
           <a:xfrm>
-            <a:off x="5931692" y="4920830"/>
-            <a:ext cx="3774787" cy="1937169"/>
+            <a:off x="2230266" y="5168879"/>
+            <a:ext cx="3072457" cy="1576743"/>
           </a:xfrm>
           <a:prstGeom prst="rect">
             <a:avLst/>
           </a:prstGeom>
         </p:spPr>
       </p:pic>
-      <p:sp>
-        <p:nvSpPr>
-          <p:cNvPr id="12" name="Flecha: hacia abajo 11">
+      <p:pic>
+        <p:nvPicPr>
+          <p:cNvPr id="11" name="Imagen 10">
             <a:extLst>
               <a:ext uri="{FF2B5EF4-FFF2-40B4-BE49-F238E27FC236}">
-                <a16:creationId xmlns:a16="http://schemas.microsoft.com/office/drawing/2014/main" id="{E7190815-70DA-7BC1-E964-FC9BD3CA93FD}"/>
+                <a16:creationId xmlns:a16="http://schemas.microsoft.com/office/drawing/2014/main" id="{50A1EEBD-7B52-C327-B7B7-7239D04E4C4C}"/>
+              </a:ext>
+            </a:extLst>
+          </p:cNvPr>
+          <p:cNvPicPr>
+            <a:picLocks noChangeAspect="1"/>
+          </p:cNvPicPr>
+          <p:nvPr/>
+        </p:nvPicPr>
+        <p:blipFill>
+          <a:blip r:embed="rId5"/>
+          <a:stretch>
+            <a:fillRect/>
+          </a:stretch>
+        </p:blipFill>
+        <p:spPr>
+          <a:xfrm>
+            <a:off x="8708911" y="5168879"/>
+            <a:ext cx="3176187" cy="1498202"/>
+          </a:xfrm>
+          <a:prstGeom prst="rect">
+            <a:avLst/>
+          </a:prstGeom>
+        </p:spPr>
+      </p:pic>
+      <p:sp>
+        <p:nvSpPr>
+          <p:cNvPr id="13" name="CuadroTexto 12">
+            <a:extLst>
+              <a:ext uri="{FF2B5EF4-FFF2-40B4-BE49-F238E27FC236}">
+                <a16:creationId xmlns:a16="http://schemas.microsoft.com/office/drawing/2014/main" id="{98694A3B-A439-AFE8-7BD4-C200D0D4E979}"/>
+              </a:ext>
+            </a:extLst>
+          </p:cNvPr>
+          <p:cNvSpPr txBox="1"/>
+          <p:nvPr/>
+        </p:nvSpPr>
+        <p:spPr>
+          <a:xfrm>
+            <a:off x="6776747" y="4536958"/>
+            <a:ext cx="5154305" cy="523220"/>
+          </a:xfrm>
+          <a:prstGeom prst="rect">
+            <a:avLst/>
+          </a:prstGeom>
+          <a:noFill/>
+          <a:ln>
+            <a:solidFill>
+              <a:schemeClr val="accent1"/>
+            </a:solidFill>
+          </a:ln>
+        </p:spPr>
+        <p:txBody>
+          <a:bodyPr wrap="square" rtlCol="0">
+            <a:spAutoFit/>
+          </a:bodyPr>
+          <a:lstStyle/>
+          <a:p>
+            <a:r>
+              <a:rPr lang="es-ES" sz="1400" dirty="0">
+                <a:solidFill>
+                  <a:schemeClr val="tx1">
+                    <a:lumMod val="75000"/>
+                    <a:lumOff val="25000"/>
+                  </a:schemeClr>
+                </a:solidFill>
+                <a:ea typeface="Calibri" panose="020F0502020204030204" pitchFamily="34" charset="0"/>
+                <a:cs typeface="Calibri" panose="020F0502020204030204" pitchFamily="34" charset="0"/>
+                <a:sym typeface="Wingdings" panose="05000000000000000000" pitchFamily="2" charset="2"/>
+              </a:rPr>
+              <a:t>Obtenemos </a:t>
+            </a:r>
+            <a:r>
+              <a:rPr lang="es-ES" sz="1400" b="1" dirty="0" err="1">
+                <a:solidFill>
+                  <a:schemeClr val="tx1">
+                    <a:lumMod val="50000"/>
+                    <a:lumOff val="50000"/>
+                  </a:schemeClr>
+                </a:solidFill>
+                <a:ea typeface="Calibri" panose="020F0502020204030204" pitchFamily="34" charset="0"/>
+                <a:cs typeface="Calibri" panose="020F0502020204030204" pitchFamily="34" charset="0"/>
+              </a:rPr>
+              <a:t>RandomOverSampler</a:t>
+            </a:r>
+            <a:r>
+              <a:rPr lang="es-ES" sz="1400" dirty="0">
+                <a:solidFill>
+                  <a:schemeClr val="tx1">
+                    <a:lumMod val="75000"/>
+                    <a:lumOff val="25000"/>
+                  </a:schemeClr>
+                </a:solidFill>
+                <a:ea typeface="Calibri" panose="020F0502020204030204" pitchFamily="34" charset="0"/>
+                <a:cs typeface="Calibri" panose="020F0502020204030204" pitchFamily="34" charset="0"/>
+              </a:rPr>
+              <a:t> como técnica de  muestreo para las clases minoritarias. Y lo guardamos.</a:t>
+            </a:r>
+            <a:endParaRPr lang="es-ES" sz="1400" dirty="0"/>
+          </a:p>
+        </p:txBody>
+      </p:sp>
+      <p:sp>
+        <p:nvSpPr>
+          <p:cNvPr id="14" name="Flecha: hacia abajo 13">
+            <a:extLst>
+              <a:ext uri="{FF2B5EF4-FFF2-40B4-BE49-F238E27FC236}">
+                <a16:creationId xmlns:a16="http://schemas.microsoft.com/office/drawing/2014/main" id="{2D48C8C2-406E-3ECF-1A79-9AD59761FE54}"/>
               </a:ext>
             </a:extLst>
           </p:cNvPr>
@@ -11363,8 +12236,8 @@
         </p:nvSpPr>
         <p:spPr>
           <a:xfrm rot="16200000">
-            <a:off x="5230018" y="5514678"/>
-            <a:ext cx="714375" cy="321268"/>
+            <a:off x="5177432" y="5792182"/>
+            <a:ext cx="576769" cy="224713"/>
           </a:xfrm>
           <a:prstGeom prst="downArrow">
             <a:avLst/>
@@ -11395,6 +12268,127 @@
           </a:p>
         </p:txBody>
       </p:sp>
+      <p:sp>
+        <p:nvSpPr>
+          <p:cNvPr id="15" name="Flecha: hacia abajo 14">
+            <a:extLst>
+              <a:ext uri="{FF2B5EF4-FFF2-40B4-BE49-F238E27FC236}">
+                <a16:creationId xmlns:a16="http://schemas.microsoft.com/office/drawing/2014/main" id="{2A1152A5-CBEE-8DD6-2D41-77DDA07B4632}"/>
+              </a:ext>
+            </a:extLst>
+          </p:cNvPr>
+          <p:cNvSpPr/>
+          <p:nvPr/>
+        </p:nvSpPr>
+        <p:spPr>
+          <a:xfrm rot="16200000">
+            <a:off x="8307972" y="5792182"/>
+            <a:ext cx="576769" cy="224713"/>
+          </a:xfrm>
+          <a:prstGeom prst="downArrow">
+            <a:avLst/>
+          </a:prstGeom>
+        </p:spPr>
+        <p:style>
+          <a:lnRef idx="2">
+            <a:schemeClr val="accent1">
+              <a:shade val="15000"/>
+            </a:schemeClr>
+          </a:lnRef>
+          <a:fillRef idx="1">
+            <a:schemeClr val="accent1"/>
+          </a:fillRef>
+          <a:effectRef idx="0">
+            <a:schemeClr val="accent1"/>
+          </a:effectRef>
+          <a:fontRef idx="minor">
+            <a:schemeClr val="lt1"/>
+          </a:fontRef>
+        </p:style>
+        <p:txBody>
+          <a:bodyPr rtlCol="0" anchor="ctr"/>
+          <a:lstStyle/>
+          <a:p>
+            <a:pPr algn="ctr"/>
+            <a:endParaRPr lang="es-ES"/>
+          </a:p>
+        </p:txBody>
+      </p:sp>
+      <p:pic>
+        <p:nvPicPr>
+          <p:cNvPr id="17" name="Imagen 16">
+            <a:extLst>
+              <a:ext uri="{FF2B5EF4-FFF2-40B4-BE49-F238E27FC236}">
+                <a16:creationId xmlns:a16="http://schemas.microsoft.com/office/drawing/2014/main" id="{623B4B28-718D-9CA9-265B-1775F243BED4}"/>
+              </a:ext>
+            </a:extLst>
+          </p:cNvPr>
+          <p:cNvPicPr>
+            <a:picLocks noChangeAspect="1"/>
+          </p:cNvPicPr>
+          <p:nvPr/>
+        </p:nvPicPr>
+        <p:blipFill>
+          <a:blip r:embed="rId6"/>
+          <a:stretch>
+            <a:fillRect/>
+          </a:stretch>
+        </p:blipFill>
+        <p:spPr>
+          <a:xfrm>
+            <a:off x="5596287" y="5168879"/>
+            <a:ext cx="2885168" cy="1498202"/>
+          </a:xfrm>
+          <a:prstGeom prst="rect">
+            <a:avLst/>
+          </a:prstGeom>
+        </p:spPr>
+      </p:pic>
+      <p:pic>
+        <p:nvPicPr>
+          <p:cNvPr id="1030" name="Picture 6" descr="Conjunto de datos desbalanceado - Aprende IA">
+            <a:extLst>
+              <a:ext uri="{FF2B5EF4-FFF2-40B4-BE49-F238E27FC236}">
+                <a16:creationId xmlns:a16="http://schemas.microsoft.com/office/drawing/2014/main" id="{3CF358CF-1489-B020-AFC9-83F3A1EE1B4C}"/>
+              </a:ext>
+            </a:extLst>
+          </p:cNvPr>
+          <p:cNvPicPr>
+            <a:picLocks noChangeAspect="1" noChangeArrowheads="1"/>
+          </p:cNvPicPr>
+          <p:nvPr/>
+        </p:nvPicPr>
+        <p:blipFill rotWithShape="1">
+          <a:blip r:embed="rId7">
+            <a:extLst>
+              <a:ext uri="{28A0092B-C50C-407E-A947-70E740481C1C}">
+                <a14:useLocalDpi xmlns:a14="http://schemas.microsoft.com/office/drawing/2010/main" val="0"/>
+              </a:ext>
+            </a:extLst>
+          </a:blip>
+          <a:srcRect l="1" t="-1" r="29276" b="38892"/>
+          <a:stretch/>
+        </p:blipFill>
+        <p:spPr bwMode="auto">
+          <a:xfrm>
+            <a:off x="9188707" y="2388624"/>
+            <a:ext cx="2583935" cy="1599580"/>
+          </a:xfrm>
+          <a:prstGeom prst="rect">
+            <a:avLst/>
+          </a:prstGeom>
+          <a:noFill/>
+          <a:extLst>
+            <a:ext uri="{909E8E84-426E-40DD-AFC4-6F175D3DCCD1}">
+              <a14:hiddenFill xmlns:a14="http://schemas.microsoft.com/office/drawing/2010/main">
+                <a:solidFill>
+                  <a:srgbClr val="FFFFFF"/>
+                </a:solidFill>
+              </a14:hiddenFill>
+            </a:ext>
+          </a:extLst>
+        </p:spPr>
+      </p:pic>
     </p:spTree>
     <p:extLst>
       <p:ext uri="{BB962C8B-B14F-4D97-AF65-F5344CB8AC3E}">
@@ -11408,7 +12402,510 @@
 </p:sld>
 </file>
 
-<file path=ppt/slides/slide7.xml><?xml version="1.0" encoding="utf-8"?>
+<file path=ppt/slides/slide8.xml><?xml version="1.0" encoding="utf-8"?>
+<p:sld xmlns:a="http://schemas.openxmlformats.org/drawingml/2006/main" xmlns:r="http://schemas.openxmlformats.org/officeDocument/2006/relationships" xmlns:p="http://schemas.openxmlformats.org/presentationml/2006/main">
+  <p:cSld>
+    <p:spTree>
+      <p:nvGrpSpPr>
+        <p:cNvPr id="1" name="">
+          <a:extLst>
+            <a:ext uri="{FF2B5EF4-FFF2-40B4-BE49-F238E27FC236}">
+              <a16:creationId xmlns:a16="http://schemas.microsoft.com/office/drawing/2014/main" id="{7259F861-1E5C-18B9-D56C-4880AD6D387D}"/>
+            </a:ext>
+          </a:extLst>
+        </p:cNvPr>
+        <p:cNvGrpSpPr/>
+        <p:nvPr/>
+      </p:nvGrpSpPr>
+      <p:grpSpPr>
+        <a:xfrm>
+          <a:off x="0" y="0"/>
+          <a:ext cx="0" cy="0"/>
+          <a:chOff x="0" y="0"/>
+          <a:chExt cx="0" cy="0"/>
+        </a:xfrm>
+      </p:grpSpPr>
+      <p:sp>
+        <p:nvSpPr>
+          <p:cNvPr id="4" name="Marcador de número de diapositiva 3">
+            <a:extLst>
+              <a:ext uri="{FF2B5EF4-FFF2-40B4-BE49-F238E27FC236}">
+                <a16:creationId xmlns:a16="http://schemas.microsoft.com/office/drawing/2014/main" id="{63F518B3-0286-5DA7-46D8-EA21485B6DCC}"/>
+              </a:ext>
+            </a:extLst>
+          </p:cNvPr>
+          <p:cNvSpPr>
+            <a:spLocks noGrp="1"/>
+          </p:cNvSpPr>
+          <p:nvPr>
+            <p:ph type="sldNum" sz="quarter" idx="12"/>
+          </p:nvPr>
+        </p:nvSpPr>
+        <p:spPr/>
+        <p:txBody>
+          <a:bodyPr/>
+          <a:lstStyle/>
+          <a:p>
+            <a:fld id="{30B3F516-FD66-4690-BD52-36A5750E1A8D}" type="slidenum">
+              <a:rPr lang="es-ES" smtClean="0"/>
+              <a:t>8</a:t>
+            </a:fld>
+            <a:endParaRPr lang="es-ES"/>
+          </a:p>
+        </p:txBody>
+      </p:sp>
+      <p:sp>
+        <p:nvSpPr>
+          <p:cNvPr id="5" name="Marcador de contenido 2">
+            <a:extLst>
+              <a:ext uri="{FF2B5EF4-FFF2-40B4-BE49-F238E27FC236}">
+                <a16:creationId xmlns:a16="http://schemas.microsoft.com/office/drawing/2014/main" id="{3F09BED0-412B-A030-579F-073272238861}"/>
+              </a:ext>
+            </a:extLst>
+          </p:cNvPr>
+          <p:cNvSpPr>
+            <a:spLocks noGrp="1"/>
+          </p:cNvSpPr>
+          <p:nvPr>
+            <p:ph idx="1"/>
+          </p:nvPr>
+        </p:nvSpPr>
+        <p:spPr>
+          <a:xfrm>
+            <a:off x="1485900" y="1372344"/>
+            <a:ext cx="10174287" cy="5294737"/>
+          </a:xfrm>
+        </p:spPr>
+        <p:txBody>
+          <a:bodyPr/>
+          <a:lstStyle/>
+          <a:p>
+            <a:r>
+              <a:rPr lang="es-ES" sz="1800" dirty="0">
+                <a:latin typeface="+mn-lt"/>
+                <a:ea typeface="Calibri" panose="020F0502020204030204" pitchFamily="34" charset="0"/>
+                <a:cs typeface="Calibri" panose="020F0502020204030204" pitchFamily="34" charset="0"/>
+                <a:sym typeface="Wingdings" panose="05000000000000000000" pitchFamily="2" charset="2"/>
+              </a:rPr>
+              <a:t>5.2. Para Regres</a:t>
+            </a:r>
+            <a:r>
+              <a:rPr lang="es-ES" dirty="0">
+                <a:ea typeface="Calibri" panose="020F0502020204030204" pitchFamily="34" charset="0"/>
+                <a:cs typeface="Calibri" panose="020F0502020204030204" pitchFamily="34" charset="0"/>
+                <a:sym typeface="Wingdings" panose="05000000000000000000" pitchFamily="2" charset="2"/>
+              </a:rPr>
+              <a:t>ión,</a:t>
+            </a:r>
+          </a:p>
+          <a:p>
+            <a:pPr lvl="1"/>
+            <a:r>
+              <a:rPr lang="es-ES" dirty="0">
+                <a:ea typeface="Calibri" panose="020F0502020204030204" pitchFamily="34" charset="0"/>
+                <a:cs typeface="Calibri" panose="020F0502020204030204" pitchFamily="34" charset="0"/>
+                <a:sym typeface="Wingdings" panose="05000000000000000000" pitchFamily="2" charset="2"/>
+              </a:rPr>
+              <a:t> Instanciamos el modelo ya seleccionado con el preprocesado, el </a:t>
+            </a:r>
+            <a:r>
+              <a:rPr lang="es-ES" b="1" dirty="0">
+                <a:solidFill>
+                  <a:srgbClr val="00B050"/>
+                </a:solidFill>
+                <a:ea typeface="Calibri" panose="020F0502020204030204" pitchFamily="34" charset="0"/>
+                <a:cs typeface="Calibri" panose="020F0502020204030204" pitchFamily="34" charset="0"/>
+                <a:sym typeface="Wingdings" panose="05000000000000000000" pitchFamily="2" charset="2"/>
+              </a:rPr>
+              <a:t>PCA.</a:t>
+            </a:r>
+          </a:p>
+          <a:p>
+            <a:pPr lvl="1"/>
+            <a:endParaRPr lang="es-ES" dirty="0">
+              <a:ea typeface="Calibri" panose="020F0502020204030204" pitchFamily="34" charset="0"/>
+              <a:cs typeface="Calibri" panose="020F0502020204030204" pitchFamily="34" charset="0"/>
+              <a:sym typeface="Wingdings" panose="05000000000000000000" pitchFamily="2" charset="2"/>
+            </a:endParaRPr>
+          </a:p>
+          <a:p>
+            <a:pPr lvl="1"/>
+            <a:endParaRPr lang="es-ES" dirty="0">
+              <a:latin typeface="+mn-lt"/>
+              <a:ea typeface="Calibri" panose="020F0502020204030204" pitchFamily="34" charset="0"/>
+              <a:cs typeface="Calibri" panose="020F0502020204030204" pitchFamily="34" charset="0"/>
+              <a:sym typeface="Wingdings" panose="05000000000000000000" pitchFamily="2" charset="2"/>
+            </a:endParaRPr>
+          </a:p>
+          <a:p>
+            <a:pPr lvl="1"/>
+            <a:endParaRPr lang="es-ES" dirty="0">
+              <a:ea typeface="Calibri" panose="020F0502020204030204" pitchFamily="34" charset="0"/>
+              <a:cs typeface="Calibri" panose="020F0502020204030204" pitchFamily="34" charset="0"/>
+              <a:sym typeface="Wingdings" panose="05000000000000000000" pitchFamily="2" charset="2"/>
+            </a:endParaRPr>
+          </a:p>
+          <a:p>
+            <a:pPr lvl="1"/>
+            <a:endParaRPr lang="es-ES" dirty="0">
+              <a:ea typeface="Calibri" panose="020F0502020204030204" pitchFamily="34" charset="0"/>
+              <a:cs typeface="Calibri" panose="020F0502020204030204" pitchFamily="34" charset="0"/>
+              <a:sym typeface="Wingdings" panose="05000000000000000000" pitchFamily="2" charset="2"/>
+            </a:endParaRPr>
+          </a:p>
+          <a:p>
+            <a:pPr lvl="1"/>
+            <a:r>
+              <a:rPr lang="es-ES" dirty="0">
+                <a:ea typeface="Calibri" panose="020F0502020204030204" pitchFamily="34" charset="0"/>
+                <a:cs typeface="Calibri" panose="020F0502020204030204" pitchFamily="34" charset="0"/>
+                <a:sym typeface="Wingdings" panose="05000000000000000000" pitchFamily="2" charset="2"/>
+              </a:rPr>
+              <a:t>Optimizamos los </a:t>
+            </a:r>
+            <a:r>
+              <a:rPr lang="es-ES" dirty="0" err="1">
+                <a:ea typeface="Calibri" panose="020F0502020204030204" pitchFamily="34" charset="0"/>
+                <a:cs typeface="Calibri" panose="020F0502020204030204" pitchFamily="34" charset="0"/>
+                <a:sym typeface="Wingdings" panose="05000000000000000000" pitchFamily="2" charset="2"/>
+              </a:rPr>
+              <a:t>hiperparámetros</a:t>
+            </a:r>
+            <a:r>
+              <a:rPr lang="es-ES" dirty="0">
+                <a:ea typeface="Calibri" panose="020F0502020204030204" pitchFamily="34" charset="0"/>
+                <a:cs typeface="Calibri" panose="020F0502020204030204" pitchFamily="34" charset="0"/>
+                <a:sym typeface="Wingdings" panose="05000000000000000000" pitchFamily="2" charset="2"/>
+              </a:rPr>
+              <a:t> con un </a:t>
+            </a:r>
+            <a:r>
+              <a:rPr lang="es-ES" b="1" dirty="0" err="1">
+                <a:solidFill>
+                  <a:srgbClr val="00B050"/>
+                </a:solidFill>
+                <a:ea typeface="Calibri" panose="020F0502020204030204" pitchFamily="34" charset="0"/>
+                <a:cs typeface="Calibri" panose="020F0502020204030204" pitchFamily="34" charset="0"/>
+                <a:sym typeface="Wingdings" panose="05000000000000000000" pitchFamily="2" charset="2"/>
+              </a:rPr>
+              <a:t>GridSearchCV</a:t>
+            </a:r>
+            <a:endParaRPr lang="es-ES" b="1" dirty="0">
+              <a:solidFill>
+                <a:srgbClr val="00B050"/>
+              </a:solidFill>
+              <a:ea typeface="Calibri" panose="020F0502020204030204" pitchFamily="34" charset="0"/>
+              <a:cs typeface="Calibri" panose="020F0502020204030204" pitchFamily="34" charset="0"/>
+              <a:sym typeface="Wingdings" panose="05000000000000000000" pitchFamily="2" charset="2"/>
+            </a:endParaRPr>
+          </a:p>
+          <a:p>
+            <a:pPr lvl="1"/>
+            <a:endParaRPr lang="es-ES" b="1" dirty="0">
+              <a:solidFill>
+                <a:srgbClr val="00B050"/>
+              </a:solidFill>
+              <a:latin typeface="+mn-lt"/>
+              <a:ea typeface="Calibri" panose="020F0502020204030204" pitchFamily="34" charset="0"/>
+              <a:cs typeface="Calibri" panose="020F0502020204030204" pitchFamily="34" charset="0"/>
+              <a:sym typeface="Wingdings" panose="05000000000000000000" pitchFamily="2" charset="2"/>
+            </a:endParaRPr>
+          </a:p>
+          <a:p>
+            <a:pPr lvl="1"/>
+            <a:endParaRPr lang="es-ES" b="1" dirty="0">
+              <a:solidFill>
+                <a:srgbClr val="00B050"/>
+              </a:solidFill>
+              <a:ea typeface="Calibri" panose="020F0502020204030204" pitchFamily="34" charset="0"/>
+              <a:cs typeface="Calibri" panose="020F0502020204030204" pitchFamily="34" charset="0"/>
+              <a:sym typeface="Wingdings" panose="05000000000000000000" pitchFamily="2" charset="2"/>
+            </a:endParaRPr>
+          </a:p>
+          <a:p>
+            <a:pPr lvl="1"/>
+            <a:endParaRPr lang="es-ES" b="1" dirty="0">
+              <a:solidFill>
+                <a:srgbClr val="00B050"/>
+              </a:solidFill>
+              <a:latin typeface="+mn-lt"/>
+              <a:ea typeface="Calibri" panose="020F0502020204030204" pitchFamily="34" charset="0"/>
+              <a:cs typeface="Calibri" panose="020F0502020204030204" pitchFamily="34" charset="0"/>
+              <a:sym typeface="Wingdings" panose="05000000000000000000" pitchFamily="2" charset="2"/>
+            </a:endParaRPr>
+          </a:p>
+          <a:p>
+            <a:pPr lvl="1"/>
+            <a:endParaRPr lang="es-ES" b="1" dirty="0">
+              <a:solidFill>
+                <a:srgbClr val="00B050"/>
+              </a:solidFill>
+              <a:ea typeface="Calibri" panose="020F0502020204030204" pitchFamily="34" charset="0"/>
+              <a:cs typeface="Calibri" panose="020F0502020204030204" pitchFamily="34" charset="0"/>
+              <a:sym typeface="Wingdings" panose="05000000000000000000" pitchFamily="2" charset="2"/>
+            </a:endParaRPr>
+          </a:p>
+          <a:p>
+            <a:pPr lvl="1"/>
+            <a:endParaRPr lang="es-ES" b="1" dirty="0">
+              <a:solidFill>
+                <a:srgbClr val="00B050"/>
+              </a:solidFill>
+              <a:latin typeface="+mn-lt"/>
+              <a:ea typeface="Calibri" panose="020F0502020204030204" pitchFamily="34" charset="0"/>
+              <a:cs typeface="Calibri" panose="020F0502020204030204" pitchFamily="34" charset="0"/>
+              <a:sym typeface="Wingdings" panose="05000000000000000000" pitchFamily="2" charset="2"/>
+            </a:endParaRPr>
+          </a:p>
+          <a:p>
+            <a:pPr marL="457200" lvl="1" indent="0">
+              <a:buNone/>
+            </a:pPr>
+            <a:endParaRPr lang="es-ES" dirty="0"/>
+          </a:p>
+        </p:txBody>
+      </p:sp>
+      <p:sp>
+        <p:nvSpPr>
+          <p:cNvPr id="9" name="Título 1">
+            <a:extLst>
+              <a:ext uri="{FF2B5EF4-FFF2-40B4-BE49-F238E27FC236}">
+                <a16:creationId xmlns:a16="http://schemas.microsoft.com/office/drawing/2014/main" id="{F8B20BEB-2084-ECCE-F1D6-E2875390A3A2}"/>
+              </a:ext>
+            </a:extLst>
+          </p:cNvPr>
+          <p:cNvSpPr txBox="1">
+            <a:spLocks/>
+          </p:cNvSpPr>
+          <p:nvPr/>
+        </p:nvSpPr>
+        <p:spPr>
+          <a:xfrm>
+            <a:off x="1892300" y="624110"/>
+            <a:ext cx="9767887" cy="834576"/>
+          </a:xfrm>
+          <a:prstGeom prst="rect">
+            <a:avLst/>
+          </a:prstGeom>
+        </p:spPr>
+        <p:txBody>
+          <a:bodyPr vert="horz" lIns="91440" tIns="45720" rIns="91440" bIns="45720" rtlCol="0" anchor="t">
+            <a:normAutofit/>
+          </a:bodyPr>
+          <a:lstStyle>
+            <a:lvl1pPr algn="l" defTabSz="457200" rtl="0" eaLnBrk="1" latinLnBrk="0" hangingPunct="1">
+              <a:spcBef>
+                <a:spcPct val="0"/>
+              </a:spcBef>
+              <a:buNone/>
+              <a:defRPr sz="3600" kern="1200">
+                <a:solidFill>
+                  <a:schemeClr val="tx1">
+                    <a:lumMod val="85000"/>
+                    <a:lumOff val="15000"/>
+                  </a:schemeClr>
+                </a:solidFill>
+                <a:latin typeface="+mj-lt"/>
+                <a:ea typeface="+mj-ea"/>
+                <a:cs typeface="+mj-cs"/>
+              </a:defRPr>
+            </a:lvl1pPr>
+            <a:lvl2pPr eaLnBrk="1" hangingPunct="1">
+              <a:defRPr>
+                <a:solidFill>
+                  <a:schemeClr val="tx2"/>
+                </a:solidFill>
+              </a:defRPr>
+            </a:lvl2pPr>
+            <a:lvl3pPr eaLnBrk="1" hangingPunct="1">
+              <a:defRPr>
+                <a:solidFill>
+                  <a:schemeClr val="tx2"/>
+                </a:solidFill>
+              </a:defRPr>
+            </a:lvl3pPr>
+            <a:lvl4pPr eaLnBrk="1" hangingPunct="1">
+              <a:defRPr>
+                <a:solidFill>
+                  <a:schemeClr val="tx2"/>
+                </a:solidFill>
+              </a:defRPr>
+            </a:lvl4pPr>
+            <a:lvl5pPr eaLnBrk="1" hangingPunct="1">
+              <a:defRPr>
+                <a:solidFill>
+                  <a:schemeClr val="tx2"/>
+                </a:solidFill>
+              </a:defRPr>
+            </a:lvl5pPr>
+            <a:lvl6pPr eaLnBrk="1" hangingPunct="1">
+              <a:defRPr>
+                <a:solidFill>
+                  <a:schemeClr val="tx2"/>
+                </a:solidFill>
+              </a:defRPr>
+            </a:lvl6pPr>
+            <a:lvl7pPr eaLnBrk="1" hangingPunct="1">
+              <a:defRPr>
+                <a:solidFill>
+                  <a:schemeClr val="tx2"/>
+                </a:solidFill>
+              </a:defRPr>
+            </a:lvl7pPr>
+            <a:lvl8pPr eaLnBrk="1" hangingPunct="1">
+              <a:defRPr>
+                <a:solidFill>
+                  <a:schemeClr val="tx2"/>
+                </a:solidFill>
+              </a:defRPr>
+            </a:lvl8pPr>
+            <a:lvl9pPr eaLnBrk="1" hangingPunct="1">
+              <a:defRPr>
+                <a:solidFill>
+                  <a:schemeClr val="tx2"/>
+                </a:solidFill>
+              </a:defRPr>
+            </a:lvl9pPr>
+          </a:lstStyle>
+          <a:p>
+            <a:r>
+              <a:rPr lang="es-ES" kern="100" dirty="0">
+                <a:solidFill>
+                  <a:srgbClr val="C00000"/>
+                </a:solidFill>
+                <a:latin typeface="Calibri" panose="020F0502020204030204" pitchFamily="34" charset="0"/>
+                <a:ea typeface="Calibri" panose="020F0502020204030204" pitchFamily="34" charset="0"/>
+                <a:cs typeface="Times New Roman" panose="02020603050405020304" pitchFamily="18" charset="0"/>
+              </a:rPr>
+              <a:t>Paso 5.2 en la creación y uso de pipelines.</a:t>
+            </a:r>
+            <a:endParaRPr lang="es-ES" dirty="0">
+              <a:solidFill>
+                <a:srgbClr val="C00000"/>
+              </a:solidFill>
+            </a:endParaRPr>
+          </a:p>
+        </p:txBody>
+      </p:sp>
+      <p:pic>
+        <p:nvPicPr>
+          <p:cNvPr id="6" name="Imagen 5">
+            <a:extLst>
+              <a:ext uri="{FF2B5EF4-FFF2-40B4-BE49-F238E27FC236}">
+                <a16:creationId xmlns:a16="http://schemas.microsoft.com/office/drawing/2014/main" id="{40CC3D06-6ED0-4AB6-E3BC-74CD20D78D6C}"/>
+              </a:ext>
+            </a:extLst>
+          </p:cNvPr>
+          <p:cNvPicPr>
+            <a:picLocks noChangeAspect="1"/>
+          </p:cNvPicPr>
+          <p:nvPr/>
+        </p:nvPicPr>
+        <p:blipFill>
+          <a:blip r:embed="rId2"/>
+          <a:stretch>
+            <a:fillRect/>
+          </a:stretch>
+        </p:blipFill>
+        <p:spPr>
+          <a:xfrm>
+            <a:off x="2366837" y="2304816"/>
+            <a:ext cx="5220429" cy="1066949"/>
+          </a:xfrm>
+          <a:prstGeom prst="rect">
+            <a:avLst/>
+          </a:prstGeom>
+        </p:spPr>
+      </p:pic>
+      <p:pic>
+        <p:nvPicPr>
+          <p:cNvPr id="16" name="Imagen 15">
+            <a:extLst>
+              <a:ext uri="{FF2B5EF4-FFF2-40B4-BE49-F238E27FC236}">
+                <a16:creationId xmlns:a16="http://schemas.microsoft.com/office/drawing/2014/main" id="{091E6D66-0AA1-2090-6761-21AE6AB62388}"/>
+              </a:ext>
+            </a:extLst>
+          </p:cNvPr>
+          <p:cNvPicPr>
+            <a:picLocks noChangeAspect="1"/>
+          </p:cNvPicPr>
+          <p:nvPr/>
+        </p:nvPicPr>
+        <p:blipFill>
+          <a:blip r:embed="rId3"/>
+          <a:stretch>
+            <a:fillRect/>
+          </a:stretch>
+        </p:blipFill>
+        <p:spPr>
+          <a:xfrm>
+            <a:off x="2366837" y="4217895"/>
+            <a:ext cx="5220429" cy="1505160"/>
+          </a:xfrm>
+          <a:prstGeom prst="rect">
+            <a:avLst/>
+          </a:prstGeom>
+        </p:spPr>
+      </p:pic>
+      <p:pic>
+        <p:nvPicPr>
+          <p:cNvPr id="3076" name="Picture 4" descr="Regresión lineal: una herramienta predictiva para estimaciones con ...">
+            <a:extLst>
+              <a:ext uri="{FF2B5EF4-FFF2-40B4-BE49-F238E27FC236}">
+                <a16:creationId xmlns:a16="http://schemas.microsoft.com/office/drawing/2014/main" id="{B5A892B9-5893-8DDF-07CA-7AA348C08857}"/>
+              </a:ext>
+            </a:extLst>
+          </p:cNvPr>
+          <p:cNvPicPr>
+            <a:picLocks noChangeAspect="1" noChangeArrowheads="1"/>
+          </p:cNvPicPr>
+          <p:nvPr/>
+        </p:nvPicPr>
+        <p:blipFill rotWithShape="1">
+          <a:blip r:embed="rId4">
+            <a:extLst>
+              <a:ext uri="{28A0092B-C50C-407E-A947-70E740481C1C}">
+                <a14:useLocalDpi xmlns:a14="http://schemas.microsoft.com/office/drawing/2010/main" val="0"/>
+              </a:ext>
+            </a:extLst>
+          </a:blip>
+          <a:srcRect t="13858" r="45014"/>
+          <a:stretch/>
+        </p:blipFill>
+        <p:spPr bwMode="auto">
+          <a:xfrm>
+            <a:off x="8360293" y="2509558"/>
+            <a:ext cx="3299894" cy="2907960"/>
+          </a:xfrm>
+          <a:prstGeom prst="rect">
+            <a:avLst/>
+          </a:prstGeom>
+          <a:noFill/>
+          <a:extLst>
+            <a:ext uri="{909E8E84-426E-40DD-AFC4-6F175D3DCCD1}">
+              <a14:hiddenFill xmlns:a14="http://schemas.microsoft.com/office/drawing/2010/main">
+                <a:solidFill>
+                  <a:srgbClr val="FFFFFF"/>
+                </a:solidFill>
+              </a14:hiddenFill>
+            </a:ext>
+          </a:extLst>
+        </p:spPr>
+      </p:pic>
+    </p:spTree>
+    <p:extLst>
+      <p:ext uri="{BB962C8B-B14F-4D97-AF65-F5344CB8AC3E}">
+        <p14:creationId xmlns:p14="http://schemas.microsoft.com/office/powerpoint/2010/main" val="2794525677"/>
+      </p:ext>
+    </p:extLst>
+  </p:cSld>
+  <p:clrMapOvr>
+    <a:masterClrMapping/>
+  </p:clrMapOvr>
+</p:sld>
+</file>
+
+<file path=ppt/slides/slide9.xml><?xml version="1.0" encoding="utf-8"?>
 <p:sld xmlns:a="http://schemas.openxmlformats.org/drawingml/2006/main" xmlns:r="http://schemas.openxmlformats.org/officeDocument/2006/relationships" xmlns:p="http://schemas.openxmlformats.org/presentationml/2006/main">
   <p:cSld>
     <p:spTree>
@@ -11427,56 +12924,6 @@
       </p:grpSpPr>
       <p:sp>
         <p:nvSpPr>
-          <p:cNvPr id="2" name="Título 1">
-            <a:extLst>
-              <a:ext uri="{FF2B5EF4-FFF2-40B4-BE49-F238E27FC236}">
-                <a16:creationId xmlns:a16="http://schemas.microsoft.com/office/drawing/2014/main" id="{74F3BE45-FCB4-7347-F716-4919D4AF8E5D}"/>
-              </a:ext>
-            </a:extLst>
-          </p:cNvPr>
-          <p:cNvSpPr>
-            <a:spLocks noGrp="1"/>
-          </p:cNvSpPr>
-          <p:nvPr>
-            <p:ph type="title"/>
-          </p:nvPr>
-        </p:nvSpPr>
-        <p:spPr/>
-        <p:txBody>
-          <a:bodyPr/>
-          <a:lstStyle/>
-          <a:p>
-            <a:endParaRPr lang="es-ES"/>
-          </a:p>
-        </p:txBody>
-      </p:sp>
-      <p:sp>
-        <p:nvSpPr>
-          <p:cNvPr id="3" name="Marcador de contenido 2">
-            <a:extLst>
-              <a:ext uri="{FF2B5EF4-FFF2-40B4-BE49-F238E27FC236}">
-                <a16:creationId xmlns:a16="http://schemas.microsoft.com/office/drawing/2014/main" id="{96E06948-B825-CB9E-B7E9-A50C3F1C4DEB}"/>
-              </a:ext>
-            </a:extLst>
-          </p:cNvPr>
-          <p:cNvSpPr>
-            <a:spLocks noGrp="1"/>
-          </p:cNvSpPr>
-          <p:nvPr>
-            <p:ph idx="1"/>
-          </p:nvPr>
-        </p:nvSpPr>
-        <p:spPr/>
-        <p:txBody>
-          <a:bodyPr/>
-          <a:lstStyle/>
-          <a:p>
-            <a:endParaRPr lang="es-ES"/>
-          </a:p>
-        </p:txBody>
-      </p:sp>
-      <p:sp>
-        <p:nvSpPr>
           <p:cNvPr id="4" name="Marcador de número de diapositiva 3">
             <a:extLst>
               <a:ext uri="{FF2B5EF4-FFF2-40B4-BE49-F238E27FC236}">
@@ -11498,12 +12945,443 @@
           <a:p>
             <a:fld id="{30B3F516-FD66-4690-BD52-36A5750E1A8D}" type="slidenum">
               <a:rPr lang="es-ES" smtClean="0"/>
-              <a:t>7</a:t>
+              <a:t>9</a:t>
             </a:fld>
             <a:endParaRPr lang="es-ES"/>
           </a:p>
         </p:txBody>
       </p:sp>
+      <p:sp>
+        <p:nvSpPr>
+          <p:cNvPr id="5" name="Título 1">
+            <a:extLst>
+              <a:ext uri="{FF2B5EF4-FFF2-40B4-BE49-F238E27FC236}">
+                <a16:creationId xmlns:a16="http://schemas.microsoft.com/office/drawing/2014/main" id="{5DA34344-583A-94C0-A560-8A6EE75A7139}"/>
+              </a:ext>
+            </a:extLst>
+          </p:cNvPr>
+          <p:cNvSpPr txBox="1">
+            <a:spLocks noGrp="1"/>
+          </p:cNvSpPr>
+          <p:nvPr>
+            <p:ph type="title"/>
+          </p:nvPr>
+        </p:nvSpPr>
+        <p:spPr>
+          <a:xfrm>
+            <a:off x="1739900" y="623888"/>
+            <a:ext cx="9920288" cy="1281112"/>
+          </a:xfrm>
+          <a:prstGeom prst="rect">
+            <a:avLst/>
+          </a:prstGeom>
+        </p:spPr>
+        <p:txBody>
+          <a:bodyPr vert="horz" lIns="91440" tIns="45720" rIns="91440" bIns="45720" rtlCol="0" anchor="t">
+            <a:normAutofit/>
+          </a:bodyPr>
+          <a:lstStyle>
+            <a:lvl1pPr algn="l" defTabSz="457200" rtl="0" eaLnBrk="1" latinLnBrk="0" hangingPunct="1">
+              <a:spcBef>
+                <a:spcPct val="0"/>
+              </a:spcBef>
+              <a:buNone/>
+              <a:defRPr sz="3600" kern="1200">
+                <a:solidFill>
+                  <a:schemeClr val="tx1">
+                    <a:lumMod val="85000"/>
+                    <a:lumOff val="15000"/>
+                  </a:schemeClr>
+                </a:solidFill>
+                <a:latin typeface="+mj-lt"/>
+                <a:ea typeface="+mj-ea"/>
+                <a:cs typeface="+mj-cs"/>
+              </a:defRPr>
+            </a:lvl1pPr>
+            <a:lvl2pPr eaLnBrk="1" hangingPunct="1">
+              <a:defRPr>
+                <a:solidFill>
+                  <a:schemeClr val="tx2"/>
+                </a:solidFill>
+              </a:defRPr>
+            </a:lvl2pPr>
+            <a:lvl3pPr eaLnBrk="1" hangingPunct="1">
+              <a:defRPr>
+                <a:solidFill>
+                  <a:schemeClr val="tx2"/>
+                </a:solidFill>
+              </a:defRPr>
+            </a:lvl3pPr>
+            <a:lvl4pPr eaLnBrk="1" hangingPunct="1">
+              <a:defRPr>
+                <a:solidFill>
+                  <a:schemeClr val="tx2"/>
+                </a:solidFill>
+              </a:defRPr>
+            </a:lvl4pPr>
+            <a:lvl5pPr eaLnBrk="1" hangingPunct="1">
+              <a:defRPr>
+                <a:solidFill>
+                  <a:schemeClr val="tx2"/>
+                </a:solidFill>
+              </a:defRPr>
+            </a:lvl5pPr>
+            <a:lvl6pPr eaLnBrk="1" hangingPunct="1">
+              <a:defRPr>
+                <a:solidFill>
+                  <a:schemeClr val="tx2"/>
+                </a:solidFill>
+              </a:defRPr>
+            </a:lvl6pPr>
+            <a:lvl7pPr eaLnBrk="1" hangingPunct="1">
+              <a:defRPr>
+                <a:solidFill>
+                  <a:schemeClr val="tx2"/>
+                </a:solidFill>
+              </a:defRPr>
+            </a:lvl7pPr>
+            <a:lvl8pPr eaLnBrk="1" hangingPunct="1">
+              <a:defRPr>
+                <a:solidFill>
+                  <a:schemeClr val="tx2"/>
+                </a:solidFill>
+              </a:defRPr>
+            </a:lvl8pPr>
+            <a:lvl9pPr eaLnBrk="1" hangingPunct="1">
+              <a:defRPr>
+                <a:solidFill>
+                  <a:schemeClr val="tx2"/>
+                </a:solidFill>
+              </a:defRPr>
+            </a:lvl9pPr>
+          </a:lstStyle>
+          <a:p>
+            <a:r>
+              <a:rPr lang="es-ES" kern="100" dirty="0">
+                <a:solidFill>
+                  <a:srgbClr val="C00000"/>
+                </a:solidFill>
+                <a:latin typeface="Calibri" panose="020F0502020204030204" pitchFamily="34" charset="0"/>
+                <a:ea typeface="Calibri" panose="020F0502020204030204" pitchFamily="34" charset="0"/>
+                <a:cs typeface="Times New Roman" panose="02020603050405020304" pitchFamily="18" charset="0"/>
+              </a:rPr>
+              <a:t>Paso 6 en la creación y uso de pipelines: evaluación</a:t>
+            </a:r>
+            <a:r>
+              <a:rPr lang="es-ES" kern="100" dirty="0">
+                <a:latin typeface="Calibri" panose="020F0502020204030204" pitchFamily="34" charset="0"/>
+                <a:ea typeface="Calibri" panose="020F0502020204030204" pitchFamily="34" charset="0"/>
+                <a:cs typeface="Times New Roman" panose="02020603050405020304" pitchFamily="18" charset="0"/>
+              </a:rPr>
+              <a:t>.</a:t>
+            </a:r>
+            <a:endParaRPr lang="es-ES" dirty="0"/>
+          </a:p>
+        </p:txBody>
+      </p:sp>
+      <p:pic>
+        <p:nvPicPr>
+          <p:cNvPr id="7" name="Imagen 6">
+            <a:extLst>
+              <a:ext uri="{FF2B5EF4-FFF2-40B4-BE49-F238E27FC236}">
+                <a16:creationId xmlns:a16="http://schemas.microsoft.com/office/drawing/2014/main" id="{D3736A3D-A6F2-6653-1A5C-8335C4B75E03}"/>
+              </a:ext>
+            </a:extLst>
+          </p:cNvPr>
+          <p:cNvPicPr>
+            <a:picLocks noChangeAspect="1"/>
+          </p:cNvPicPr>
+          <p:nvPr/>
+        </p:nvPicPr>
+        <p:blipFill>
+          <a:blip r:embed="rId2"/>
+          <a:stretch>
+            <a:fillRect/>
+          </a:stretch>
+        </p:blipFill>
+        <p:spPr>
+          <a:xfrm>
+            <a:off x="1739900" y="2183250"/>
+            <a:ext cx="3210373" cy="695422"/>
+          </a:xfrm>
+          <a:prstGeom prst="rect">
+            <a:avLst/>
+          </a:prstGeom>
+        </p:spPr>
+      </p:pic>
+      <p:pic>
+        <p:nvPicPr>
+          <p:cNvPr id="10" name="Imagen 9">
+            <a:extLst>
+              <a:ext uri="{FF2B5EF4-FFF2-40B4-BE49-F238E27FC236}">
+                <a16:creationId xmlns:a16="http://schemas.microsoft.com/office/drawing/2014/main" id="{D714B76A-6A3D-73AC-04CD-94A46785FF45}"/>
+              </a:ext>
+            </a:extLst>
+          </p:cNvPr>
+          <p:cNvPicPr>
+            <a:picLocks noChangeAspect="1"/>
+          </p:cNvPicPr>
+          <p:nvPr/>
+        </p:nvPicPr>
+        <p:blipFill>
+          <a:blip r:embed="rId3"/>
+          <a:stretch>
+            <a:fillRect/>
+          </a:stretch>
+        </p:blipFill>
+        <p:spPr>
+          <a:xfrm>
+            <a:off x="1739900" y="3189666"/>
+            <a:ext cx="3683000" cy="3505078"/>
+          </a:xfrm>
+          <a:prstGeom prst="rect">
+            <a:avLst/>
+          </a:prstGeom>
+        </p:spPr>
+      </p:pic>
+      <p:pic>
+        <p:nvPicPr>
+          <p:cNvPr id="14" name="Imagen 13">
+            <a:extLst>
+              <a:ext uri="{FF2B5EF4-FFF2-40B4-BE49-F238E27FC236}">
+                <a16:creationId xmlns:a16="http://schemas.microsoft.com/office/drawing/2014/main" id="{E4287A62-40A8-8DCC-F6AC-87EFF1C473D4}"/>
+              </a:ext>
+            </a:extLst>
+          </p:cNvPr>
+          <p:cNvPicPr>
+            <a:picLocks noChangeAspect="1"/>
+          </p:cNvPicPr>
+          <p:nvPr/>
+        </p:nvPicPr>
+        <p:blipFill>
+          <a:blip r:embed="rId4"/>
+          <a:stretch>
+            <a:fillRect/>
+          </a:stretch>
+        </p:blipFill>
+        <p:spPr>
+          <a:xfrm>
+            <a:off x="6700044" y="2183250"/>
+            <a:ext cx="3429479" cy="1228896"/>
+          </a:xfrm>
+          <a:prstGeom prst="rect">
+            <a:avLst/>
+          </a:prstGeom>
+        </p:spPr>
+      </p:pic>
+      <p:sp>
+        <p:nvSpPr>
+          <p:cNvPr id="22" name="CuadroTexto 21">
+            <a:extLst>
+              <a:ext uri="{FF2B5EF4-FFF2-40B4-BE49-F238E27FC236}">
+                <a16:creationId xmlns:a16="http://schemas.microsoft.com/office/drawing/2014/main" id="{3B0555AA-DFB3-8585-A4BD-35FE696C75B8}"/>
+              </a:ext>
+            </a:extLst>
+          </p:cNvPr>
+          <p:cNvSpPr txBox="1"/>
+          <p:nvPr/>
+        </p:nvSpPr>
+        <p:spPr>
+          <a:xfrm>
+            <a:off x="1563689" y="1283433"/>
+            <a:ext cx="6093618" cy="646331"/>
+          </a:xfrm>
+          <a:prstGeom prst="rect">
+            <a:avLst/>
+          </a:prstGeom>
+          <a:noFill/>
+        </p:spPr>
+        <p:txBody>
+          <a:bodyPr wrap="square">
+            <a:spAutoFit/>
+          </a:bodyPr>
+          <a:lstStyle/>
+          <a:p>
+            <a:pPr marL="342900" marR="0" lvl="0" indent="-342900" algn="l" defTabSz="457200" rtl="0" eaLnBrk="1" fontAlgn="auto" latinLnBrk="0" hangingPunct="1">
+              <a:lnSpc>
+                <a:spcPct val="100000"/>
+              </a:lnSpc>
+              <a:spcBef>
+                <a:spcPts val="1000"/>
+              </a:spcBef>
+              <a:spcAft>
+                <a:spcPts val="0"/>
+              </a:spcAft>
+              <a:buClr>
+                <a:srgbClr val="A53010"/>
+              </a:buClr>
+              <a:buSzTx/>
+              <a:buFont typeface="Wingdings 3" charset="2"/>
+              <a:buChar char=""/>
+              <a:tabLst/>
+              <a:defRPr/>
+            </a:pPr>
+            <a:r>
+              <a:rPr lang="es-ES" dirty="0">
+                <a:solidFill>
+                  <a:prstClr val="black">
+                    <a:lumMod val="75000"/>
+                    <a:lumOff val="25000"/>
+                  </a:prstClr>
+                </a:solidFill>
+                <a:latin typeface="Century Gothic" panose="020B0502020202020204"/>
+                <a:ea typeface="Calibri" panose="020F0502020204030204" pitchFamily="34" charset="0"/>
+                <a:cs typeface="Calibri" panose="020F0502020204030204" pitchFamily="34" charset="0"/>
+                <a:sym typeface="Wingdings" panose="05000000000000000000" pitchFamily="2" charset="2"/>
+              </a:rPr>
+              <a:t>Lo evaluamos contra test y vemos las métricas obtenidas.</a:t>
+            </a:r>
+            <a:endParaRPr kumimoji="0" lang="es-ES" sz="1800" b="0" i="0" u="none" strike="noStrike" kern="1200" cap="none" spc="0" normalizeH="0" baseline="0" noProof="0" dirty="0">
+              <a:ln>
+                <a:noFill/>
+              </a:ln>
+              <a:solidFill>
+                <a:prstClr val="black">
+                  <a:lumMod val="75000"/>
+                  <a:lumOff val="25000"/>
+                </a:prstClr>
+              </a:solidFill>
+              <a:effectLst/>
+              <a:uLnTx/>
+              <a:uFillTx/>
+              <a:latin typeface="Century Gothic" panose="020B0502020202020204"/>
+              <a:ea typeface="Calibri" panose="020F0502020204030204" pitchFamily="34" charset="0"/>
+              <a:cs typeface="Calibri" panose="020F0502020204030204" pitchFamily="34" charset="0"/>
+              <a:sym typeface="Wingdings" panose="05000000000000000000" pitchFamily="2" charset="2"/>
+            </a:endParaRPr>
+          </a:p>
+        </p:txBody>
+      </p:sp>
+      <p:sp>
+        <p:nvSpPr>
+          <p:cNvPr id="23" name="CuadroTexto 22">
+            <a:extLst>
+              <a:ext uri="{FF2B5EF4-FFF2-40B4-BE49-F238E27FC236}">
+                <a16:creationId xmlns:a16="http://schemas.microsoft.com/office/drawing/2014/main" id="{A8163790-CDAE-2035-1D51-297F0A4C8B05}"/>
+              </a:ext>
+            </a:extLst>
+          </p:cNvPr>
+          <p:cNvSpPr txBox="1"/>
+          <p:nvPr/>
+        </p:nvSpPr>
+        <p:spPr>
+          <a:xfrm>
+            <a:off x="1802447" y="1872256"/>
+            <a:ext cx="2452804" cy="338554"/>
+          </a:xfrm>
+          <a:prstGeom prst="rect">
+            <a:avLst/>
+          </a:prstGeom>
+          <a:noFill/>
+        </p:spPr>
+        <p:txBody>
+          <a:bodyPr wrap="square" rtlCol="0">
+            <a:spAutoFit/>
+          </a:bodyPr>
+          <a:lstStyle/>
+          <a:p>
+            <a:r>
+              <a:rPr lang="es-ES" sz="1600" dirty="0"/>
+              <a:t>Para clasificación:</a:t>
+            </a:r>
+          </a:p>
+        </p:txBody>
+      </p:sp>
+      <p:sp>
+        <p:nvSpPr>
+          <p:cNvPr id="24" name="CuadroTexto 23">
+            <a:extLst>
+              <a:ext uri="{FF2B5EF4-FFF2-40B4-BE49-F238E27FC236}">
+                <a16:creationId xmlns:a16="http://schemas.microsoft.com/office/drawing/2014/main" id="{611CE604-27AE-5EAF-C9FB-DF137BDFBCE5}"/>
+              </a:ext>
+            </a:extLst>
+          </p:cNvPr>
+          <p:cNvSpPr txBox="1"/>
+          <p:nvPr/>
+        </p:nvSpPr>
+        <p:spPr>
+          <a:xfrm>
+            <a:off x="6613960" y="1844696"/>
+            <a:ext cx="2452804" cy="338554"/>
+          </a:xfrm>
+          <a:prstGeom prst="rect">
+            <a:avLst/>
+          </a:prstGeom>
+          <a:noFill/>
+        </p:spPr>
+        <p:txBody>
+          <a:bodyPr wrap="square" rtlCol="0">
+            <a:spAutoFit/>
+          </a:bodyPr>
+          <a:lstStyle/>
+          <a:p>
+            <a:r>
+              <a:rPr lang="es-ES" sz="1600" dirty="0"/>
+              <a:t>Para regresión:</a:t>
+            </a:r>
+          </a:p>
+        </p:txBody>
+      </p:sp>
+      <p:pic>
+        <p:nvPicPr>
+          <p:cNvPr id="26" name="Imagen 25">
+            <a:extLst>
+              <a:ext uri="{FF2B5EF4-FFF2-40B4-BE49-F238E27FC236}">
+                <a16:creationId xmlns:a16="http://schemas.microsoft.com/office/drawing/2014/main" id="{7D8B6C36-20DB-A0FF-D816-329BB2B8812A}"/>
+              </a:ext>
+            </a:extLst>
+          </p:cNvPr>
+          <p:cNvPicPr>
+            <a:picLocks noChangeAspect="1"/>
+          </p:cNvPicPr>
+          <p:nvPr/>
+        </p:nvPicPr>
+        <p:blipFill>
+          <a:blip r:embed="rId5"/>
+          <a:stretch>
+            <a:fillRect/>
+          </a:stretch>
+        </p:blipFill>
+        <p:spPr>
+          <a:xfrm>
+            <a:off x="6700044" y="3663065"/>
+            <a:ext cx="2152950" cy="333422"/>
+          </a:xfrm>
+          <a:prstGeom prst="rect">
+            <a:avLst/>
+          </a:prstGeom>
+        </p:spPr>
+      </p:pic>
+      <p:pic>
+        <p:nvPicPr>
+          <p:cNvPr id="28" name="Imagen 27">
+            <a:extLst>
+              <a:ext uri="{FF2B5EF4-FFF2-40B4-BE49-F238E27FC236}">
+                <a16:creationId xmlns:a16="http://schemas.microsoft.com/office/drawing/2014/main" id="{CD5DB006-BBCB-ADED-3FD1-79D414E418F4}"/>
+              </a:ext>
+            </a:extLst>
+          </p:cNvPr>
+          <p:cNvPicPr>
+            <a:picLocks noChangeAspect="1"/>
+          </p:cNvPicPr>
+          <p:nvPr/>
+        </p:nvPicPr>
+        <p:blipFill>
+          <a:blip r:embed="rId6"/>
+          <a:stretch>
+            <a:fillRect/>
+          </a:stretch>
+        </p:blipFill>
+        <p:spPr>
+          <a:xfrm>
+            <a:off x="6769102" y="4187693"/>
+            <a:ext cx="2710326" cy="2507051"/>
+          </a:xfrm>
+          <a:prstGeom prst="rect">
+            <a:avLst/>
+          </a:prstGeom>
+        </p:spPr>
+      </p:pic>
     </p:spTree>
     <p:extLst>
       <p:ext uri="{BB962C8B-B14F-4D97-AF65-F5344CB8AC3E}">

--- a/Presentación_PIPELINES.pptx
+++ b/Presentación_PIPELINES.pptx
@@ -205,7 +205,7 @@
           <a:p>
             <a:fld id="{155E4B7E-6DB9-4D08-8058-DF1F74961658}" type="datetimeFigureOut">
               <a:rPr lang="es-ES" smtClean="0"/>
-              <a:t>02/11/2024</a:t>
+              <a:t>03/11/2024</a:t>
             </a:fld>
             <a:endParaRPr lang="es-ES"/>
           </a:p>
@@ -660,7 +660,7 @@
           <a:p>
             <a:fld id="{97DE76D3-22AC-47BC-A4F7-73D221575698}" type="datetime1">
               <a:rPr lang="es-ES" smtClean="0"/>
-              <a:t>02/11/2024</a:t>
+              <a:t>03/11/2024</a:t>
             </a:fld>
             <a:endParaRPr lang="es-ES"/>
           </a:p>
@@ -998,7 +998,7 @@
           <a:p>
             <a:fld id="{482B3691-0031-41A3-AE79-7BF7BED1CD64}" type="datetime1">
               <a:rPr lang="es-ES" smtClean="0"/>
-              <a:t>02/11/2024</a:t>
+              <a:t>03/11/2024</a:t>
             </a:fld>
             <a:endParaRPr lang="es-ES"/>
           </a:p>
@@ -1399,7 +1399,7 @@
           <a:p>
             <a:fld id="{2B9FECCD-74A3-4B88-812E-70E99DDF7F5E}" type="datetime1">
               <a:rPr lang="es-ES" smtClean="0"/>
-              <a:t>02/11/2024</a:t>
+              <a:t>03/11/2024</a:t>
             </a:fld>
             <a:endParaRPr lang="es-ES"/>
           </a:p>
@@ -1735,7 +1735,7 @@
           <a:p>
             <a:fld id="{650566EE-4040-40A2-A9CF-B8DEE94D23D5}" type="datetime1">
               <a:rPr lang="es-ES" smtClean="0"/>
-              <a:t>02/11/2024</a:t>
+              <a:t>03/11/2024</a:t>
             </a:fld>
             <a:endParaRPr lang="es-ES"/>
           </a:p>
@@ -2055,7 +2055,7 @@
           <a:p>
             <a:fld id="{FA1E56F8-2A77-4F09-A59C-1F987A837443}" type="datetime1">
               <a:rPr lang="es-ES" smtClean="0"/>
-              <a:t>02/11/2024</a:t>
+              <a:t>03/11/2024</a:t>
             </a:fld>
             <a:endParaRPr lang="es-ES"/>
           </a:p>
@@ -2451,7 +2451,7 @@
           <a:p>
             <a:fld id="{468347EE-8D97-4F36-BE23-B3592A04D5C0}" type="datetime1">
               <a:rPr lang="es-ES" smtClean="0"/>
-              <a:t>02/11/2024</a:t>
+              <a:t>03/11/2024</a:t>
             </a:fld>
             <a:endParaRPr lang="es-ES"/>
           </a:p>
@@ -2708,7 +2708,7 @@
           <a:p>
             <a:fld id="{D64F977A-0A93-4CFE-86FE-650C7236B97F}" type="datetime1">
               <a:rPr lang="es-ES" smtClean="0"/>
-              <a:t>02/11/2024</a:t>
+              <a:t>03/11/2024</a:t>
             </a:fld>
             <a:endParaRPr lang="es-ES"/>
           </a:p>
@@ -2970,7 +2970,7 @@
           <a:p>
             <a:fld id="{9BC557DB-1E69-47FB-8D1D-88D1EAB23CC6}" type="datetime1">
               <a:rPr lang="es-ES" smtClean="0"/>
-              <a:t>02/11/2024</a:t>
+              <a:t>03/11/2024</a:t>
             </a:fld>
             <a:endParaRPr lang="es-ES"/>
           </a:p>
@@ -3232,7 +3232,7 @@
           <a:p>
             <a:fld id="{CF934D63-6C0D-4EEA-9686-2E1DD9B15529}" type="datetime1">
               <a:rPr lang="es-ES" smtClean="0"/>
-              <a:t>02/11/2024</a:t>
+              <a:t>03/11/2024</a:t>
             </a:fld>
             <a:endParaRPr lang="es-ES"/>
           </a:p>
@@ -3561,7 +3561,7 @@
           <a:p>
             <a:fld id="{726035AF-D13A-4570-92AE-A874C97CBAF5}" type="datetime1">
               <a:rPr lang="es-ES" smtClean="0"/>
-              <a:t>02/11/2024</a:t>
+              <a:t>03/11/2024</a:t>
             </a:fld>
             <a:endParaRPr lang="es-ES"/>
           </a:p>
@@ -3884,7 +3884,7 @@
           <a:p>
             <a:fld id="{C987B376-A433-4D3A-AEF8-67353FFECAF1}" type="datetime1">
               <a:rPr lang="es-ES" smtClean="0"/>
-              <a:t>02/11/2024</a:t>
+              <a:t>03/11/2024</a:t>
             </a:fld>
             <a:endParaRPr lang="es-ES"/>
           </a:p>
@@ -4341,7 +4341,7 @@
           <a:p>
             <a:fld id="{8C5ABA5B-15F2-495F-AAC1-4B13B7B8A257}" type="datetime1">
               <a:rPr lang="es-ES" smtClean="0"/>
-              <a:t>02/11/2024</a:t>
+              <a:t>03/11/2024</a:t>
             </a:fld>
             <a:endParaRPr lang="es-ES"/>
           </a:p>
@@ -4546,7 +4546,7 @@
           <a:p>
             <a:fld id="{C545372B-E898-4A88-9C3B-F32F9E39805E}" type="datetime1">
               <a:rPr lang="es-ES" smtClean="0"/>
-              <a:t>02/11/2024</a:t>
+              <a:t>03/11/2024</a:t>
             </a:fld>
             <a:endParaRPr lang="es-ES"/>
           </a:p>
@@ -4723,7 +4723,7 @@
           <a:p>
             <a:fld id="{4CA917DE-2467-4B17-98E3-B7D01C7EFCA8}" type="datetime1">
               <a:rPr lang="es-ES" smtClean="0"/>
-              <a:t>02/11/2024</a:t>
+              <a:t>03/11/2024</a:t>
             </a:fld>
             <a:endParaRPr lang="es-ES"/>
           </a:p>
@@ -5056,7 +5056,7 @@
           <a:p>
             <a:fld id="{99077330-DE06-40B0-8DDC-11C05A371DD6}" type="datetime1">
               <a:rPr lang="es-ES" smtClean="0"/>
-              <a:t>02/11/2024</a:t>
+              <a:t>03/11/2024</a:t>
             </a:fld>
             <a:endParaRPr lang="es-ES"/>
           </a:p>
@@ -5401,7 +5401,7 @@
           <a:p>
             <a:fld id="{28E30A13-7DEF-452C-A7C7-88A9E2257769}" type="datetime1">
               <a:rPr lang="es-ES" smtClean="0"/>
-              <a:t>02/11/2024</a:t>
+              <a:t>03/11/2024</a:t>
             </a:fld>
             <a:endParaRPr lang="es-ES"/>
           </a:p>
@@ -7518,7 +7518,7 @@
           <a:p>
             <a:fld id="{0EAD0A85-5BF7-45BA-988A-69EBDB177B39}" type="datetime1">
               <a:rPr lang="es-ES" smtClean="0"/>
-              <a:t>02/11/2024</a:t>
+              <a:t>03/11/2024</a:t>
             </a:fld>
             <a:endParaRPr lang="es-ES"/>
           </a:p>
@@ -8990,7 +8990,7 @@
                 <a:ea typeface="Calibri" panose="020F0502020204030204" pitchFamily="34" charset="0"/>
                 <a:cs typeface="Calibri" panose="020F0502020204030204" pitchFamily="34" charset="0"/>
               </a:rPr>
-              <a:t> nutrición</a:t>
+              <a:t> nutrición.</a:t>
             </a:r>
             <a:br>
               <a:rPr lang="es-ES" sz="1600" b="1" dirty="0">
@@ -9514,7 +9514,7 @@
         </p:nvSpPr>
         <p:spPr>
           <a:xfrm>
-            <a:off x="1892300" y="624110"/>
+            <a:off x="1905000" y="644832"/>
             <a:ext cx="9767887" cy="834576"/>
           </a:xfrm>
         </p:spPr>
@@ -9560,168 +9560,174 @@
         <p:spPr>
           <a:xfrm>
             <a:off x="1892300" y="1479408"/>
-            <a:ext cx="9612312" cy="1676400"/>
+            <a:ext cx="9612312" cy="1258398"/>
           </a:xfrm>
         </p:spPr>
         <p:txBody>
-          <a:bodyPr/>
+          <a:bodyPr>
+            <a:normAutofit lnSpcReduction="10000"/>
+          </a:bodyPr>
           <a:lstStyle/>
           <a:p>
             <a:r>
+              <a:rPr lang="es-ES" sz="1600" dirty="0">
+                <a:latin typeface="+mn-lt"/>
+                <a:ea typeface="Calibri" panose="020F0502020204030204" pitchFamily="34" charset="0"/>
+                <a:cs typeface="Calibri" panose="020F0502020204030204" pitchFamily="34" charset="0"/>
+                <a:sym typeface="Wingdings" panose="05000000000000000000" pitchFamily="2" charset="2"/>
+              </a:rPr>
+              <a:t>1, 2, 3: Pasos previos: Carga de datos, visualización</a:t>
+            </a:r>
+            <a:r>
+              <a:rPr lang="es-ES" sz="1600" dirty="0">
+                <a:ea typeface="Calibri" panose="020F0502020204030204" pitchFamily="34" charset="0"/>
+                <a:cs typeface="Calibri" panose="020F0502020204030204" pitchFamily="34" charset="0"/>
+                <a:sym typeface="Wingdings" panose="05000000000000000000" pitchFamily="2" charset="2"/>
+              </a:rPr>
+              <a:t>, separación en </a:t>
+            </a:r>
+            <a:r>
+              <a:rPr lang="es-ES" sz="1600" b="1" i="1" dirty="0" err="1">
+                <a:solidFill>
+                  <a:srgbClr val="0070C0"/>
+                </a:solidFill>
+                <a:latin typeface="+mn-lt"/>
+                <a:ea typeface="Calibri" panose="020F0502020204030204" pitchFamily="34" charset="0"/>
+                <a:cs typeface="Calibri" panose="020F0502020204030204" pitchFamily="34" charset="0"/>
+                <a:sym typeface="Wingdings" panose="05000000000000000000" pitchFamily="2" charset="2"/>
+              </a:rPr>
+              <a:t>train</a:t>
+            </a:r>
+            <a:r>
+              <a:rPr lang="es-ES" sz="1600" b="1" i="1" dirty="0">
+                <a:solidFill>
+                  <a:srgbClr val="0070C0"/>
+                </a:solidFill>
+                <a:latin typeface="+mn-lt"/>
+                <a:ea typeface="Calibri" panose="020F0502020204030204" pitchFamily="34" charset="0"/>
+                <a:cs typeface="Calibri" panose="020F0502020204030204" pitchFamily="34" charset="0"/>
+                <a:sym typeface="Wingdings" panose="05000000000000000000" pitchFamily="2" charset="2"/>
+              </a:rPr>
+              <a:t> y test </a:t>
+            </a:r>
+            <a:r>
+              <a:rPr lang="es-ES" sz="1600" dirty="0">
+                <a:latin typeface="+mn-lt"/>
+                <a:ea typeface="Calibri" panose="020F0502020204030204" pitchFamily="34" charset="0"/>
+                <a:cs typeface="Calibri" panose="020F0502020204030204" pitchFamily="34" charset="0"/>
+                <a:sym typeface="Wingdings" panose="05000000000000000000" pitchFamily="2" charset="2"/>
+              </a:rPr>
+              <a:t>y </a:t>
+            </a:r>
+            <a:r>
+              <a:rPr lang="es-ES" sz="1600" dirty="0" err="1">
+                <a:latin typeface="+mn-lt"/>
+                <a:ea typeface="Calibri" panose="020F0502020204030204" pitchFamily="34" charset="0"/>
+                <a:cs typeface="Calibri" panose="020F0502020204030204" pitchFamily="34" charset="0"/>
+                <a:sym typeface="Wingdings" panose="05000000000000000000" pitchFamily="2" charset="2"/>
+              </a:rPr>
+              <a:t>Minieda</a:t>
+            </a:r>
+            <a:r>
+              <a:rPr lang="es-ES" sz="1600" dirty="0">
+                <a:latin typeface="+mn-lt"/>
+                <a:ea typeface="Calibri" panose="020F0502020204030204" pitchFamily="34" charset="0"/>
+                <a:cs typeface="Calibri" panose="020F0502020204030204" pitchFamily="34" charset="0"/>
+                <a:sym typeface="Wingdings" panose="05000000000000000000" pitchFamily="2" charset="2"/>
+              </a:rPr>
+              <a:t> </a:t>
+            </a:r>
+            <a:r>
+              <a:rPr lang="es-ES" sz="1600" dirty="0">
+                <a:ea typeface="Calibri" panose="020F0502020204030204" pitchFamily="34" charset="0"/>
+                <a:cs typeface="Calibri" panose="020F0502020204030204" pitchFamily="34" charset="0"/>
+                <a:sym typeface="Wingdings" panose="05000000000000000000" pitchFamily="2" charset="2"/>
+              </a:rPr>
+              <a:t>para seleccionar las variables que vamos a usar en el preprocesado.</a:t>
+            </a:r>
+          </a:p>
+          <a:p>
+            <a:r>
+              <a:rPr lang="es-ES" sz="1600" dirty="0">
+                <a:solidFill>
+                  <a:schemeClr val="tx1"/>
+                </a:solidFill>
+                <a:ea typeface="Calibri" panose="020F0502020204030204" pitchFamily="34" charset="0"/>
+                <a:cs typeface="Calibri" panose="020F0502020204030204" pitchFamily="34" charset="0"/>
+                <a:sym typeface="Wingdings" panose="05000000000000000000" pitchFamily="2" charset="2"/>
+              </a:rPr>
+              <a:t>4.1</a:t>
+            </a:r>
+            <a:r>
+              <a:rPr lang="es-ES" sz="1600" i="1" dirty="0">
+                <a:solidFill>
+                  <a:srgbClr val="00B050"/>
+                </a:solidFill>
+                <a:latin typeface="+mn-lt"/>
+                <a:ea typeface="Calibri" panose="020F0502020204030204" pitchFamily="34" charset="0"/>
+                <a:cs typeface="Calibri" panose="020F0502020204030204" pitchFamily="34" charset="0"/>
+                <a:sym typeface="Wingdings" panose="05000000000000000000" pitchFamily="2" charset="2"/>
+              </a:rPr>
+              <a:t> PIPELINES </a:t>
+            </a:r>
+            <a:r>
+              <a:rPr lang="es-ES" sz="1600" dirty="0">
+                <a:solidFill>
+                  <a:schemeClr val="tx1"/>
+                </a:solidFill>
+                <a:latin typeface="+mn-lt"/>
+                <a:ea typeface="Calibri" panose="020F0502020204030204" pitchFamily="34" charset="0"/>
+                <a:cs typeface="Calibri" panose="020F0502020204030204" pitchFamily="34" charset="0"/>
+                <a:sym typeface="Wingdings" panose="05000000000000000000" pitchFamily="2" charset="2"/>
+              </a:rPr>
+              <a:t>para el preprocesado</a:t>
+            </a:r>
+            <a:r>
               <a:rPr lang="es-ES" sz="1800" dirty="0">
+                <a:solidFill>
+                  <a:schemeClr val="tx1"/>
+                </a:solidFill>
                 <a:latin typeface="+mn-lt"/>
                 <a:ea typeface="Calibri" panose="020F0502020204030204" pitchFamily="34" charset="0"/>
                 <a:cs typeface="Calibri" panose="020F0502020204030204" pitchFamily="34" charset="0"/>
                 <a:sym typeface="Wingdings" panose="05000000000000000000" pitchFamily="2" charset="2"/>
               </a:rPr>
-              <a:t>1, 2, 3: Pasos previos: Carga de datos, visualización</a:t>
-            </a:r>
-            <a:r>
-              <a:rPr lang="es-ES" dirty="0">
+              <a:t>:</a:t>
+            </a:r>
+          </a:p>
+          <a:p>
+            <a:pPr lvl="1"/>
+            <a:r>
+              <a:rPr lang="es-ES" sz="1400" dirty="0">
                 <a:ea typeface="Calibri" panose="020F0502020204030204" pitchFamily="34" charset="0"/>
                 <a:cs typeface="Calibri" panose="020F0502020204030204" pitchFamily="34" charset="0"/>
                 <a:sym typeface="Wingdings" panose="05000000000000000000" pitchFamily="2" charset="2"/>
               </a:rPr>
-              <a:t>, separación en </a:t>
-            </a:r>
-            <a:r>
-              <a:rPr lang="es-ES" sz="1800" b="1" i="1" dirty="0" err="1">
-                <a:solidFill>
-                  <a:srgbClr val="0070C0"/>
-                </a:solidFill>
-                <a:latin typeface="+mn-lt"/>
+              <a:t>Transformación de las </a:t>
+            </a:r>
+            <a:r>
+              <a:rPr lang="es-ES" sz="1400" i="1" dirty="0" err="1">
                 <a:ea typeface="Calibri" panose="020F0502020204030204" pitchFamily="34" charset="0"/>
                 <a:cs typeface="Calibri" panose="020F0502020204030204" pitchFamily="34" charset="0"/>
                 <a:sym typeface="Wingdings" panose="05000000000000000000" pitchFamily="2" charset="2"/>
               </a:rPr>
-              <a:t>train</a:t>
-            </a:r>
-            <a:r>
-              <a:rPr lang="es-ES" sz="1800" b="1" i="1" dirty="0">
-                <a:solidFill>
-                  <a:srgbClr val="0070C0"/>
-                </a:solidFill>
-                <a:latin typeface="+mn-lt"/>
+              <a:t>features</a:t>
+            </a:r>
+            <a:r>
+              <a:rPr lang="es-ES" sz="1400" dirty="0">
                 <a:ea typeface="Calibri" panose="020F0502020204030204" pitchFamily="34" charset="0"/>
                 <a:cs typeface="Calibri" panose="020F0502020204030204" pitchFamily="34" charset="0"/>
                 <a:sym typeface="Wingdings" panose="05000000000000000000" pitchFamily="2" charset="2"/>
               </a:rPr>
-              <a:t> y test </a:t>
-            </a:r>
-            <a:r>
-              <a:rPr lang="es-ES" sz="1800" dirty="0">
-                <a:latin typeface="+mn-lt"/>
-                <a:ea typeface="Calibri" panose="020F0502020204030204" pitchFamily="34" charset="0"/>
-                <a:cs typeface="Calibri" panose="020F0502020204030204" pitchFamily="34" charset="0"/>
-                <a:sym typeface="Wingdings" panose="05000000000000000000" pitchFamily="2" charset="2"/>
-              </a:rPr>
-              <a:t>y </a:t>
-            </a:r>
-            <a:r>
-              <a:rPr lang="es-ES" sz="1800" dirty="0" err="1">
-                <a:latin typeface="+mn-lt"/>
-                <a:ea typeface="Calibri" panose="020F0502020204030204" pitchFamily="34" charset="0"/>
-                <a:cs typeface="Calibri" panose="020F0502020204030204" pitchFamily="34" charset="0"/>
-                <a:sym typeface="Wingdings" panose="05000000000000000000" pitchFamily="2" charset="2"/>
-              </a:rPr>
-              <a:t>Minieda</a:t>
-            </a:r>
-            <a:r>
-              <a:rPr lang="es-ES" dirty="0">
-                <a:ea typeface="Calibri" panose="020F0502020204030204" pitchFamily="34" charset="0"/>
-                <a:cs typeface="Calibri" panose="020F0502020204030204" pitchFamily="34" charset="0"/>
-                <a:sym typeface="Wingdings" panose="05000000000000000000" pitchFamily="2" charset="2"/>
-              </a:rPr>
-              <a:t>.</a:t>
-            </a:r>
-          </a:p>
-          <a:p>
-            <a:r>
-              <a:rPr lang="es-ES" dirty="0">
-                <a:solidFill>
-                  <a:schemeClr val="tx1"/>
-                </a:solidFill>
-                <a:ea typeface="Calibri" panose="020F0502020204030204" pitchFamily="34" charset="0"/>
-                <a:cs typeface="Calibri" panose="020F0502020204030204" pitchFamily="34" charset="0"/>
-                <a:sym typeface="Wingdings" panose="05000000000000000000" pitchFamily="2" charset="2"/>
-              </a:rPr>
-              <a:t>4.1</a:t>
-            </a:r>
-            <a:r>
-              <a:rPr lang="es-ES" sz="1800" i="1" dirty="0">
-                <a:solidFill>
-                  <a:srgbClr val="00B050"/>
-                </a:solidFill>
-                <a:latin typeface="+mn-lt"/>
-                <a:ea typeface="Calibri" panose="020F0502020204030204" pitchFamily="34" charset="0"/>
-                <a:cs typeface="Calibri" panose="020F0502020204030204" pitchFamily="34" charset="0"/>
-                <a:sym typeface="Wingdings" panose="05000000000000000000" pitchFamily="2" charset="2"/>
-              </a:rPr>
-              <a:t> PIPELINES </a:t>
-            </a:r>
-            <a:r>
-              <a:rPr lang="es-ES" sz="1800" dirty="0">
-                <a:solidFill>
-                  <a:schemeClr val="tx1"/>
-                </a:solidFill>
-                <a:latin typeface="+mn-lt"/>
-                <a:ea typeface="Calibri" panose="020F0502020204030204" pitchFamily="34" charset="0"/>
-                <a:cs typeface="Calibri" panose="020F0502020204030204" pitchFamily="34" charset="0"/>
-                <a:sym typeface="Wingdings" panose="05000000000000000000" pitchFamily="2" charset="2"/>
-              </a:rPr>
-              <a:t>para el preprocesado:</a:t>
-            </a:r>
-          </a:p>
-          <a:p>
-            <a:pPr lvl="1"/>
-            <a:r>
-              <a:rPr lang="es-ES" dirty="0">
-                <a:ea typeface="Calibri" panose="020F0502020204030204" pitchFamily="34" charset="0"/>
-                <a:cs typeface="Calibri" panose="020F0502020204030204" pitchFamily="34" charset="0"/>
-                <a:sym typeface="Wingdings" panose="05000000000000000000" pitchFamily="2" charset="2"/>
-              </a:rPr>
-              <a:t>Transformación de las </a:t>
-            </a:r>
-            <a:r>
-              <a:rPr lang="es-ES" i="1" dirty="0" err="1">
-                <a:ea typeface="Calibri" panose="020F0502020204030204" pitchFamily="34" charset="0"/>
-                <a:cs typeface="Calibri" panose="020F0502020204030204" pitchFamily="34" charset="0"/>
-                <a:sym typeface="Wingdings" panose="05000000000000000000" pitchFamily="2" charset="2"/>
-              </a:rPr>
-              <a:t>features</a:t>
-            </a:r>
-            <a:r>
-              <a:rPr lang="es-ES" dirty="0">
-                <a:ea typeface="Calibri" panose="020F0502020204030204" pitchFamily="34" charset="0"/>
-                <a:cs typeface="Calibri" panose="020F0502020204030204" pitchFamily="34" charset="0"/>
-                <a:sym typeface="Wingdings" panose="05000000000000000000" pitchFamily="2" charset="2"/>
-              </a:rPr>
               <a:t> </a:t>
             </a:r>
             <a:r>
-              <a:rPr lang="es-ES" dirty="0">
+              <a:rPr lang="es-ES" sz="1400" dirty="0">
                 <a:ea typeface="Calibri" panose="020F0502020204030204" pitchFamily="34" charset="0"/>
                 <a:cs typeface="Calibri" panose="020F0502020204030204" pitchFamily="34" charset="0"/>
               </a:rPr>
               <a:t>Exclusión de columnas, transformación logarítmica y escalado. </a:t>
             </a:r>
-            <a:endParaRPr lang="es-ES" dirty="0">
-              <a:ea typeface="Calibri" panose="020F0502020204030204" pitchFamily="34" charset="0"/>
-              <a:cs typeface="Calibri" panose="020F0502020204030204" pitchFamily="34" charset="0"/>
-              <a:sym typeface="Wingdings" panose="05000000000000000000" pitchFamily="2" charset="2"/>
-            </a:endParaRPr>
-          </a:p>
-          <a:p>
-            <a:pPr lvl="1"/>
-            <a:endParaRPr lang="es-ES" dirty="0">
-              <a:latin typeface="+mn-lt"/>
-              <a:ea typeface="Calibri" panose="020F0502020204030204" pitchFamily="34" charset="0"/>
-              <a:cs typeface="Calibri" panose="020F0502020204030204" pitchFamily="34" charset="0"/>
-              <a:sym typeface="Wingdings" panose="05000000000000000000" pitchFamily="2" charset="2"/>
-            </a:endParaRPr>
-          </a:p>
-          <a:p>
-            <a:pPr lvl="1"/>
             <a:endParaRPr lang="es-ES" dirty="0">
               <a:latin typeface="+mn-lt"/>
               <a:ea typeface="Calibri" panose="020F0502020204030204" pitchFamily="34" charset="0"/>
@@ -9785,8 +9791,8 @@
         </p:blipFill>
         <p:spPr>
           <a:xfrm>
-            <a:off x="3637038" y="3292404"/>
-            <a:ext cx="5029902" cy="2293636"/>
+            <a:off x="1914301" y="3215486"/>
+            <a:ext cx="4021062" cy="2293636"/>
           </a:xfrm>
           <a:prstGeom prst="rect">
             <a:avLst/>
@@ -9815,8 +9821,8 @@
         </p:blipFill>
         <p:spPr>
           <a:xfrm>
-            <a:off x="3633364" y="5722636"/>
-            <a:ext cx="5029902" cy="1057423"/>
+            <a:off x="1914301" y="5449445"/>
+            <a:ext cx="4021062" cy="1258398"/>
           </a:xfrm>
           <a:prstGeom prst="rect">
             <a:avLst/>
@@ -9837,8 +9843,8 @@
         </p:nvSpPr>
         <p:spPr>
           <a:xfrm>
-            <a:off x="9081716" y="4126304"/>
-            <a:ext cx="2241922" cy="830997"/>
+            <a:off x="5992514" y="3907298"/>
+            <a:ext cx="1751312" cy="738664"/>
           </a:xfrm>
           <a:prstGeom prst="rect">
             <a:avLst/>
@@ -9857,14 +9863,14 @@
           <a:lstStyle/>
           <a:p>
             <a:r>
-              <a:rPr lang="es-ES" sz="1600" dirty="0">
+              <a:rPr lang="es-ES" sz="1400" dirty="0">
                 <a:ea typeface="Calibri" panose="020F0502020204030204" pitchFamily="34" charset="0"/>
                 <a:cs typeface="Calibri" panose="020F0502020204030204" pitchFamily="34" charset="0"/>
               </a:rPr>
               <a:t>Se instancian los </a:t>
             </a:r>
             <a:r>
-              <a:rPr lang="es-ES" sz="1600" b="1" dirty="0">
+              <a:rPr lang="es-ES" sz="1400" b="1" dirty="0">
                 <a:solidFill>
                   <a:srgbClr val="00B050"/>
                 </a:solidFill>
@@ -9874,13 +9880,13 @@
               <a:t>Pipelines </a:t>
             </a:r>
             <a:r>
-              <a:rPr lang="es-ES" sz="1600" dirty="0">
+              <a:rPr lang="es-ES" sz="1400" dirty="0">
                 <a:ea typeface="Calibri" panose="020F0502020204030204" pitchFamily="34" charset="0"/>
                 <a:cs typeface="Calibri" panose="020F0502020204030204" pitchFamily="34" charset="0"/>
               </a:rPr>
               <a:t>para el preprocesado</a:t>
             </a:r>
-            <a:endParaRPr lang="es-ES" dirty="0"/>
+            <a:endParaRPr lang="es-ES" sz="1400" dirty="0"/>
           </a:p>
         </p:txBody>
       </p:sp>
@@ -9898,8 +9904,8 @@
         </p:nvSpPr>
         <p:spPr>
           <a:xfrm>
-            <a:off x="9102354" y="5654605"/>
-            <a:ext cx="2570533" cy="1107996"/>
+            <a:off x="5954413" y="5522421"/>
+            <a:ext cx="1825285" cy="1169551"/>
           </a:xfrm>
           <a:prstGeom prst="rect">
             <a:avLst/>
@@ -9918,29 +9924,27 @@
           <a:lstStyle/>
           <a:p>
             <a:r>
-              <a:rPr lang="es-ES" sz="1600" dirty="0">
-                <a:ea typeface="Calibri" panose="020F0502020204030204" pitchFamily="34" charset="0"/>
-                <a:cs typeface="Calibri" panose="020F0502020204030204" pitchFamily="34" charset="0"/>
-              </a:rPr>
-              <a:t>y se entrena generando un </a:t>
-            </a:r>
-            <a:r>
-              <a:rPr lang="es-ES" sz="1600" i="1" dirty="0" err="1">
+              <a:rPr lang="es-ES" sz="1400" dirty="0">
+                <a:ea typeface="Calibri" panose="020F0502020204030204" pitchFamily="34" charset="0"/>
+                <a:cs typeface="Calibri" panose="020F0502020204030204" pitchFamily="34" charset="0"/>
+              </a:rPr>
+              <a:t>Se entrena generando un </a:t>
+            </a:r>
+            <a:r>
+              <a:rPr lang="es-ES" sz="1400" i="1" dirty="0" err="1">
                 <a:ea typeface="Calibri" panose="020F0502020204030204" pitchFamily="34" charset="0"/>
                 <a:cs typeface="Calibri" panose="020F0502020204030204" pitchFamily="34" charset="0"/>
               </a:rPr>
               <a:t>dataframe</a:t>
             </a:r>
             <a:r>
-              <a:rPr lang="es-ES" sz="1600" dirty="0">
+              <a:rPr lang="es-ES" sz="1400" dirty="0">
                 <a:ea typeface="Calibri" panose="020F0502020204030204" pitchFamily="34" charset="0"/>
                 <a:cs typeface="Calibri" panose="020F0502020204030204" pitchFamily="34" charset="0"/>
               </a:rPr>
               <a:t> con los datos transformados.</a:t>
             </a:r>
-          </a:p>
-          <a:p>
-            <a:endParaRPr lang="es-ES" dirty="0"/>
+            <a:endParaRPr lang="es-ES" sz="1400" dirty="0"/>
           </a:p>
         </p:txBody>
       </p:sp>
@@ -9973,8 +9977,8 @@
         </p:blipFill>
         <p:spPr bwMode="auto">
           <a:xfrm>
-            <a:off x="921695" y="3429000"/>
-            <a:ext cx="3073780" cy="3299467"/>
+            <a:off x="-226947" y="1739633"/>
+            <a:ext cx="2387682" cy="2562993"/>
           </a:xfrm>
           <a:prstGeom prst="rect">
             <a:avLst/>
@@ -9991,95 +9995,133 @@
           </a:extLst>
         </p:spPr>
       </p:pic>
-      <p:sp>
-        <p:nvSpPr>
-          <p:cNvPr id="10" name="Flecha: hacia abajo 9">
+      <p:pic>
+        <p:nvPicPr>
+          <p:cNvPr id="12" name="Imagen 11">
             <a:extLst>
               <a:ext uri="{FF2B5EF4-FFF2-40B4-BE49-F238E27FC236}">
-                <a16:creationId xmlns:a16="http://schemas.microsoft.com/office/drawing/2014/main" id="{70C8D845-8486-A01A-16C4-34F3B95256B4}"/>
+                <a16:creationId xmlns:a16="http://schemas.microsoft.com/office/drawing/2014/main" id="{EA33D8C5-BF46-6B7B-5822-BDC1ED5D6640}"/>
               </a:ext>
             </a:extLst>
           </p:cNvPr>
-          <p:cNvSpPr/>
+          <p:cNvPicPr>
+            <a:picLocks noChangeAspect="1"/>
+          </p:cNvPicPr>
           <p:nvPr/>
-        </p:nvSpPr>
+        </p:nvPicPr>
+        <p:blipFill>
+          <a:blip r:embed="rId5"/>
+          <a:stretch>
+            <a:fillRect/>
+          </a:stretch>
+        </p:blipFill>
         <p:spPr>
-          <a:xfrm rot="5400000">
-            <a:off x="8531891" y="4381169"/>
-            <a:ext cx="714375" cy="321268"/>
+          <a:xfrm>
+            <a:off x="7830178" y="3155808"/>
+            <a:ext cx="4116815" cy="2293636"/>
           </a:xfrm>
-          <a:prstGeom prst="downArrow">
+          <a:prstGeom prst="rect">
             <a:avLst/>
           </a:prstGeom>
         </p:spPr>
-        <p:style>
-          <a:lnRef idx="2">
-            <a:schemeClr val="accent1">
-              <a:shade val="15000"/>
-            </a:schemeClr>
-          </a:lnRef>
-          <a:fillRef idx="1">
-            <a:schemeClr val="accent1"/>
-          </a:fillRef>
-          <a:effectRef idx="0">
-            <a:schemeClr val="accent1"/>
-          </a:effectRef>
-          <a:fontRef idx="minor">
-            <a:schemeClr val="lt1"/>
-          </a:fontRef>
-        </p:style>
-        <p:txBody>
-          <a:bodyPr rtlCol="0" anchor="ctr"/>
-          <a:lstStyle/>
-          <a:p>
-            <a:pPr algn="ctr"/>
-            <a:endParaRPr lang="es-ES"/>
-          </a:p>
-        </p:txBody>
-      </p:sp>
-      <p:sp>
-        <p:nvSpPr>
-          <p:cNvPr id="11" name="Flecha: hacia abajo 10">
+      </p:pic>
+      <p:pic>
+        <p:nvPicPr>
+          <p:cNvPr id="14" name="Imagen 13">
             <a:extLst>
               <a:ext uri="{FF2B5EF4-FFF2-40B4-BE49-F238E27FC236}">
-                <a16:creationId xmlns:a16="http://schemas.microsoft.com/office/drawing/2014/main" id="{02595DF6-08D7-ECDA-96AC-ED28C96B769F}"/>
+                <a16:creationId xmlns:a16="http://schemas.microsoft.com/office/drawing/2014/main" id="{8E041BFB-FA91-46DC-8473-9B27273E995E}"/>
               </a:ext>
             </a:extLst>
           </p:cNvPr>
-          <p:cNvSpPr/>
+          <p:cNvPicPr>
+            <a:picLocks noChangeAspect="1"/>
+          </p:cNvPicPr>
           <p:nvPr/>
-        </p:nvSpPr>
+        </p:nvPicPr>
+        <p:blipFill>
+          <a:blip r:embed="rId6"/>
+          <a:stretch>
+            <a:fillRect/>
+          </a:stretch>
+        </p:blipFill>
         <p:spPr>
-          <a:xfrm rot="5400000">
-            <a:off x="8557586" y="5997131"/>
-            <a:ext cx="714375" cy="321268"/>
+          <a:xfrm>
+            <a:off x="7830178" y="5199515"/>
+            <a:ext cx="4116815" cy="1564390"/>
           </a:xfrm>
-          <a:prstGeom prst="downArrow">
+          <a:prstGeom prst="rect">
             <a:avLst/>
           </a:prstGeom>
         </p:spPr>
-        <p:style>
-          <a:lnRef idx="2">
-            <a:schemeClr val="accent1">
-              <a:shade val="15000"/>
-            </a:schemeClr>
-          </a:lnRef>
-          <a:fillRef idx="1">
-            <a:schemeClr val="accent1"/>
-          </a:fillRef>
-          <a:effectRef idx="0">
-            <a:schemeClr val="accent1"/>
-          </a:effectRef>
-          <a:fontRef idx="minor">
-            <a:schemeClr val="lt1"/>
-          </a:fontRef>
-        </p:style>
-        <p:txBody>
-          <a:bodyPr rtlCol="0" anchor="ctr"/>
+      </p:pic>
+      <p:sp>
+        <p:nvSpPr>
+          <p:cNvPr id="15" name="CuadroTexto 14">
+            <a:extLst>
+              <a:ext uri="{FF2B5EF4-FFF2-40B4-BE49-F238E27FC236}">
+                <a16:creationId xmlns:a16="http://schemas.microsoft.com/office/drawing/2014/main" id="{1CA34655-24C8-B51A-7D33-2B664CAFC203}"/>
+              </a:ext>
+            </a:extLst>
+          </p:cNvPr>
+          <p:cNvSpPr txBox="1"/>
+          <p:nvPr/>
+        </p:nvSpPr>
+        <p:spPr>
+          <a:xfrm>
+            <a:off x="2967316" y="2807616"/>
+            <a:ext cx="2452804" cy="338554"/>
+          </a:xfrm>
+          <a:prstGeom prst="rect">
+            <a:avLst/>
+          </a:prstGeom>
+          <a:noFill/>
+        </p:spPr>
+        <p:txBody>
+          <a:bodyPr wrap="square" rtlCol="0">
+            <a:spAutoFit/>
+          </a:bodyPr>
           <a:lstStyle/>
           <a:p>
-            <a:pPr algn="ctr"/>
-            <a:endParaRPr lang="es-ES"/>
+            <a:r>
+              <a:rPr lang="es-ES" sz="1600" dirty="0"/>
+              <a:t>Para clasificación:</a:t>
+            </a:r>
+          </a:p>
+        </p:txBody>
+      </p:sp>
+      <p:sp>
+        <p:nvSpPr>
+          <p:cNvPr id="16" name="CuadroTexto 15">
+            <a:extLst>
+              <a:ext uri="{FF2B5EF4-FFF2-40B4-BE49-F238E27FC236}">
+                <a16:creationId xmlns:a16="http://schemas.microsoft.com/office/drawing/2014/main" id="{4D2B2B5A-702A-0464-0499-8D3FADC438B5}"/>
+              </a:ext>
+            </a:extLst>
+          </p:cNvPr>
+          <p:cNvSpPr txBox="1"/>
+          <p:nvPr/>
+        </p:nvSpPr>
+        <p:spPr>
+          <a:xfrm>
+            <a:off x="8662183" y="2773760"/>
+            <a:ext cx="2452804" cy="338554"/>
+          </a:xfrm>
+          <a:prstGeom prst="rect">
+            <a:avLst/>
+          </a:prstGeom>
+          <a:noFill/>
+        </p:spPr>
+        <p:txBody>
+          <a:bodyPr wrap="square" rtlCol="0">
+            <a:spAutoFit/>
+          </a:bodyPr>
+          <a:lstStyle/>
+          <a:p>
+            <a:r>
+              <a:rPr lang="es-ES" sz="1600" dirty="0"/>
+              <a:t>Para regresión:</a:t>
+            </a:r>
           </a:p>
         </p:txBody>
       </p:sp>
@@ -10305,7 +10347,7 @@
           </a:p>
           <a:p>
             <a:r>
-              <a:rPr lang="es-ES" dirty="0">
+              <a:rPr lang="es-ES" sz="1700" dirty="0">
                 <a:solidFill>
                   <a:schemeClr val="tx1"/>
                 </a:solidFill>
@@ -10317,7 +10359,7 @@
               <a:t>5. 1 </a:t>
             </a:r>
             <a:r>
-              <a:rPr lang="es-ES" i="1" dirty="0">
+              <a:rPr lang="es-ES" sz="1700" i="1" dirty="0">
                 <a:solidFill>
                   <a:srgbClr val="00B050"/>
                 </a:solidFill>
@@ -10329,7 +10371,7 @@
               <a:t>PIPELINES </a:t>
             </a:r>
             <a:r>
-              <a:rPr lang="es-ES" dirty="0">
+              <a:rPr lang="es-ES" sz="1700" dirty="0">
                 <a:solidFill>
                   <a:schemeClr val="tx1"/>
                 </a:solidFill>
@@ -10551,7 +10593,7 @@
         <p:spPr>
           <a:xfrm>
             <a:off x="2560965" y="2972157"/>
-            <a:ext cx="4340276" cy="378138"/>
+            <a:ext cx="4291478" cy="378138"/>
           </a:xfrm>
           <a:prstGeom prst="rect">
             <a:avLst/>
@@ -10580,7 +10622,7 @@
         </p:blipFill>
         <p:spPr>
           <a:xfrm>
-            <a:off x="2654349" y="4608766"/>
+            <a:off x="2654349" y="4458712"/>
             <a:ext cx="2528590" cy="2144458"/>
           </a:xfrm>
           <a:prstGeom prst="rect">
@@ -10610,7 +10652,7 @@
         </p:blipFill>
         <p:spPr>
           <a:xfrm>
-            <a:off x="7262646" y="4645163"/>
+            <a:off x="7262646" y="4495109"/>
             <a:ext cx="2452805" cy="2144459"/>
           </a:xfrm>
           <a:prstGeom prst="rect">
@@ -10632,7 +10674,7 @@
         </p:nvSpPr>
         <p:spPr>
           <a:xfrm>
-            <a:off x="2586316" y="4270212"/>
+            <a:off x="2581783" y="4123333"/>
             <a:ext cx="2452804" cy="338554"/>
           </a:xfrm>
           <a:prstGeom prst="rect">
@@ -10667,7 +10709,7 @@
         </p:nvSpPr>
         <p:spPr>
           <a:xfrm>
-            <a:off x="7152880" y="4275056"/>
+            <a:off x="7148346" y="4148832"/>
             <a:ext cx="2452804" cy="338554"/>
           </a:xfrm>
           <a:prstGeom prst="rect">
@@ -11049,8 +11091,8 @@
         </p:nvSpPr>
         <p:spPr>
           <a:xfrm>
-            <a:off x="1596536" y="1638884"/>
-            <a:ext cx="9884263" cy="1569660"/>
+            <a:off x="1676269" y="1367271"/>
+            <a:ext cx="9884263" cy="2062103"/>
           </a:xfrm>
           <a:prstGeom prst="rect">
             <a:avLst/>
@@ -11152,8 +11194,81 @@
                 <a:ea typeface="Calibri" panose="020F0502020204030204" pitchFamily="34" charset="0"/>
                 <a:cs typeface="Calibri" panose="020F0502020204030204" pitchFamily="34" charset="0"/>
               </a:rPr>
-              <a:t>. </a:t>
-            </a:r>
+              <a:t> (CV). </a:t>
+            </a:r>
+            <a:r>
+              <a:rPr lang="es-ES" sz="1600" dirty="0">
+                <a:ea typeface="Calibri" panose="020F0502020204030204" pitchFamily="34" charset="0"/>
+                <a:cs typeface="Calibri" panose="020F0502020204030204" pitchFamily="34" charset="0"/>
+              </a:rPr>
+              <a:t>La gran ventaja de usar </a:t>
+            </a:r>
+            <a:r>
+              <a:rPr lang="es-ES" sz="1600" b="1" dirty="0">
+                <a:solidFill>
+                  <a:srgbClr val="00B050"/>
+                </a:solidFill>
+                <a:ea typeface="Calibri" panose="020F0502020204030204" pitchFamily="34" charset="0"/>
+                <a:cs typeface="Calibri" panose="020F0502020204030204" pitchFamily="34" charset="0"/>
+              </a:rPr>
+              <a:t>pipelines</a:t>
+            </a:r>
+            <a:r>
+              <a:rPr lang="es-ES" sz="1600" dirty="0">
+                <a:ea typeface="Calibri" panose="020F0502020204030204" pitchFamily="34" charset="0"/>
+                <a:cs typeface="Calibri" panose="020F0502020204030204" pitchFamily="34" charset="0"/>
+              </a:rPr>
+              <a:t> en este paso es que se integra directamente el preprocesado y que la propia función</a:t>
+            </a:r>
+            <a:r>
+              <a:rPr lang="es-ES" sz="1600" i="1" dirty="0">
+                <a:solidFill>
+                  <a:srgbClr val="0070C0"/>
+                </a:solidFill>
+                <a:ea typeface="Calibri" panose="020F0502020204030204" pitchFamily="34" charset="0"/>
+                <a:cs typeface="Calibri" panose="020F0502020204030204" pitchFamily="34" charset="0"/>
+              </a:rPr>
+              <a:t> CV </a:t>
+            </a:r>
+            <a:r>
+              <a:rPr lang="es-ES" sz="1600" dirty="0">
+                <a:ea typeface="Calibri" panose="020F0502020204030204" pitchFamily="34" charset="0"/>
+                <a:cs typeface="Calibri" panose="020F0502020204030204" pitchFamily="34" charset="0"/>
+              </a:rPr>
+              <a:t>no transforma el </a:t>
+            </a:r>
+            <a:r>
+              <a:rPr lang="es-ES" sz="1600" i="1" dirty="0" err="1">
+                <a:ea typeface="Calibri" panose="020F0502020204030204" pitchFamily="34" charset="0"/>
+                <a:cs typeface="Calibri" panose="020F0502020204030204" pitchFamily="34" charset="0"/>
+              </a:rPr>
+              <a:t>fold</a:t>
+            </a:r>
+            <a:r>
+              <a:rPr lang="es-ES" sz="1600" i="1" dirty="0">
+                <a:ea typeface="Calibri" panose="020F0502020204030204" pitchFamily="34" charset="0"/>
+                <a:cs typeface="Calibri" panose="020F0502020204030204" pitchFamily="34" charset="0"/>
+              </a:rPr>
+              <a:t> </a:t>
+            </a:r>
+            <a:r>
+              <a:rPr lang="es-ES" sz="1600" dirty="0">
+                <a:ea typeface="Calibri" panose="020F0502020204030204" pitchFamily="34" charset="0"/>
+                <a:cs typeface="Calibri" panose="020F0502020204030204" pitchFamily="34" charset="0"/>
+              </a:rPr>
+              <a:t>de validación.</a:t>
+            </a:r>
+            <a:r>
+              <a:rPr lang="es-ES" sz="1600" i="1" dirty="0">
+                <a:ea typeface="Calibri" panose="020F0502020204030204" pitchFamily="34" charset="0"/>
+                <a:cs typeface="Calibri" panose="020F0502020204030204" pitchFamily="34" charset="0"/>
+              </a:rPr>
+              <a:t> </a:t>
+            </a:r>
+            <a:endParaRPr lang="es-ES" sz="1600" dirty="0">
+              <a:ea typeface="Calibri" panose="020F0502020204030204" pitchFamily="34" charset="0"/>
+              <a:cs typeface="Calibri" panose="020F0502020204030204" pitchFamily="34" charset="0"/>
+            </a:endParaRPr>
           </a:p>
           <a:p>
             <a:endParaRPr lang="es-ES" sz="1600" b="1" i="1" dirty="0">
@@ -11458,8 +11573,8 @@
         </p:blipFill>
         <p:spPr bwMode="auto">
           <a:xfrm>
-            <a:off x="7764835" y="3868542"/>
-            <a:ext cx="3715964" cy="1864190"/>
+            <a:off x="7844568" y="3967625"/>
+            <a:ext cx="3715964" cy="1646507"/>
           </a:xfrm>
           <a:prstGeom prst="rect">
             <a:avLst/>
@@ -11562,6 +11677,9 @@
             <a:off x="1485900" y="1372344"/>
             <a:ext cx="10174287" cy="5294737"/>
           </a:xfrm>
+          <a:ln>
+            <a:noFill/>
+          </a:ln>
         </p:spPr>
         <p:txBody>
           <a:bodyPr/>
@@ -11661,7 +11779,7 @@
           <a:p>
             <a:pPr lvl="1"/>
             <a:r>
-              <a:rPr lang="es-ES" dirty="0">
+              <a:rPr lang="es-ES" sz="1400" dirty="0">
                 <a:ea typeface="Calibri" panose="020F0502020204030204" pitchFamily="34" charset="0"/>
                 <a:cs typeface="Calibri" panose="020F0502020204030204" pitchFamily="34" charset="0"/>
                 <a:sym typeface="Wingdings" panose="05000000000000000000" pitchFamily="2" charset="2"/>
@@ -11669,7 +11787,7 @@
               <a:t>Instanciamos el modelo ya seleccionado con el preprocesado, el </a:t>
             </a:r>
             <a:r>
-              <a:rPr lang="es-ES" b="1" dirty="0">
+              <a:rPr lang="es-ES" sz="1400" b="1" dirty="0">
                 <a:solidFill>
                   <a:srgbClr val="00B050"/>
                 </a:solidFill>
@@ -11680,45 +11798,103 @@
               <a:t>PCA</a:t>
             </a:r>
             <a:r>
-              <a:rPr lang="es-ES" dirty="0">
+              <a:rPr lang="es-ES" sz="1400" dirty="0">
                 <a:ea typeface="Calibri" panose="020F0502020204030204" pitchFamily="34" charset="0"/>
                 <a:cs typeface="Calibri" panose="020F0502020204030204" pitchFamily="34" charset="0"/>
                 <a:sym typeface="Wingdings" panose="05000000000000000000" pitchFamily="2" charset="2"/>
               </a:rPr>
-              <a:t> y el </a:t>
-            </a:r>
-            <a:r>
-              <a:rPr lang="es-ES" b="1" u="sng" dirty="0" err="1">
+              <a:t> y el muestreo en </a:t>
+            </a:r>
+            <a:r>
+              <a:rPr lang="es-ES" sz="1400" b="1" dirty="0" err="1">
+                <a:solidFill>
+                  <a:srgbClr val="00B0F0"/>
+                </a:solidFill>
                 <a:ea typeface="Calibri" panose="020F0502020204030204" pitchFamily="34" charset="0"/>
                 <a:cs typeface="Calibri" panose="020F0502020204030204" pitchFamily="34" charset="0"/>
                 <a:sym typeface="Wingdings" panose="05000000000000000000" pitchFamily="2" charset="2"/>
               </a:rPr>
+              <a:t>None</a:t>
+            </a:r>
+            <a:r>
+              <a:rPr lang="es-ES" sz="1400" b="1" dirty="0">
+                <a:solidFill>
+                  <a:srgbClr val="00B0F0"/>
+                </a:solidFill>
+                <a:ea typeface="Calibri" panose="020F0502020204030204" pitchFamily="34" charset="0"/>
+                <a:cs typeface="Calibri" panose="020F0502020204030204" pitchFamily="34" charset="0"/>
+                <a:sym typeface="Wingdings" panose="05000000000000000000" pitchFamily="2" charset="2"/>
+              </a:rPr>
+              <a:t> </a:t>
+            </a:r>
+            <a:r>
+              <a:rPr lang="es-ES" sz="1400" dirty="0">
+                <a:solidFill>
+                  <a:schemeClr val="tx1"/>
+                </a:solidFill>
+                <a:ea typeface="Calibri" panose="020F0502020204030204" pitchFamily="34" charset="0"/>
+                <a:cs typeface="Calibri" panose="020F0502020204030204" pitchFamily="34" charset="0"/>
+                <a:sym typeface="Wingdings" panose="05000000000000000000" pitchFamily="2" charset="2"/>
+              </a:rPr>
+              <a:t>para</a:t>
+            </a:r>
+            <a:r>
+              <a:rPr lang="es-ES" sz="1400" dirty="0">
+                <a:ea typeface="Calibri" panose="020F0502020204030204" pitchFamily="34" charset="0"/>
+                <a:cs typeface="Calibri" panose="020F0502020204030204" pitchFamily="34" charset="0"/>
+                <a:sym typeface="Wingdings" panose="05000000000000000000" pitchFamily="2" charset="2"/>
+              </a:rPr>
+              <a:t> añadir opciones en el </a:t>
+            </a:r>
+            <a:r>
+              <a:rPr lang="es-ES" sz="1400" dirty="0" err="1">
+                <a:ea typeface="Calibri" panose="020F0502020204030204" pitchFamily="34" charset="0"/>
+                <a:cs typeface="Calibri" panose="020F0502020204030204" pitchFamily="34" charset="0"/>
+                <a:sym typeface="Wingdings" panose="05000000000000000000" pitchFamily="2" charset="2"/>
+              </a:rPr>
+              <a:t>Grid</a:t>
+            </a:r>
+            <a:r>
+              <a:rPr lang="es-ES" sz="1400" dirty="0">
+                <a:ea typeface="Calibri" panose="020F0502020204030204" pitchFamily="34" charset="0"/>
+                <a:cs typeface="Calibri" panose="020F0502020204030204" pitchFamily="34" charset="0"/>
+                <a:sym typeface="Wingdings" panose="05000000000000000000" pitchFamily="2" charset="2"/>
+              </a:rPr>
+              <a:t>. (</a:t>
+            </a:r>
+            <a:r>
+              <a:rPr lang="es-ES" sz="1400" dirty="0" err="1">
+                <a:ea typeface="Calibri" panose="020F0502020204030204" pitchFamily="34" charset="0"/>
+                <a:cs typeface="Calibri" panose="020F0502020204030204" pitchFamily="34" charset="0"/>
+                <a:sym typeface="Wingdings" panose="05000000000000000000" pitchFamily="2" charset="2"/>
+              </a:rPr>
+              <a:t>desechanado</a:t>
+            </a:r>
+            <a:r>
+              <a:rPr lang="es-ES" sz="1400" dirty="0">
+                <a:ea typeface="Calibri" panose="020F0502020204030204" pitchFamily="34" charset="0"/>
+                <a:cs typeface="Calibri" panose="020F0502020204030204" pitchFamily="34" charset="0"/>
+                <a:sym typeface="Wingdings" panose="05000000000000000000" pitchFamily="2" charset="2"/>
+              </a:rPr>
+              <a:t> tras probarlo el </a:t>
+            </a:r>
+            <a:r>
+              <a:rPr lang="es-ES" sz="1400" b="1" u="sng" dirty="0" err="1">
+                <a:ea typeface="Calibri" panose="020F0502020204030204" pitchFamily="34" charset="0"/>
+                <a:cs typeface="Calibri" panose="020F0502020204030204" pitchFamily="34" charset="0"/>
+                <a:sym typeface="Wingdings" panose="05000000000000000000" pitchFamily="2" charset="2"/>
+              </a:rPr>
               <a:t>RandomUnderSampler</a:t>
             </a:r>
             <a:r>
-              <a:rPr lang="es-ES" dirty="0">
+              <a:rPr lang="es-ES" sz="1400" b="1" u="sng" dirty="0">
                 <a:ea typeface="Calibri" panose="020F0502020204030204" pitchFamily="34" charset="0"/>
                 <a:cs typeface="Calibri" panose="020F0502020204030204" pitchFamily="34" charset="0"/>
                 <a:sym typeface="Wingdings" panose="05000000000000000000" pitchFamily="2" charset="2"/>
               </a:rPr>
-              <a:t> de </a:t>
-            </a:r>
-            <a:r>
-              <a:rPr lang="es-ES" dirty="0" err="1">
-                <a:ea typeface="Calibri" panose="020F0502020204030204" pitchFamily="34" charset="0"/>
-                <a:cs typeface="Calibri" panose="020F0502020204030204" pitchFamily="34" charset="0"/>
-                <a:sym typeface="Wingdings" panose="05000000000000000000" pitchFamily="2" charset="2"/>
-              </a:rPr>
-              <a:t>inbalanced-learn</a:t>
-            </a:r>
-            <a:endParaRPr lang="es-ES" dirty="0">
-              <a:ea typeface="Calibri" panose="020F0502020204030204" pitchFamily="34" charset="0"/>
-              <a:cs typeface="Calibri" panose="020F0502020204030204" pitchFamily="34" charset="0"/>
-            </a:endParaRPr>
-          </a:p>
-          <a:p>
-            <a:pPr lvl="1"/>
-            <a:endParaRPr lang="es-ES" dirty="0">
+              <a:t>).</a:t>
+            </a:r>
+            <a:endParaRPr lang="es-ES" sz="1400" dirty="0">
               <a:ea typeface="Calibri" panose="020F0502020204030204" pitchFamily="34" charset="0"/>
               <a:cs typeface="Calibri" panose="020F0502020204030204" pitchFamily="34" charset="0"/>
               <a:sym typeface="Wingdings" panose="05000000000000000000" pitchFamily="2" charset="2"/>
@@ -11726,7 +11902,7 @@
           </a:p>
           <a:p>
             <a:pPr lvl="1"/>
-            <a:endParaRPr lang="es-ES" dirty="0">
+            <a:endParaRPr lang="es-ES" sz="1400" dirty="0">
               <a:latin typeface="+mn-lt"/>
               <a:ea typeface="Calibri" panose="020F0502020204030204" pitchFamily="34" charset="0"/>
               <a:cs typeface="Calibri" panose="020F0502020204030204" pitchFamily="34" charset="0"/>
@@ -11735,7 +11911,7 @@
           </a:p>
           <a:p>
             <a:pPr lvl="1"/>
-            <a:endParaRPr lang="es-ES" dirty="0">
+            <a:endParaRPr lang="es-ES" sz="1400" dirty="0">
               <a:ea typeface="Calibri" panose="020F0502020204030204" pitchFamily="34" charset="0"/>
               <a:cs typeface="Calibri" panose="020F0502020204030204" pitchFamily="34" charset="0"/>
               <a:sym typeface="Wingdings" panose="05000000000000000000" pitchFamily="2" charset="2"/>
@@ -11744,15 +11920,15 @@
           <a:p>
             <a:pPr lvl="1"/>
             <a:r>
-              <a:rPr lang="es-ES" dirty="0">
+              <a:rPr lang="es-ES" sz="1400" dirty="0">
                 <a:ea typeface="Calibri" panose="020F0502020204030204" pitchFamily="34" charset="0"/>
                 <a:cs typeface="Calibri" panose="020F0502020204030204" pitchFamily="34" charset="0"/>
                 <a:sym typeface="Wingdings" panose="05000000000000000000" pitchFamily="2" charset="2"/>
               </a:rPr>
-              <a:t>Optimizamos los </a:t>
-            </a:r>
-            <a:r>
-              <a:rPr lang="es-ES" dirty="0" err="1">
+              <a:t>Inicialmente optimizamos los </a:t>
+            </a:r>
+            <a:r>
+              <a:rPr lang="es-ES" sz="1400" dirty="0" err="1">
                 <a:ea typeface="Calibri" panose="020F0502020204030204" pitchFamily="34" charset="0"/>
                 <a:cs typeface="Calibri" panose="020F0502020204030204" pitchFamily="34" charset="0"/>
                 <a:sym typeface="Wingdings" panose="05000000000000000000" pitchFamily="2" charset="2"/>
@@ -11760,7 +11936,7 @@
               <a:t>hiperparámetros</a:t>
             </a:r>
             <a:r>
-              <a:rPr lang="es-ES" dirty="0">
+              <a:rPr lang="es-ES" sz="1400" dirty="0">
                 <a:ea typeface="Calibri" panose="020F0502020204030204" pitchFamily="34" charset="0"/>
                 <a:cs typeface="Calibri" panose="020F0502020204030204" pitchFamily="34" charset="0"/>
                 <a:sym typeface="Wingdings" panose="05000000000000000000" pitchFamily="2" charset="2"/>
@@ -11768,7 +11944,7 @@
               <a:t> con un </a:t>
             </a:r>
             <a:r>
-              <a:rPr lang="es-ES" b="1" dirty="0" err="1">
+              <a:rPr lang="es-ES" sz="1400" b="1" dirty="0" err="1">
                 <a:solidFill>
                   <a:srgbClr val="00B050"/>
                 </a:solidFill>
@@ -11778,18 +11954,43 @@
               </a:rPr>
               <a:t>RandomizedSearchCV</a:t>
             </a:r>
-            <a:endParaRPr lang="es-ES" b="1" dirty="0">
-              <a:solidFill>
-                <a:srgbClr val="00B050"/>
-              </a:solidFill>
-              <a:ea typeface="Calibri" panose="020F0502020204030204" pitchFamily="34" charset="0"/>
-              <a:cs typeface="Calibri" panose="020F0502020204030204" pitchFamily="34" charset="0"/>
-              <a:sym typeface="Wingdings" panose="05000000000000000000" pitchFamily="2" charset="2"/>
-            </a:endParaRPr>
+            <a:r>
+              <a:rPr lang="es-ES" sz="1400" b="1" dirty="0">
+                <a:solidFill>
+                  <a:srgbClr val="00B050"/>
+                </a:solidFill>
+                <a:ea typeface="Calibri" panose="020F0502020204030204" pitchFamily="34" charset="0"/>
+                <a:cs typeface="Calibri" panose="020F0502020204030204" pitchFamily="34" charset="0"/>
+                <a:sym typeface="Wingdings" panose="05000000000000000000" pitchFamily="2" charset="2"/>
+              </a:rPr>
+              <a:t>, </a:t>
+            </a:r>
+            <a:r>
+              <a:rPr lang="es-ES" sz="1400" dirty="0">
+                <a:solidFill>
+                  <a:schemeClr val="tx1"/>
+                </a:solidFill>
+                <a:ea typeface="Calibri" panose="020F0502020204030204" pitchFamily="34" charset="0"/>
+                <a:cs typeface="Calibri" panose="020F0502020204030204" pitchFamily="34" charset="0"/>
+                <a:sym typeface="Wingdings" panose="05000000000000000000" pitchFamily="2" charset="2"/>
+              </a:rPr>
+              <a:t>y vamos probando formas mejorar la métrica.</a:t>
+            </a:r>
+            <a:r>
+              <a:rPr lang="es-ES" sz="1400" b="1" dirty="0">
+                <a:solidFill>
+                  <a:srgbClr val="00B050"/>
+                </a:solidFill>
+                <a:ea typeface="Calibri" panose="020F0502020204030204" pitchFamily="34" charset="0"/>
+                <a:cs typeface="Calibri" panose="020F0502020204030204" pitchFamily="34" charset="0"/>
+                <a:sym typeface="Wingdings" panose="05000000000000000000" pitchFamily="2" charset="2"/>
+              </a:rPr>
+              <a:t> </a:t>
+            </a:r>
           </a:p>
           <a:p>
             <a:pPr lvl="1"/>
-            <a:endParaRPr lang="es-ES" b="1" dirty="0">
+            <a:endParaRPr lang="es-ES" sz="1400" b="1" dirty="0">
               <a:solidFill>
                 <a:srgbClr val="00B050"/>
               </a:solidFill>
@@ -11802,7 +12003,7 @@
           <a:p>
             <a:pPr lvl="1"/>
             <a:r>
-              <a:rPr lang="es-ES" dirty="0">
+              <a:rPr lang="es-ES" sz="1400" dirty="0">
                 <a:solidFill>
                   <a:schemeClr val="tx1"/>
                 </a:solidFill>
@@ -11813,7 +12014,7 @@
               <a:t>Instanciamos un </a:t>
             </a:r>
             <a:r>
-              <a:rPr lang="es-ES" b="1" dirty="0">
+              <a:rPr lang="es-ES" sz="1400" b="1" dirty="0">
                 <a:solidFill>
                   <a:srgbClr val="00B050"/>
                 </a:solidFill>
@@ -11824,7 +12025,7 @@
               <a:t>Pipeline </a:t>
             </a:r>
             <a:r>
-              <a:rPr lang="es-ES" dirty="0">
+              <a:rPr lang="es-ES" sz="1400" dirty="0">
                 <a:solidFill>
                   <a:schemeClr val="tx1"/>
                 </a:solidFill>
@@ -11840,7 +12041,7 @@
               <a:buNone/>
             </a:pPr>
             <a:r>
-              <a:rPr lang="es-ES" dirty="0">
+              <a:rPr lang="es-ES" sz="1400" dirty="0">
                 <a:solidFill>
                   <a:schemeClr val="tx1"/>
                 </a:solidFill>
@@ -11851,7 +12052,7 @@
               <a:t>desempeño probamos </a:t>
             </a:r>
             <a:r>
-              <a:rPr lang="es-ES" dirty="0" err="1">
+              <a:rPr lang="es-ES" sz="1400" dirty="0" err="1">
                 <a:solidFill>
                   <a:schemeClr val="tx1"/>
                 </a:solidFill>
@@ -11862,7 +12063,7 @@
               <a:t>tb</a:t>
             </a:r>
             <a:r>
-              <a:rPr lang="es-ES" dirty="0">
+              <a:rPr lang="es-ES" sz="1400" dirty="0">
                 <a:solidFill>
                   <a:schemeClr val="tx1"/>
                 </a:solidFill>
@@ -11873,7 +12074,7 @@
               <a:t> con  </a:t>
             </a:r>
             <a:r>
-              <a:rPr lang="es-ES" b="1" dirty="0" err="1">
+              <a:rPr lang="es-ES" sz="1400" b="1" dirty="0" err="1">
                 <a:solidFill>
                   <a:srgbClr val="00B050"/>
                 </a:solidFill>
@@ -11884,7 +12085,7 @@
               <a:t>GridSearchCV</a:t>
             </a:r>
             <a:r>
-              <a:rPr lang="es-ES" dirty="0">
+              <a:rPr lang="es-ES" sz="1400" dirty="0">
                 <a:solidFill>
                   <a:schemeClr val="tx1"/>
                 </a:solidFill>
@@ -12027,10 +12228,10 @@
       </p:sp>
       <p:pic>
         <p:nvPicPr>
-          <p:cNvPr id="3" name="Imagen 2">
+          <p:cNvPr id="7" name="Imagen 6">
             <a:extLst>
               <a:ext uri="{FF2B5EF4-FFF2-40B4-BE49-F238E27FC236}">
-                <a16:creationId xmlns:a16="http://schemas.microsoft.com/office/drawing/2014/main" id="{CD876FE2-ADE9-95B5-A3F3-2F69D8058780}"/>
+                <a16:creationId xmlns:a16="http://schemas.microsoft.com/office/drawing/2014/main" id="{8C9F76E4-403D-85D2-6A61-D1DC431F1E93}"/>
               </a:ext>
             </a:extLst>
           </p:cNvPr>
@@ -12047,37 +12248,7 @@
         </p:blipFill>
         <p:spPr>
           <a:xfrm>
-            <a:off x="2333121" y="2686394"/>
-            <a:ext cx="3600953" cy="990738"/>
-          </a:xfrm>
-          <a:prstGeom prst="rect">
-            <a:avLst/>
-          </a:prstGeom>
-        </p:spPr>
-      </p:pic>
-      <p:pic>
-        <p:nvPicPr>
-          <p:cNvPr id="7" name="Imagen 6">
-            <a:extLst>
-              <a:ext uri="{FF2B5EF4-FFF2-40B4-BE49-F238E27FC236}">
-                <a16:creationId xmlns:a16="http://schemas.microsoft.com/office/drawing/2014/main" id="{8C9F76E4-403D-85D2-6A61-D1DC431F1E93}"/>
-              </a:ext>
-            </a:extLst>
-          </p:cNvPr>
-          <p:cNvPicPr>
-            <a:picLocks noChangeAspect="1"/>
-          </p:cNvPicPr>
-          <p:nvPr/>
-        </p:nvPicPr>
-        <p:blipFill>
-          <a:blip r:embed="rId3"/>
-          <a:stretch>
-            <a:fillRect/>
-          </a:stretch>
-        </p:blipFill>
-        <p:spPr>
-          <a:xfrm>
-            <a:off x="2323595" y="4085046"/>
+            <a:off x="2323490" y="3766824"/>
             <a:ext cx="7220958" cy="419158"/>
           </a:xfrm>
           <a:prstGeom prst="rect">
@@ -12100,7 +12271,7 @@
           <p:nvPr/>
         </p:nvPicPr>
         <p:blipFill>
-          <a:blip r:embed="rId4"/>
+          <a:blip r:embed="rId3"/>
           <a:stretch>
             <a:fillRect/>
           </a:stretch>
@@ -12130,7 +12301,7 @@
           <p:nvPr/>
         </p:nvPicPr>
         <p:blipFill>
-          <a:blip r:embed="rId5"/>
+          <a:blip r:embed="rId4"/>
           <a:stretch>
             <a:fillRect/>
           </a:stretch>
@@ -12159,7 +12330,7 @@
         </p:nvSpPr>
         <p:spPr>
           <a:xfrm>
-            <a:off x="6776747" y="4536958"/>
+            <a:off x="6881570" y="4380137"/>
             <a:ext cx="5154305" cy="523220"/>
           </a:xfrm>
           <a:prstGeom prst="rect">
@@ -12329,7 +12500,7 @@
           <p:nvPr/>
         </p:nvPicPr>
         <p:blipFill>
-          <a:blip r:embed="rId6"/>
+          <a:blip r:embed="rId5"/>
           <a:stretch>
             <a:fillRect/>
           </a:stretch>
@@ -12359,7 +12530,7 @@
           <p:nvPr/>
         </p:nvPicPr>
         <p:blipFill rotWithShape="1">
-          <a:blip r:embed="rId7">
+          <a:blip r:embed="rId6">
             <a:extLst>
               <a:ext uri="{28A0092B-C50C-407E-A947-70E740481C1C}">
                 <a14:useLocalDpi xmlns:a14="http://schemas.microsoft.com/office/drawing/2010/main" val="0"/>
@@ -12371,8 +12542,8 @@
         </p:blipFill>
         <p:spPr bwMode="auto">
           <a:xfrm>
-            <a:off x="9188707" y="2388624"/>
-            <a:ext cx="2583935" cy="1599580"/>
+            <a:off x="9684101" y="1799167"/>
+            <a:ext cx="1976086" cy="1223292"/>
           </a:xfrm>
           <a:prstGeom prst="rect">
             <a:avLst/>
@@ -12387,6 +12558,35 @@
               </a14:hiddenFill>
             </a:ext>
           </a:extLst>
+        </p:spPr>
+      </p:pic>
+      <p:pic>
+        <p:nvPicPr>
+          <p:cNvPr id="6" name="Imagen 5">
+            <a:extLst>
+              <a:ext uri="{FF2B5EF4-FFF2-40B4-BE49-F238E27FC236}">
+                <a16:creationId xmlns:a16="http://schemas.microsoft.com/office/drawing/2014/main" id="{A933EB5F-F1BC-B5E9-35C5-7A9F2DE899D3}"/>
+              </a:ext>
+            </a:extLst>
+          </p:cNvPr>
+          <p:cNvPicPr>
+            <a:picLocks noChangeAspect="1"/>
+          </p:cNvPicPr>
+          <p:nvPr/>
+        </p:nvPicPr>
+        <p:blipFill>
+          <a:blip r:embed="rId7"/>
+          <a:srcRect l="2086" t="7833"/>
+          <a:stretch/>
+        </p:blipFill>
+        <p:spPr>
+          <a:xfrm>
+            <a:off x="2323490" y="2504663"/>
+            <a:ext cx="4829680" cy="824879"/>
+          </a:xfrm>
+          <a:prstGeom prst="rect">
+            <a:avLst/>
+          </a:prstGeom>
         </p:spPr>
       </p:pic>
     </p:spTree>
@@ -12495,7 +12695,53 @@
                 <a:cs typeface="Calibri" panose="020F0502020204030204" pitchFamily="34" charset="0"/>
                 <a:sym typeface="Wingdings" panose="05000000000000000000" pitchFamily="2" charset="2"/>
               </a:rPr>
-              <a:t>ión,</a:t>
+              <a:t>ión, se usa el </a:t>
+            </a:r>
+            <a:r>
+              <a:rPr lang="es-ES" b="1" i="1" dirty="0" err="1">
+                <a:solidFill>
+                  <a:srgbClr val="00B050"/>
+                </a:solidFill>
+                <a:ea typeface="Calibri" panose="020F0502020204030204" pitchFamily="34" charset="0"/>
+                <a:cs typeface="Calibri" panose="020F0502020204030204" pitchFamily="34" charset="0"/>
+                <a:sym typeface="Wingdings" panose="05000000000000000000" pitchFamily="2" charset="2"/>
+              </a:rPr>
+              <a:t>TransformedTargetRegressor</a:t>
+            </a:r>
+            <a:r>
+              <a:rPr lang="es-ES" b="1" i="1" dirty="0">
+                <a:solidFill>
+                  <a:srgbClr val="00B050"/>
+                </a:solidFill>
+                <a:ea typeface="Calibri" panose="020F0502020204030204" pitchFamily="34" charset="0"/>
+                <a:cs typeface="Calibri" panose="020F0502020204030204" pitchFamily="34" charset="0"/>
+                <a:sym typeface="Wingdings" panose="05000000000000000000" pitchFamily="2" charset="2"/>
+              </a:rPr>
+              <a:t> </a:t>
+            </a:r>
+            <a:r>
+              <a:rPr lang="es-ES" dirty="0">
+                <a:ea typeface="Calibri" panose="020F0502020204030204" pitchFamily="34" charset="0"/>
+                <a:cs typeface="Calibri" panose="020F0502020204030204" pitchFamily="34" charset="0"/>
+                <a:sym typeface="Wingdings" panose="05000000000000000000" pitchFamily="2" charset="2"/>
+              </a:rPr>
+              <a:t>para paliar el que la variable </a:t>
+            </a:r>
+            <a:r>
+              <a:rPr lang="es-ES" i="1" dirty="0">
+                <a:ea typeface="Calibri" panose="020F0502020204030204" pitchFamily="34" charset="0"/>
+                <a:cs typeface="Calibri" panose="020F0502020204030204" pitchFamily="34" charset="0"/>
+                <a:sym typeface="Wingdings" panose="05000000000000000000" pitchFamily="2" charset="2"/>
+              </a:rPr>
+              <a:t>target</a:t>
+            </a:r>
+            <a:r>
+              <a:rPr lang="es-ES" dirty="0">
+                <a:ea typeface="Calibri" panose="020F0502020204030204" pitchFamily="34" charset="0"/>
+                <a:cs typeface="Calibri" panose="020F0502020204030204" pitchFamily="34" charset="0"/>
+                <a:sym typeface="Wingdings" panose="05000000000000000000" pitchFamily="2" charset="2"/>
+              </a:rPr>
+              <a:t> no tenga forma Gaussiana.</a:t>
             </a:r>
           </a:p>
           <a:p>
@@ -12590,14 +12836,17 @@
               </a:rPr>
               <a:t>GridSearchCV</a:t>
             </a:r>
-            <a:endParaRPr lang="es-ES" b="1" dirty="0">
-              <a:solidFill>
-                <a:srgbClr val="00B050"/>
-              </a:solidFill>
-              <a:ea typeface="Calibri" panose="020F0502020204030204" pitchFamily="34" charset="0"/>
-              <a:cs typeface="Calibri" panose="020F0502020204030204" pitchFamily="34" charset="0"/>
-              <a:sym typeface="Wingdings" panose="05000000000000000000" pitchFamily="2" charset="2"/>
-            </a:endParaRPr>
+            <a:r>
+              <a:rPr lang="es-ES" b="1" dirty="0">
+                <a:solidFill>
+                  <a:srgbClr val="00B050"/>
+                </a:solidFill>
+                <a:ea typeface="Calibri" panose="020F0502020204030204" pitchFamily="34" charset="0"/>
+                <a:cs typeface="Calibri" panose="020F0502020204030204" pitchFamily="34" charset="0"/>
+                <a:sym typeface="Wingdings" panose="05000000000000000000" pitchFamily="2" charset="2"/>
+              </a:rPr>
+              <a:t>.</a:t>
+            </a:r>
           </a:p>
           <a:p>
             <a:pPr lvl="1"/>
@@ -12809,7 +13058,7 @@
         </p:blipFill>
         <p:spPr>
           <a:xfrm>
-            <a:off x="2366837" y="2304816"/>
+            <a:off x="2312882" y="2509558"/>
             <a:ext cx="5220429" cy="1066949"/>
           </a:xfrm>
           <a:prstGeom prst="rect">
@@ -12839,7 +13088,7 @@
         </p:blipFill>
         <p:spPr>
           <a:xfrm>
-            <a:off x="2366837" y="4217895"/>
+            <a:off x="2312882" y="4324741"/>
             <a:ext cx="5220429" cy="1505160"/>
           </a:xfrm>
           <a:prstGeom prst="rect">
@@ -12874,7 +13123,7 @@
         </p:blipFill>
         <p:spPr bwMode="auto">
           <a:xfrm>
-            <a:off x="8360293" y="2509558"/>
+            <a:off x="8160268" y="2548796"/>
             <a:ext cx="3299894" cy="2907960"/>
           </a:xfrm>
           <a:prstGeom prst="rect">
@@ -13161,7 +13410,7 @@
         </p:blipFill>
         <p:spPr>
           <a:xfrm>
-            <a:off x="6700044" y="2183250"/>
+            <a:off x="6700044" y="2488946"/>
             <a:ext cx="3429479" cy="1228896"/>
           </a:xfrm>
           <a:prstGeom prst="rect">
@@ -13183,8 +13432,8 @@
         </p:nvSpPr>
         <p:spPr>
           <a:xfrm>
-            <a:off x="1563689" y="1283433"/>
-            <a:ext cx="6093618" cy="646331"/>
+            <a:off x="1563688" y="1283433"/>
+            <a:ext cx="7751761" cy="369332"/>
           </a:xfrm>
           <a:prstGeom prst="rect">
             <a:avLst/>
@@ -13266,7 +13515,7 @@
         </p:nvSpPr>
         <p:spPr>
           <a:xfrm>
-            <a:off x="1802447" y="1872256"/>
+            <a:off x="1650047" y="1702979"/>
             <a:ext cx="2452804" cy="338554"/>
           </a:xfrm>
           <a:prstGeom prst="rect">
@@ -13301,8 +13550,8 @@
         </p:nvSpPr>
         <p:spPr>
           <a:xfrm>
-            <a:off x="6613960" y="1844696"/>
-            <a:ext cx="2452804" cy="338554"/>
+            <a:off x="6518709" y="1702979"/>
+            <a:ext cx="5492315" cy="584775"/>
           </a:xfrm>
           <a:prstGeom prst="rect">
             <a:avLst/>
@@ -13317,7 +13566,15 @@
           <a:p>
             <a:r>
               <a:rPr lang="es-ES" sz="1600" dirty="0"/>
-              <a:t>Para regresión:</a:t>
+              <a:t>Para regresión (hablaríamos con “Negocio” para ver si la métrica les gusta y un </a:t>
+            </a:r>
+            <a:r>
+              <a:rPr lang="es-ES" sz="1600" i="1" dirty="0"/>
+              <a:t>score=</a:t>
+            </a:r>
+            <a:r>
+              <a:rPr lang="es-ES" sz="1600" dirty="0"/>
+              <a:t>6,95 es suficiente:</a:t>
             </a:r>
           </a:p>
         </p:txBody>

--- a/Presentación_PIPELINES.pptx
+++ b/Presentación_PIPELINES.pptx
@@ -9791,38 +9791,8 @@
         </p:blipFill>
         <p:spPr>
           <a:xfrm>
-            <a:off x="1914301" y="3215486"/>
+            <a:off x="1785094" y="3215486"/>
             <a:ext cx="4021062" cy="2293636"/>
-          </a:xfrm>
-          <a:prstGeom prst="rect">
-            <a:avLst/>
-          </a:prstGeom>
-        </p:spPr>
-      </p:pic>
-      <p:pic>
-        <p:nvPicPr>
-          <p:cNvPr id="7" name="Imagen 6">
-            <a:extLst>
-              <a:ext uri="{FF2B5EF4-FFF2-40B4-BE49-F238E27FC236}">
-                <a16:creationId xmlns:a16="http://schemas.microsoft.com/office/drawing/2014/main" id="{8A4468B8-172F-2F1B-FC41-4DEDD4C0F41B}"/>
-              </a:ext>
-            </a:extLst>
-          </p:cNvPr>
-          <p:cNvPicPr>
-            <a:picLocks noChangeAspect="1"/>
-          </p:cNvPicPr>
-          <p:nvPr/>
-        </p:nvPicPr>
-        <p:blipFill>
-          <a:blip r:embed="rId3"/>
-          <a:stretch>
-            <a:fillRect/>
-          </a:stretch>
-        </p:blipFill>
-        <p:spPr>
-          <a:xfrm>
-            <a:off x="1914301" y="5449445"/>
-            <a:ext cx="4021062" cy="1258398"/>
           </a:xfrm>
           <a:prstGeom prst="rect">
             <a:avLst/>
@@ -9843,7 +9813,7 @@
         </p:nvSpPr>
         <p:spPr>
           <a:xfrm>
-            <a:off x="5992514" y="3907298"/>
+            <a:off x="5913002" y="3907298"/>
             <a:ext cx="1751312" cy="738664"/>
           </a:xfrm>
           <a:prstGeom prst="rect">
@@ -9904,8 +9874,8 @@
         </p:nvSpPr>
         <p:spPr>
           <a:xfrm>
-            <a:off x="5954413" y="5522421"/>
-            <a:ext cx="1825285" cy="1169551"/>
+            <a:off x="5874901" y="5522421"/>
+            <a:ext cx="1825285" cy="830997"/>
           </a:xfrm>
           <a:prstGeom prst="rect">
             <a:avLst/>
@@ -9923,28 +9893,29 @@
           </a:bodyPr>
           <a:lstStyle/>
           <a:p>
-            <a:r>
-              <a:rPr lang="es-ES" sz="1400" dirty="0">
-                <a:ea typeface="Calibri" panose="020F0502020204030204" pitchFamily="34" charset="0"/>
-                <a:cs typeface="Calibri" panose="020F0502020204030204" pitchFamily="34" charset="0"/>
-              </a:rPr>
-              <a:t>Se entrena generando un </a:t>
-            </a:r>
-            <a:r>
-              <a:rPr lang="es-ES" sz="1400" i="1" dirty="0" err="1">
+            <a:pPr algn="ctr"/>
+            <a:r>
+              <a:rPr lang="es-ES" sz="1200" dirty="0">
+                <a:ea typeface="Calibri" panose="020F0502020204030204" pitchFamily="34" charset="0"/>
+                <a:cs typeface="Calibri" panose="020F0502020204030204" pitchFamily="34" charset="0"/>
+              </a:rPr>
+              <a:t>Posteriormente, se entrena generando un </a:t>
+            </a:r>
+            <a:r>
+              <a:rPr lang="es-ES" sz="1200" i="1" dirty="0" err="1">
                 <a:ea typeface="Calibri" panose="020F0502020204030204" pitchFamily="34" charset="0"/>
                 <a:cs typeface="Calibri" panose="020F0502020204030204" pitchFamily="34" charset="0"/>
               </a:rPr>
               <a:t>dataframe</a:t>
             </a:r>
             <a:r>
-              <a:rPr lang="es-ES" sz="1400" dirty="0">
+              <a:rPr lang="es-ES" sz="1200" dirty="0">
                 <a:ea typeface="Calibri" panose="020F0502020204030204" pitchFamily="34" charset="0"/>
                 <a:cs typeface="Calibri" panose="020F0502020204030204" pitchFamily="34" charset="0"/>
               </a:rPr>
               <a:t> con los datos transformados.</a:t>
             </a:r>
-            <a:endParaRPr lang="es-ES" sz="1400" dirty="0"/>
+            <a:endParaRPr lang="es-ES" sz="1200" dirty="0"/>
           </a:p>
         </p:txBody>
       </p:sp>
@@ -9963,7 +9934,7 @@
           <p:nvPr/>
         </p:nvPicPr>
         <p:blipFill>
-          <a:blip r:embed="rId4">
+          <a:blip r:embed="rId3">
             <a:extLst>
               <a:ext uri="{28A0092B-C50C-407E-A947-70E740481C1C}">
                 <a14:useLocalDpi xmlns:a14="http://schemas.microsoft.com/office/drawing/2010/main" val="0"/>
@@ -9977,8 +9948,8 @@
         </p:blipFill>
         <p:spPr bwMode="auto">
           <a:xfrm>
-            <a:off x="-226947" y="1739633"/>
-            <a:ext cx="2387682" cy="2562993"/>
+            <a:off x="-137929" y="1479408"/>
+            <a:ext cx="2119247" cy="2274849"/>
           </a:xfrm>
           <a:prstGeom prst="rect">
             <a:avLst/>
@@ -10010,7 +9981,7 @@
           <p:nvPr/>
         </p:nvPicPr>
         <p:blipFill>
-          <a:blip r:embed="rId5"/>
+          <a:blip r:embed="rId4"/>
           <a:stretch>
             <a:fillRect/>
           </a:stretch>
@@ -10025,12 +9996,112 @@
           </a:prstGeom>
         </p:spPr>
       </p:pic>
+      <p:sp>
+        <p:nvSpPr>
+          <p:cNvPr id="15" name="CuadroTexto 14">
+            <a:extLst>
+              <a:ext uri="{FF2B5EF4-FFF2-40B4-BE49-F238E27FC236}">
+                <a16:creationId xmlns:a16="http://schemas.microsoft.com/office/drawing/2014/main" id="{1CA34655-24C8-B51A-7D33-2B664CAFC203}"/>
+              </a:ext>
+            </a:extLst>
+          </p:cNvPr>
+          <p:cNvSpPr txBox="1"/>
+          <p:nvPr/>
+        </p:nvSpPr>
+        <p:spPr>
+          <a:xfrm>
+            <a:off x="2838109" y="2807616"/>
+            <a:ext cx="2452804" cy="338554"/>
+          </a:xfrm>
+          <a:prstGeom prst="rect">
+            <a:avLst/>
+          </a:prstGeom>
+          <a:noFill/>
+        </p:spPr>
+        <p:txBody>
+          <a:bodyPr wrap="square" rtlCol="0">
+            <a:spAutoFit/>
+          </a:bodyPr>
+          <a:lstStyle/>
+          <a:p>
+            <a:r>
+              <a:rPr lang="es-ES" sz="1600" dirty="0"/>
+              <a:t>Para clasificación:</a:t>
+            </a:r>
+          </a:p>
+        </p:txBody>
+      </p:sp>
+      <p:sp>
+        <p:nvSpPr>
+          <p:cNvPr id="16" name="CuadroTexto 15">
+            <a:extLst>
+              <a:ext uri="{FF2B5EF4-FFF2-40B4-BE49-F238E27FC236}">
+                <a16:creationId xmlns:a16="http://schemas.microsoft.com/office/drawing/2014/main" id="{4D2B2B5A-702A-0464-0499-8D3FADC438B5}"/>
+              </a:ext>
+            </a:extLst>
+          </p:cNvPr>
+          <p:cNvSpPr txBox="1"/>
+          <p:nvPr/>
+        </p:nvSpPr>
+        <p:spPr>
+          <a:xfrm>
+            <a:off x="8662183" y="2773760"/>
+            <a:ext cx="2452804" cy="338554"/>
+          </a:xfrm>
+          <a:prstGeom prst="rect">
+            <a:avLst/>
+          </a:prstGeom>
+          <a:noFill/>
+        </p:spPr>
+        <p:txBody>
+          <a:bodyPr wrap="square" rtlCol="0">
+            <a:spAutoFit/>
+          </a:bodyPr>
+          <a:lstStyle/>
+          <a:p>
+            <a:r>
+              <a:rPr lang="es-ES" sz="1600" dirty="0"/>
+              <a:t>Para regresión:</a:t>
+            </a:r>
+          </a:p>
+        </p:txBody>
+      </p:sp>
       <p:pic>
         <p:nvPicPr>
-          <p:cNvPr id="14" name="Imagen 13">
+          <p:cNvPr id="11" name="Imagen 10">
             <a:extLst>
               <a:ext uri="{FF2B5EF4-FFF2-40B4-BE49-F238E27FC236}">
-                <a16:creationId xmlns:a16="http://schemas.microsoft.com/office/drawing/2014/main" id="{8E041BFB-FA91-46DC-8473-9B27273E995E}"/>
+                <a16:creationId xmlns:a16="http://schemas.microsoft.com/office/drawing/2014/main" id="{E007C37F-15F0-1EB8-DF4C-4D5BFF70ADF4}"/>
+              </a:ext>
+            </a:extLst>
+          </p:cNvPr>
+          <p:cNvPicPr>
+            <a:picLocks noChangeAspect="1"/>
+          </p:cNvPicPr>
+          <p:nvPr/>
+        </p:nvPicPr>
+        <p:blipFill>
+          <a:blip r:embed="rId5"/>
+          <a:stretch>
+            <a:fillRect/>
+          </a:stretch>
+        </p:blipFill>
+        <p:spPr>
+          <a:xfrm>
+            <a:off x="1788429" y="5524121"/>
+            <a:ext cx="4017727" cy="1214941"/>
+          </a:xfrm>
+          <a:prstGeom prst="rect">
+            <a:avLst/>
+          </a:prstGeom>
+        </p:spPr>
+      </p:pic>
+      <p:pic>
+        <p:nvPicPr>
+          <p:cNvPr id="17" name="Imagen 16">
+            <a:extLst>
+              <a:ext uri="{FF2B5EF4-FFF2-40B4-BE49-F238E27FC236}">
+                <a16:creationId xmlns:a16="http://schemas.microsoft.com/office/drawing/2014/main" id="{8C376BBA-CDAC-F52E-BA90-9DC5CE7E29EB}"/>
               </a:ext>
             </a:extLst>
           </p:cNvPr>
@@ -10047,84 +10118,14 @@
         </p:blipFill>
         <p:spPr>
           <a:xfrm>
-            <a:off x="7830178" y="5199515"/>
-            <a:ext cx="4116815" cy="1564390"/>
+            <a:off x="7780484" y="5489200"/>
+            <a:ext cx="4262238" cy="903974"/>
           </a:xfrm>
           <a:prstGeom prst="rect">
             <a:avLst/>
           </a:prstGeom>
         </p:spPr>
       </p:pic>
-      <p:sp>
-        <p:nvSpPr>
-          <p:cNvPr id="15" name="CuadroTexto 14">
-            <a:extLst>
-              <a:ext uri="{FF2B5EF4-FFF2-40B4-BE49-F238E27FC236}">
-                <a16:creationId xmlns:a16="http://schemas.microsoft.com/office/drawing/2014/main" id="{1CA34655-24C8-B51A-7D33-2B664CAFC203}"/>
-              </a:ext>
-            </a:extLst>
-          </p:cNvPr>
-          <p:cNvSpPr txBox="1"/>
-          <p:nvPr/>
-        </p:nvSpPr>
-        <p:spPr>
-          <a:xfrm>
-            <a:off x="2967316" y="2807616"/>
-            <a:ext cx="2452804" cy="338554"/>
-          </a:xfrm>
-          <a:prstGeom prst="rect">
-            <a:avLst/>
-          </a:prstGeom>
-          <a:noFill/>
-        </p:spPr>
-        <p:txBody>
-          <a:bodyPr wrap="square" rtlCol="0">
-            <a:spAutoFit/>
-          </a:bodyPr>
-          <a:lstStyle/>
-          <a:p>
-            <a:r>
-              <a:rPr lang="es-ES" sz="1600" dirty="0"/>
-              <a:t>Para clasificación:</a:t>
-            </a:r>
-          </a:p>
-        </p:txBody>
-      </p:sp>
-      <p:sp>
-        <p:nvSpPr>
-          <p:cNvPr id="16" name="CuadroTexto 15">
-            <a:extLst>
-              <a:ext uri="{FF2B5EF4-FFF2-40B4-BE49-F238E27FC236}">
-                <a16:creationId xmlns:a16="http://schemas.microsoft.com/office/drawing/2014/main" id="{4D2B2B5A-702A-0464-0499-8D3FADC438B5}"/>
-              </a:ext>
-            </a:extLst>
-          </p:cNvPr>
-          <p:cNvSpPr txBox="1"/>
-          <p:nvPr/>
-        </p:nvSpPr>
-        <p:spPr>
-          <a:xfrm>
-            <a:off x="8662183" y="2773760"/>
-            <a:ext cx="2452804" cy="338554"/>
-          </a:xfrm>
-          <a:prstGeom prst="rect">
-            <a:avLst/>
-          </a:prstGeom>
-          <a:noFill/>
-        </p:spPr>
-        <p:txBody>
-          <a:bodyPr wrap="square" rtlCol="0">
-            <a:spAutoFit/>
-          </a:bodyPr>
-          <a:lstStyle/>
-          <a:p>
-            <a:r>
-              <a:rPr lang="es-ES" sz="1600" dirty="0"/>
-              <a:t>Para regresión:</a:t>
-            </a:r>
-          </a:p>
-        </p:txBody>
-      </p:sp>
     </p:spTree>
     <p:extLst>
       <p:ext uri="{BB962C8B-B14F-4D97-AF65-F5344CB8AC3E}">
@@ -12487,36 +12488,6 @@
       </p:sp>
       <p:pic>
         <p:nvPicPr>
-          <p:cNvPr id="17" name="Imagen 16">
-            <a:extLst>
-              <a:ext uri="{FF2B5EF4-FFF2-40B4-BE49-F238E27FC236}">
-                <a16:creationId xmlns:a16="http://schemas.microsoft.com/office/drawing/2014/main" id="{623B4B28-718D-9CA9-265B-1775F243BED4}"/>
-              </a:ext>
-            </a:extLst>
-          </p:cNvPr>
-          <p:cNvPicPr>
-            <a:picLocks noChangeAspect="1"/>
-          </p:cNvPicPr>
-          <p:nvPr/>
-        </p:nvPicPr>
-        <p:blipFill>
-          <a:blip r:embed="rId5"/>
-          <a:stretch>
-            <a:fillRect/>
-          </a:stretch>
-        </p:blipFill>
-        <p:spPr>
-          <a:xfrm>
-            <a:off x="5596287" y="5168879"/>
-            <a:ext cx="2885168" cy="1498202"/>
-          </a:xfrm>
-          <a:prstGeom prst="rect">
-            <a:avLst/>
-          </a:prstGeom>
-        </p:spPr>
-      </p:pic>
-      <p:pic>
-        <p:nvPicPr>
           <p:cNvPr id="1030" name="Picture 6" descr="Conjunto de datos desbalanceado - Aprende IA">
             <a:extLst>
               <a:ext uri="{FF2B5EF4-FFF2-40B4-BE49-F238E27FC236}">
@@ -12530,7 +12501,7 @@
           <p:nvPr/>
         </p:nvPicPr>
         <p:blipFill rotWithShape="1">
-          <a:blip r:embed="rId6">
+          <a:blip r:embed="rId5">
             <a:extLst>
               <a:ext uri="{28A0092B-C50C-407E-A947-70E740481C1C}">
                 <a14:useLocalDpi xmlns:a14="http://schemas.microsoft.com/office/drawing/2010/main" val="0"/>
@@ -12575,7 +12546,7 @@
           <p:nvPr/>
         </p:nvPicPr>
         <p:blipFill>
-          <a:blip r:embed="rId7"/>
+          <a:blip r:embed="rId6"/>
           <a:srcRect l="2086" t="7833"/>
           <a:stretch/>
         </p:blipFill>
@@ -12583,6 +12554,36 @@
           <a:xfrm>
             <a:off x="2323490" y="2504663"/>
             <a:ext cx="4829680" cy="824879"/>
+          </a:xfrm>
+          <a:prstGeom prst="rect">
+            <a:avLst/>
+          </a:prstGeom>
+        </p:spPr>
+      </p:pic>
+      <p:pic>
+        <p:nvPicPr>
+          <p:cNvPr id="3" name="Imagen 2">
+            <a:extLst>
+              <a:ext uri="{FF2B5EF4-FFF2-40B4-BE49-F238E27FC236}">
+                <a16:creationId xmlns:a16="http://schemas.microsoft.com/office/drawing/2014/main" id="{28FD3579-0A3F-B1AF-4485-4711A0E96F84}"/>
+              </a:ext>
+            </a:extLst>
+          </p:cNvPr>
+          <p:cNvPicPr>
+            <a:picLocks noChangeAspect="1"/>
+          </p:cNvPicPr>
+          <p:nvPr/>
+        </p:nvPicPr>
+        <p:blipFill>
+          <a:blip r:embed="rId7"/>
+          <a:stretch>
+            <a:fillRect/>
+          </a:stretch>
+        </p:blipFill>
+        <p:spPr>
+          <a:xfrm>
+            <a:off x="5640962" y="5158832"/>
+            <a:ext cx="2689102" cy="1576743"/>
           </a:xfrm>
           <a:prstGeom prst="rect">
             <a:avLst/>
@@ -12672,7 +12673,7 @@
         </p:nvSpPr>
         <p:spPr>
           <a:xfrm>
-            <a:off x="1485900" y="1372344"/>
+            <a:off x="1485900" y="1327280"/>
             <a:ext cx="10174287" cy="5294737"/>
           </a:xfrm>
         </p:spPr>
@@ -13058,7 +13059,7 @@
         </p:blipFill>
         <p:spPr>
           <a:xfrm>
-            <a:off x="2312882" y="2509558"/>
+            <a:off x="2048475" y="2499510"/>
             <a:ext cx="5220429" cy="1066949"/>
           </a:xfrm>
           <a:prstGeom prst="rect">
@@ -13088,7 +13089,7 @@
         </p:blipFill>
         <p:spPr>
           <a:xfrm>
-            <a:off x="2312882" y="4324741"/>
+            <a:off x="2048475" y="4314693"/>
             <a:ext cx="5220429" cy="1505160"/>
           </a:xfrm>
           <a:prstGeom prst="rect">
@@ -13123,8 +13124,8 @@
         </p:blipFill>
         <p:spPr bwMode="auto">
           <a:xfrm>
-            <a:off x="8160268" y="2548796"/>
-            <a:ext cx="3299894" cy="2907960"/>
+            <a:off x="9548312" y="1871438"/>
+            <a:ext cx="2315575" cy="2040550"/>
           </a:xfrm>
           <a:prstGeom prst="rect">
             <a:avLst/>
@@ -13141,6 +13142,82 @@
           </a:extLst>
         </p:spPr>
       </p:pic>
+      <p:pic>
+        <p:nvPicPr>
+          <p:cNvPr id="3" name="Imagen 2">
+            <a:extLst>
+              <a:ext uri="{FF2B5EF4-FFF2-40B4-BE49-F238E27FC236}">
+                <a16:creationId xmlns:a16="http://schemas.microsoft.com/office/drawing/2014/main" id="{BE783E09-6733-1A1E-625D-A36DB10D29A8}"/>
+              </a:ext>
+            </a:extLst>
+          </p:cNvPr>
+          <p:cNvPicPr>
+            <a:picLocks noChangeAspect="1"/>
+          </p:cNvPicPr>
+          <p:nvPr/>
+        </p:nvPicPr>
+        <p:blipFill>
+          <a:blip r:embed="rId5"/>
+          <a:stretch>
+            <a:fillRect/>
+          </a:stretch>
+        </p:blipFill>
+        <p:spPr>
+          <a:xfrm>
+            <a:off x="7570284" y="4292359"/>
+            <a:ext cx="4404131" cy="2073290"/>
+          </a:xfrm>
+          <a:prstGeom prst="rect">
+            <a:avLst/>
+          </a:prstGeom>
+        </p:spPr>
+      </p:pic>
+      <p:sp>
+        <p:nvSpPr>
+          <p:cNvPr id="7" name="Flecha: hacia abajo 6">
+            <a:extLst>
+              <a:ext uri="{FF2B5EF4-FFF2-40B4-BE49-F238E27FC236}">
+                <a16:creationId xmlns:a16="http://schemas.microsoft.com/office/drawing/2014/main" id="{997C52AC-B13F-754C-F60A-995FE184C105}"/>
+              </a:ext>
+            </a:extLst>
+          </p:cNvPr>
+          <p:cNvSpPr/>
+          <p:nvPr/>
+        </p:nvSpPr>
+        <p:spPr>
+          <a:xfrm rot="16200000">
+            <a:off x="7133068" y="4954916"/>
+            <a:ext cx="576769" cy="224713"/>
+          </a:xfrm>
+          <a:prstGeom prst="downArrow">
+            <a:avLst/>
+          </a:prstGeom>
+        </p:spPr>
+        <p:style>
+          <a:lnRef idx="2">
+            <a:schemeClr val="accent1">
+              <a:shade val="15000"/>
+            </a:schemeClr>
+          </a:lnRef>
+          <a:fillRef idx="1">
+            <a:schemeClr val="accent1"/>
+          </a:fillRef>
+          <a:effectRef idx="0">
+            <a:schemeClr val="accent1"/>
+          </a:effectRef>
+          <a:fontRef idx="minor">
+            <a:schemeClr val="lt1"/>
+          </a:fontRef>
+        </p:style>
+        <p:txBody>
+          <a:bodyPr rtlCol="0" anchor="ctr"/>
+          <a:lstStyle/>
+          <a:p>
+            <a:pPr algn="ctr"/>
+            <a:endParaRPr lang="es-ES"/>
+          </a:p>
+        </p:txBody>
+      </p:sp>
     </p:spTree>
     <p:extLst>
       <p:ext uri="{BB962C8B-B14F-4D97-AF65-F5344CB8AC3E}">
